--- a/Notebooks/English/05 - Active Directory/03 - Exercise - Add and delete users in Azure Active Directory - Learn  Microsoft Docs.pptx
+++ b/Notebooks/English/05 - Active Directory/03 - Exercise - Add and delete users in Azure Active Directory - Learn  Microsoft Docs.pptx
@@ -1,20 +1,25 @@
 
 <file path=ppt/presentation.xml><?xml version="1.0" encoding="utf-8"?>
-<p:presentation xmlns:a="http://schemas.openxmlformats.org/drawingml/2006/main" xmlns:r="http://schemas.openxmlformats.org/officeDocument/2006/relationships" xmlns:p="http://schemas.openxmlformats.org/presentationml/2006/main" saveSubsetFonts="1" autoCompressPictures="0">
+<p:presentation xmlns:a="http://schemas.openxmlformats.org/drawingml/2006/main" xmlns:p="http://schemas.openxmlformats.org/presentationml/2006/main" xmlns:r="http://schemas.openxmlformats.org/officeDocument/2006/relationships" autoCompressPictures="0" saveSubsetFonts="1">
   <p:sldMasterIdLst>
     <p:sldMasterId id="2147483648" r:id="rId1"/>
   </p:sldMasterIdLst>
   <p:sldIdLst>
-    <p:sldId id="256" r:id="rId7"/>
+    <p:sldId id="256" r:id="rId2"/>
+    <p:sldId id="257" r:id="rId3"/>
+    <p:sldId id="258" r:id="rId4"/>
+    <p:sldId id="259" r:id="rId5"/>
+    <p:sldId id="260" r:id="rId6"/>
+    <p:sldId id="261" r:id="rId7"/>
   </p:sldIdLst>
-  <p:sldSz cx="9144000" cy="6858000" type="screen4x3"/>
+  <p:sldSz cx="9144000" cy="5143500" type="screen16x9"/>
   <p:notesSz cx="6858000" cy="9144000"/>
   <p:defaultTextStyle>
     <a:defPPr>
       <a:defRPr lang="en-US"/>
     </a:defPPr>
-    <a:lvl1pPr marL="0" algn="l" defTabSz="457200" rtl="0" eaLnBrk="1" latinLnBrk="0" hangingPunct="1">
-      <a:defRPr sz="1800" kern="1200">
+    <a:lvl1pPr algn="l" defTabSz="457200" eaLnBrk="1" hangingPunct="1" latinLnBrk="0" marL="0" rtl="0">
+      <a:defRPr kern="1200" sz="1800">
         <a:solidFill>
           <a:schemeClr val="tx1"/>
         </a:solidFill>
@@ -23,8 +28,8 @@
         <a:cs typeface="+mn-cs"/>
       </a:defRPr>
     </a:lvl1pPr>
-    <a:lvl2pPr marL="457200" algn="l" defTabSz="457200" rtl="0" eaLnBrk="1" latinLnBrk="0" hangingPunct="1">
-      <a:defRPr sz="1800" kern="1200">
+    <a:lvl2pPr algn="l" defTabSz="457200" eaLnBrk="1" hangingPunct="1" latinLnBrk="0" marL="457200" rtl="0">
+      <a:defRPr kern="1200" sz="1800">
         <a:solidFill>
           <a:schemeClr val="tx1"/>
         </a:solidFill>
@@ -33,8 +38,8 @@
         <a:cs typeface="+mn-cs"/>
       </a:defRPr>
     </a:lvl2pPr>
-    <a:lvl3pPr marL="914400" algn="l" defTabSz="457200" rtl="0" eaLnBrk="1" latinLnBrk="0" hangingPunct="1">
-      <a:defRPr sz="1800" kern="1200">
+    <a:lvl3pPr algn="l" defTabSz="457200" eaLnBrk="1" hangingPunct="1" latinLnBrk="0" marL="914400" rtl="0">
+      <a:defRPr kern="1200" sz="1800">
         <a:solidFill>
           <a:schemeClr val="tx1"/>
         </a:solidFill>
@@ -43,8 +48,8 @@
         <a:cs typeface="+mn-cs"/>
       </a:defRPr>
     </a:lvl3pPr>
-    <a:lvl4pPr marL="1371600" algn="l" defTabSz="457200" rtl="0" eaLnBrk="1" latinLnBrk="0" hangingPunct="1">
-      <a:defRPr sz="1800" kern="1200">
+    <a:lvl4pPr algn="l" defTabSz="457200" eaLnBrk="1" hangingPunct="1" latinLnBrk="0" marL="1371600" rtl="0">
+      <a:defRPr kern="1200" sz="1800">
         <a:solidFill>
           <a:schemeClr val="tx1"/>
         </a:solidFill>
@@ -53,8 +58,8 @@
         <a:cs typeface="+mn-cs"/>
       </a:defRPr>
     </a:lvl4pPr>
-    <a:lvl5pPr marL="1828800" algn="l" defTabSz="457200" rtl="0" eaLnBrk="1" latinLnBrk="0" hangingPunct="1">
-      <a:defRPr sz="1800" kern="1200">
+    <a:lvl5pPr algn="l" defTabSz="457200" eaLnBrk="1" hangingPunct="1" latinLnBrk="0" marL="1828800" rtl="0">
+      <a:defRPr kern="1200" sz="1800">
         <a:solidFill>
           <a:schemeClr val="tx1"/>
         </a:solidFill>
@@ -63,8 +68,8 @@
         <a:cs typeface="+mn-cs"/>
       </a:defRPr>
     </a:lvl5pPr>
-    <a:lvl6pPr marL="2286000" algn="l" defTabSz="457200" rtl="0" eaLnBrk="1" latinLnBrk="0" hangingPunct="1">
-      <a:defRPr sz="1800" kern="1200">
+    <a:lvl6pPr algn="l" defTabSz="457200" eaLnBrk="1" hangingPunct="1" latinLnBrk="0" marL="2286000" rtl="0">
+      <a:defRPr kern="1200" sz="1800">
         <a:solidFill>
           <a:schemeClr val="tx1"/>
         </a:solidFill>
@@ -73,8 +78,8 @@
         <a:cs typeface="+mn-cs"/>
       </a:defRPr>
     </a:lvl6pPr>
-    <a:lvl7pPr marL="2743200" algn="l" defTabSz="457200" rtl="0" eaLnBrk="1" latinLnBrk="0" hangingPunct="1">
-      <a:defRPr sz="1800" kern="1200">
+    <a:lvl7pPr algn="l" defTabSz="457200" eaLnBrk="1" hangingPunct="1" latinLnBrk="0" marL="2743200" rtl="0">
+      <a:defRPr kern="1200" sz="1800">
         <a:solidFill>
           <a:schemeClr val="tx1"/>
         </a:solidFill>
@@ -83,8 +88,8 @@
         <a:cs typeface="+mn-cs"/>
       </a:defRPr>
     </a:lvl7pPr>
-    <a:lvl8pPr marL="3200400" algn="l" defTabSz="457200" rtl="0" eaLnBrk="1" latinLnBrk="0" hangingPunct="1">
-      <a:defRPr sz="1800" kern="1200">
+    <a:lvl8pPr algn="l" defTabSz="457200" eaLnBrk="1" hangingPunct="1" latinLnBrk="0" marL="3200400" rtl="0">
+      <a:defRPr kern="1200" sz="1800">
         <a:solidFill>
           <a:schemeClr val="tx1"/>
         </a:solidFill>
@@ -93,8 +98,8 @@
         <a:cs typeface="+mn-cs"/>
       </a:defRPr>
     </a:lvl8pPr>
-    <a:lvl9pPr marL="3657600" algn="l" defTabSz="457200" rtl="0" eaLnBrk="1" latinLnBrk="0" hangingPunct="1">
-      <a:defRPr sz="1800" kern="1200">
+    <a:lvl9pPr algn="l" defTabSz="457200" eaLnBrk="1" hangingPunct="1" latinLnBrk="0" marL="3657600" rtl="0">
+      <a:defRPr kern="1200" sz="1800">
         <a:solidFill>
           <a:schemeClr val="tx1"/>
         </a:solidFill>
@@ -104,6 +109,22 @@
       </a:defRPr>
     </a:lvl9pPr>
   </p:defaultTextStyle>
+  <p:extLst>
+    <p:ext uri="{EFAFB233-063F-42B5-8137-9DF3F51BA10A}">
+      <p15:sldGuideLst xmlns:p15="http://schemas.microsoft.com/office/powerpoint/2012/main">
+        <p15:guide id="1" orient="horz" pos="1620" userDrawn="1">
+          <p15:clr>
+            <a:srgbClr val="A4A3A4"/>
+          </p15:clr>
+        </p15:guide>
+        <p15:guide id="2" pos="2880" userDrawn="1">
+          <p15:clr>
+            <a:srgbClr val="A4A3A4"/>
+          </p15:clr>
+        </p15:guide>
+      </p15:sldGuideLst>
+    </p:ext>
+  </p:extLst>
 </p:presentation>
 </file>
 
@@ -136,8 +157,8 @@
         </p:nvSpPr>
         <p:spPr>
           <a:xfrm>
-            <a:off x="685800" y="2130425"/>
-            <a:ext cx="7772400" cy="1470025"/>
+            <a:off x="685800" y="1597819"/>
+            <a:ext cx="7772400" cy="1102519"/>
           </a:xfrm>
         </p:spPr>
         <p:txBody>
@@ -145,10 +166,9 @@
           <a:lstStyle/>
           <a:p>
             <a:r>
-              <a:rPr lang="en-US" smtClean="0"/>
+              <a:rPr lang="en-US"/>
               <a:t>Click to edit Master title style</a:t>
             </a:r>
-            <a:endParaRPr lang="en-US"/>
           </a:p>
         </p:txBody>
       </p:sp>
@@ -164,8 +184,8 @@
         </p:nvSpPr>
         <p:spPr>
           <a:xfrm>
-            <a:off x="1371600" y="3886200"/>
-            <a:ext cx="6400800" cy="1752600"/>
+            <a:off x="1371600" y="2914650"/>
+            <a:ext cx="6400800" cy="1314450"/>
           </a:xfrm>
         </p:spPr>
         <p:txBody>
@@ -181,7 +201,7 @@
                 </a:solidFill>
               </a:defRPr>
             </a:lvl1pPr>
-            <a:lvl2pPr marL="457200" indent="0" algn="ctr">
+            <a:lvl2pPr marL="342900" indent="0" algn="ctr">
               <a:buNone/>
               <a:defRPr>
                 <a:solidFill>
@@ -191,7 +211,7 @@
                 </a:solidFill>
               </a:defRPr>
             </a:lvl2pPr>
-            <a:lvl3pPr marL="914400" indent="0" algn="ctr">
+            <a:lvl3pPr marL="685800" indent="0" algn="ctr">
               <a:buNone/>
               <a:defRPr>
                 <a:solidFill>
@@ -201,7 +221,7 @@
                 </a:solidFill>
               </a:defRPr>
             </a:lvl3pPr>
-            <a:lvl4pPr marL="1371600" indent="0" algn="ctr">
+            <a:lvl4pPr marL="1028700" indent="0" algn="ctr">
               <a:buNone/>
               <a:defRPr>
                 <a:solidFill>
@@ -211,7 +231,7 @@
                 </a:solidFill>
               </a:defRPr>
             </a:lvl4pPr>
-            <a:lvl5pPr marL="1828800" indent="0" algn="ctr">
+            <a:lvl5pPr marL="1371600" indent="0" algn="ctr">
               <a:buNone/>
               <a:defRPr>
                 <a:solidFill>
@@ -221,7 +241,7 @@
                 </a:solidFill>
               </a:defRPr>
             </a:lvl5pPr>
-            <a:lvl6pPr marL="2286000" indent="0" algn="ctr">
+            <a:lvl6pPr marL="1714500" indent="0" algn="ctr">
               <a:buNone/>
               <a:defRPr>
                 <a:solidFill>
@@ -231,7 +251,7 @@
                 </a:solidFill>
               </a:defRPr>
             </a:lvl6pPr>
-            <a:lvl7pPr marL="2743200" indent="0" algn="ctr">
+            <a:lvl7pPr marL="2057400" indent="0" algn="ctr">
               <a:buNone/>
               <a:defRPr>
                 <a:solidFill>
@@ -241,7 +261,7 @@
                 </a:solidFill>
               </a:defRPr>
             </a:lvl7pPr>
-            <a:lvl8pPr marL="3200400" indent="0" algn="ctr">
+            <a:lvl8pPr marL="2400300" indent="0" algn="ctr">
               <a:buNone/>
               <a:defRPr>
                 <a:solidFill>
@@ -251,7 +271,7 @@
                 </a:solidFill>
               </a:defRPr>
             </a:lvl8pPr>
-            <a:lvl9pPr marL="3657600" indent="0" algn="ctr">
+            <a:lvl9pPr marL="2743200" indent="0" algn="ctr">
               <a:buNone/>
               <a:defRPr>
                 <a:solidFill>
@@ -264,31 +284,30 @@
           </a:lstStyle>
           <a:p>
             <a:r>
+              <a:rPr lang="en-US"/>
+              <a:t>Click to edit Master subtitle style</a:t>
+            </a:r>
+          </a:p>
+        </p:txBody>
+      </p:sp>
+      <p:sp>
+        <p:nvSpPr>
+          <p:cNvPr id="4" name="Date Placeholder 3"/>
+          <p:cNvSpPr>
+            <a:spLocks noGrp="1"/>
+          </p:cNvSpPr>
+          <p:nvPr>
+            <p:ph type="dt" sz="half" idx="10"/>
+          </p:nvPr>
+        </p:nvSpPr>
+        <p:spPr/>
+        <p:txBody>
+          <a:bodyPr/>
+          <a:lstStyle/>
+          <a:p>
+            <a:fld id="{241EB5C9-1307-BA42-ABA2-0BC069CD8E7F}" type="datetimeFigureOut">
               <a:rPr lang="en-US" smtClean="0"/>
-              <a:t>Click to edit Master subtitle style</a:t>
-            </a:r>
-            <a:endParaRPr lang="en-US"/>
-          </a:p>
-        </p:txBody>
-      </p:sp>
-      <p:sp>
-        <p:nvSpPr>
-          <p:cNvPr id="4" name="Date Placeholder 3"/>
-          <p:cNvSpPr>
-            <a:spLocks noGrp="1"/>
-          </p:cNvSpPr>
-          <p:nvPr>
-            <p:ph type="dt" sz="half" idx="10"/>
-          </p:nvPr>
-        </p:nvSpPr>
-        <p:spPr/>
-        <p:txBody>
-          <a:bodyPr/>
-          <a:lstStyle/>
-          <a:p>
-            <a:fld id="{5BCAD085-E8A6-8845-BD4E-CB4CCA059FC4}" type="datetimeFigureOut">
-              <a:rPr lang="en-US" smtClean="0"/>
-              <a:t>1/27/13</a:t>
+              <a:t>1/2/22</a:t>
             </a:fld>
             <a:endParaRPr lang="en-US"/>
           </a:p>
@@ -328,7 +347,7 @@
           <a:bodyPr/>
           <a:lstStyle/>
           <a:p>
-            <a:fld id="{C1FF6DA9-008F-8B48-92A6-B652298478BF}" type="slidenum">
+            <a:fld id="{C5EF2332-01BF-834F-8236-50238282D533}" type="slidenum">
               <a:rPr lang="en-US" smtClean="0"/>
               <a:t>‹#›</a:t>
             </a:fld>
@@ -339,7 +358,7 @@
     </p:spTree>
     <p:extLst>
       <p:ext uri="{BB962C8B-B14F-4D97-AF65-F5344CB8AC3E}">
-        <p14:creationId xmlns:p14="http://schemas.microsoft.com/office/powerpoint/2010/main" val="3168075583"/>
+        <p14:creationId xmlns:p14="http://schemas.microsoft.com/office/powerpoint/2010/main" val="1444357513"/>
       </p:ext>
     </p:extLst>
   </p:cSld>
@@ -382,83 +401,81 @@
           <a:lstStyle/>
           <a:p>
             <a:r>
+              <a:rPr lang="en-US"/>
+              <a:t>Click to edit Master title style</a:t>
+            </a:r>
+          </a:p>
+        </p:txBody>
+      </p:sp>
+      <p:sp>
+        <p:nvSpPr>
+          <p:cNvPr id="3" name="Vertical Text Placeholder 2"/>
+          <p:cNvSpPr>
+            <a:spLocks noGrp="1"/>
+          </p:cNvSpPr>
+          <p:nvPr>
+            <p:ph type="body" orient="vert" idx="1"/>
+          </p:nvPr>
+        </p:nvSpPr>
+        <p:spPr/>
+        <p:txBody>
+          <a:bodyPr vert="eaVert"/>
+          <a:lstStyle/>
+          <a:p>
+            <a:pPr lvl="0"/>
+            <a:r>
+              <a:rPr lang="en-US"/>
+              <a:t>Click to edit Master text styles</a:t>
+            </a:r>
+          </a:p>
+          <a:p>
+            <a:pPr lvl="1"/>
+            <a:r>
+              <a:rPr lang="en-US"/>
+              <a:t>Second level</a:t>
+            </a:r>
+          </a:p>
+          <a:p>
+            <a:pPr lvl="2"/>
+            <a:r>
+              <a:rPr lang="en-US"/>
+              <a:t>Third level</a:t>
+            </a:r>
+          </a:p>
+          <a:p>
+            <a:pPr lvl="3"/>
+            <a:r>
+              <a:rPr lang="en-US"/>
+              <a:t>Fourth level</a:t>
+            </a:r>
+          </a:p>
+          <a:p>
+            <a:pPr lvl="4"/>
+            <a:r>
+              <a:rPr lang="en-US"/>
+              <a:t>Fifth level</a:t>
+            </a:r>
+          </a:p>
+        </p:txBody>
+      </p:sp>
+      <p:sp>
+        <p:nvSpPr>
+          <p:cNvPr id="4" name="Date Placeholder 3"/>
+          <p:cNvSpPr>
+            <a:spLocks noGrp="1"/>
+          </p:cNvSpPr>
+          <p:nvPr>
+            <p:ph type="dt" sz="half" idx="10"/>
+          </p:nvPr>
+        </p:nvSpPr>
+        <p:spPr/>
+        <p:txBody>
+          <a:bodyPr/>
+          <a:lstStyle/>
+          <a:p>
+            <a:fld id="{241EB5C9-1307-BA42-ABA2-0BC069CD8E7F}" type="datetimeFigureOut">
               <a:rPr lang="en-US" smtClean="0"/>
-              <a:t>Click to edit Master title style</a:t>
-            </a:r>
-            <a:endParaRPr lang="en-US"/>
-          </a:p>
-        </p:txBody>
-      </p:sp>
-      <p:sp>
-        <p:nvSpPr>
-          <p:cNvPr id="3" name="Vertical Text Placeholder 2"/>
-          <p:cNvSpPr>
-            <a:spLocks noGrp="1"/>
-          </p:cNvSpPr>
-          <p:nvPr>
-            <p:ph type="body" orient="vert" idx="1"/>
-          </p:nvPr>
-        </p:nvSpPr>
-        <p:spPr/>
-        <p:txBody>
-          <a:bodyPr vert="eaVert"/>
-          <a:lstStyle/>
-          <a:p>
-            <a:pPr lvl="0"/>
-            <a:r>
-              <a:rPr lang="en-US" smtClean="0"/>
-              <a:t>Click to edit Master text styles</a:t>
-            </a:r>
-          </a:p>
-          <a:p>
-            <a:pPr lvl="1"/>
-            <a:r>
-              <a:rPr lang="en-US" smtClean="0"/>
-              <a:t>Second level</a:t>
-            </a:r>
-          </a:p>
-          <a:p>
-            <a:pPr lvl="2"/>
-            <a:r>
-              <a:rPr lang="en-US" smtClean="0"/>
-              <a:t>Third level</a:t>
-            </a:r>
-          </a:p>
-          <a:p>
-            <a:pPr lvl="3"/>
-            <a:r>
-              <a:rPr lang="en-US" smtClean="0"/>
-              <a:t>Fourth level</a:t>
-            </a:r>
-          </a:p>
-          <a:p>
-            <a:pPr lvl="4"/>
-            <a:r>
-              <a:rPr lang="en-US" smtClean="0"/>
-              <a:t>Fifth level</a:t>
-            </a:r>
-            <a:endParaRPr lang="en-US"/>
-          </a:p>
-        </p:txBody>
-      </p:sp>
-      <p:sp>
-        <p:nvSpPr>
-          <p:cNvPr id="4" name="Date Placeholder 3"/>
-          <p:cNvSpPr>
-            <a:spLocks noGrp="1"/>
-          </p:cNvSpPr>
-          <p:nvPr>
-            <p:ph type="dt" sz="half" idx="10"/>
-          </p:nvPr>
-        </p:nvSpPr>
-        <p:spPr/>
-        <p:txBody>
-          <a:bodyPr/>
-          <a:lstStyle/>
-          <a:p>
-            <a:fld id="{5BCAD085-E8A6-8845-BD4E-CB4CCA059FC4}" type="datetimeFigureOut">
-              <a:rPr lang="en-US" smtClean="0"/>
-              <a:t>1/27/13</a:t>
+              <a:t>1/2/22</a:t>
             </a:fld>
             <a:endParaRPr lang="en-US"/>
           </a:p>
@@ -498,7 +515,7 @@
           <a:bodyPr/>
           <a:lstStyle/>
           <a:p>
-            <a:fld id="{C1FF6DA9-008F-8B48-92A6-B652298478BF}" type="slidenum">
+            <a:fld id="{C5EF2332-01BF-834F-8236-50238282D533}" type="slidenum">
               <a:rPr lang="en-US" smtClean="0"/>
               <a:t>‹#›</a:t>
             </a:fld>
@@ -509,7 +526,7 @@
     </p:spTree>
     <p:extLst>
       <p:ext uri="{BB962C8B-B14F-4D97-AF65-F5344CB8AC3E}">
-        <p14:creationId xmlns:p14="http://schemas.microsoft.com/office/powerpoint/2010/main" val="2910927964"/>
+        <p14:creationId xmlns:p14="http://schemas.microsoft.com/office/powerpoint/2010/main" val="313914798"/>
       </p:ext>
     </p:extLst>
   </p:cSld>
@@ -548,8 +565,8 @@
         </p:nvSpPr>
         <p:spPr>
           <a:xfrm>
-            <a:off x="6629400" y="274638"/>
-            <a:ext cx="2057400" cy="5851525"/>
+            <a:off x="6629400" y="205979"/>
+            <a:ext cx="2057400" cy="4388644"/>
           </a:xfrm>
         </p:spPr>
         <p:txBody>
@@ -557,10 +574,9 @@
           <a:lstStyle/>
           <a:p>
             <a:r>
-              <a:rPr lang="en-US" smtClean="0"/>
+              <a:rPr lang="en-US"/>
               <a:t>Click to edit Master title style</a:t>
             </a:r>
-            <a:endParaRPr lang="en-US"/>
           </a:p>
         </p:txBody>
       </p:sp>
@@ -576,8 +592,8 @@
         </p:nvSpPr>
         <p:spPr>
           <a:xfrm>
-            <a:off x="457200" y="274638"/>
-            <a:ext cx="6019800" cy="5851525"/>
+            <a:off x="457200" y="205979"/>
+            <a:ext cx="6019800" cy="4388644"/>
           </a:xfrm>
         </p:spPr>
         <p:txBody>
@@ -586,59 +602,58 @@
           <a:p>
             <a:pPr lvl="0"/>
             <a:r>
+              <a:rPr lang="en-US"/>
+              <a:t>Click to edit Master text styles</a:t>
+            </a:r>
+          </a:p>
+          <a:p>
+            <a:pPr lvl="1"/>
+            <a:r>
+              <a:rPr lang="en-US"/>
+              <a:t>Second level</a:t>
+            </a:r>
+          </a:p>
+          <a:p>
+            <a:pPr lvl="2"/>
+            <a:r>
+              <a:rPr lang="en-US"/>
+              <a:t>Third level</a:t>
+            </a:r>
+          </a:p>
+          <a:p>
+            <a:pPr lvl="3"/>
+            <a:r>
+              <a:rPr lang="en-US"/>
+              <a:t>Fourth level</a:t>
+            </a:r>
+          </a:p>
+          <a:p>
+            <a:pPr lvl="4"/>
+            <a:r>
+              <a:rPr lang="en-US"/>
+              <a:t>Fifth level</a:t>
+            </a:r>
+          </a:p>
+        </p:txBody>
+      </p:sp>
+      <p:sp>
+        <p:nvSpPr>
+          <p:cNvPr id="4" name="Date Placeholder 3"/>
+          <p:cNvSpPr>
+            <a:spLocks noGrp="1"/>
+          </p:cNvSpPr>
+          <p:nvPr>
+            <p:ph type="dt" sz="half" idx="10"/>
+          </p:nvPr>
+        </p:nvSpPr>
+        <p:spPr/>
+        <p:txBody>
+          <a:bodyPr/>
+          <a:lstStyle/>
+          <a:p>
+            <a:fld id="{241EB5C9-1307-BA42-ABA2-0BC069CD8E7F}" type="datetimeFigureOut">
               <a:rPr lang="en-US" smtClean="0"/>
-              <a:t>Click to edit Master text styles</a:t>
-            </a:r>
-          </a:p>
-          <a:p>
-            <a:pPr lvl="1"/>
-            <a:r>
-              <a:rPr lang="en-US" smtClean="0"/>
-              <a:t>Second level</a:t>
-            </a:r>
-          </a:p>
-          <a:p>
-            <a:pPr lvl="2"/>
-            <a:r>
-              <a:rPr lang="en-US" smtClean="0"/>
-              <a:t>Third level</a:t>
-            </a:r>
-          </a:p>
-          <a:p>
-            <a:pPr lvl="3"/>
-            <a:r>
-              <a:rPr lang="en-US" smtClean="0"/>
-              <a:t>Fourth level</a:t>
-            </a:r>
-          </a:p>
-          <a:p>
-            <a:pPr lvl="4"/>
-            <a:r>
-              <a:rPr lang="en-US" smtClean="0"/>
-              <a:t>Fifth level</a:t>
-            </a:r>
-            <a:endParaRPr lang="en-US"/>
-          </a:p>
-        </p:txBody>
-      </p:sp>
-      <p:sp>
-        <p:nvSpPr>
-          <p:cNvPr id="4" name="Date Placeholder 3"/>
-          <p:cNvSpPr>
-            <a:spLocks noGrp="1"/>
-          </p:cNvSpPr>
-          <p:nvPr>
-            <p:ph type="dt" sz="half" idx="10"/>
-          </p:nvPr>
-        </p:nvSpPr>
-        <p:spPr/>
-        <p:txBody>
-          <a:bodyPr/>
-          <a:lstStyle/>
-          <a:p>
-            <a:fld id="{5BCAD085-E8A6-8845-BD4E-CB4CCA059FC4}" type="datetimeFigureOut">
-              <a:rPr lang="en-US" smtClean="0"/>
-              <a:t>1/27/13</a:t>
+              <a:t>1/2/22</a:t>
             </a:fld>
             <a:endParaRPr lang="en-US"/>
           </a:p>
@@ -678,7 +693,7 @@
           <a:bodyPr/>
           <a:lstStyle/>
           <a:p>
-            <a:fld id="{C1FF6DA9-008F-8B48-92A6-B652298478BF}" type="slidenum">
+            <a:fld id="{C5EF2332-01BF-834F-8236-50238282D533}" type="slidenum">
               <a:rPr lang="en-US" smtClean="0"/>
               <a:t>‹#›</a:t>
             </a:fld>
@@ -689,7 +704,7 @@
     </p:spTree>
     <p:extLst>
       <p:ext uri="{BB962C8B-B14F-4D97-AF65-F5344CB8AC3E}">
-        <p14:creationId xmlns:p14="http://schemas.microsoft.com/office/powerpoint/2010/main" val="3612223792"/>
+        <p14:creationId xmlns:p14="http://schemas.microsoft.com/office/powerpoint/2010/main" val="2581529045"/>
       </p:ext>
     </p:extLst>
   </p:cSld>
@@ -732,83 +747,81 @@
           <a:lstStyle/>
           <a:p>
             <a:r>
+              <a:rPr lang="en-US"/>
+              <a:t>Click to edit Master title style</a:t>
+            </a:r>
+          </a:p>
+        </p:txBody>
+      </p:sp>
+      <p:sp>
+        <p:nvSpPr>
+          <p:cNvPr id="3" name="Content Placeholder 2"/>
+          <p:cNvSpPr>
+            <a:spLocks noGrp="1"/>
+          </p:cNvSpPr>
+          <p:nvPr>
+            <p:ph idx="1"/>
+          </p:nvPr>
+        </p:nvSpPr>
+        <p:spPr/>
+        <p:txBody>
+          <a:bodyPr/>
+          <a:lstStyle/>
+          <a:p>
+            <a:pPr lvl="0"/>
+            <a:r>
+              <a:rPr lang="en-US"/>
+              <a:t>Click to edit Master text styles</a:t>
+            </a:r>
+          </a:p>
+          <a:p>
+            <a:pPr lvl="1"/>
+            <a:r>
+              <a:rPr lang="en-US"/>
+              <a:t>Second level</a:t>
+            </a:r>
+          </a:p>
+          <a:p>
+            <a:pPr lvl="2"/>
+            <a:r>
+              <a:rPr lang="en-US"/>
+              <a:t>Third level</a:t>
+            </a:r>
+          </a:p>
+          <a:p>
+            <a:pPr lvl="3"/>
+            <a:r>
+              <a:rPr lang="en-US"/>
+              <a:t>Fourth level</a:t>
+            </a:r>
+          </a:p>
+          <a:p>
+            <a:pPr lvl="4"/>
+            <a:r>
+              <a:rPr lang="en-US"/>
+              <a:t>Fifth level</a:t>
+            </a:r>
+          </a:p>
+        </p:txBody>
+      </p:sp>
+      <p:sp>
+        <p:nvSpPr>
+          <p:cNvPr id="4" name="Date Placeholder 3"/>
+          <p:cNvSpPr>
+            <a:spLocks noGrp="1"/>
+          </p:cNvSpPr>
+          <p:nvPr>
+            <p:ph type="dt" sz="half" idx="10"/>
+          </p:nvPr>
+        </p:nvSpPr>
+        <p:spPr/>
+        <p:txBody>
+          <a:bodyPr/>
+          <a:lstStyle/>
+          <a:p>
+            <a:fld id="{241EB5C9-1307-BA42-ABA2-0BC069CD8E7F}" type="datetimeFigureOut">
               <a:rPr lang="en-US" smtClean="0"/>
-              <a:t>Click to edit Master title style</a:t>
-            </a:r>
-            <a:endParaRPr lang="en-US"/>
-          </a:p>
-        </p:txBody>
-      </p:sp>
-      <p:sp>
-        <p:nvSpPr>
-          <p:cNvPr id="3" name="Content Placeholder 2"/>
-          <p:cNvSpPr>
-            <a:spLocks noGrp="1"/>
-          </p:cNvSpPr>
-          <p:nvPr>
-            <p:ph idx="1"/>
-          </p:nvPr>
-        </p:nvSpPr>
-        <p:spPr/>
-        <p:txBody>
-          <a:bodyPr/>
-          <a:lstStyle/>
-          <a:p>
-            <a:pPr lvl="0"/>
-            <a:r>
-              <a:rPr lang="en-US" smtClean="0"/>
-              <a:t>Click to edit Master text styles</a:t>
-            </a:r>
-          </a:p>
-          <a:p>
-            <a:pPr lvl="1"/>
-            <a:r>
-              <a:rPr lang="en-US" smtClean="0"/>
-              <a:t>Second level</a:t>
-            </a:r>
-          </a:p>
-          <a:p>
-            <a:pPr lvl="2"/>
-            <a:r>
-              <a:rPr lang="en-US" smtClean="0"/>
-              <a:t>Third level</a:t>
-            </a:r>
-          </a:p>
-          <a:p>
-            <a:pPr lvl="3"/>
-            <a:r>
-              <a:rPr lang="en-US" smtClean="0"/>
-              <a:t>Fourth level</a:t>
-            </a:r>
-          </a:p>
-          <a:p>
-            <a:pPr lvl="4"/>
-            <a:r>
-              <a:rPr lang="en-US" smtClean="0"/>
-              <a:t>Fifth level</a:t>
-            </a:r>
-            <a:endParaRPr lang="en-US"/>
-          </a:p>
-        </p:txBody>
-      </p:sp>
-      <p:sp>
-        <p:nvSpPr>
-          <p:cNvPr id="4" name="Date Placeholder 3"/>
-          <p:cNvSpPr>
-            <a:spLocks noGrp="1"/>
-          </p:cNvSpPr>
-          <p:nvPr>
-            <p:ph type="dt" sz="half" idx="10"/>
-          </p:nvPr>
-        </p:nvSpPr>
-        <p:spPr/>
-        <p:txBody>
-          <a:bodyPr/>
-          <a:lstStyle/>
-          <a:p>
-            <a:fld id="{5BCAD085-E8A6-8845-BD4E-CB4CCA059FC4}" type="datetimeFigureOut">
-              <a:rPr lang="en-US" smtClean="0"/>
-              <a:t>1/27/13</a:t>
+              <a:t>1/2/22</a:t>
             </a:fld>
             <a:endParaRPr lang="en-US"/>
           </a:p>
@@ -848,7 +861,7 @@
           <a:bodyPr/>
           <a:lstStyle/>
           <a:p>
-            <a:fld id="{C1FF6DA9-008F-8B48-92A6-B652298478BF}" type="slidenum">
+            <a:fld id="{C5EF2332-01BF-834F-8236-50238282D533}" type="slidenum">
               <a:rPr lang="en-US" smtClean="0"/>
               <a:t>‹#›</a:t>
             </a:fld>
@@ -859,7 +872,7 @@
     </p:spTree>
     <p:extLst>
       <p:ext uri="{BB962C8B-B14F-4D97-AF65-F5344CB8AC3E}">
-        <p14:creationId xmlns:p14="http://schemas.microsoft.com/office/powerpoint/2010/main" val="2614314258"/>
+        <p14:creationId xmlns:p14="http://schemas.microsoft.com/office/powerpoint/2010/main" val="338346009"/>
       </p:ext>
     </p:extLst>
   </p:cSld>
@@ -898,23 +911,22 @@
         </p:nvSpPr>
         <p:spPr>
           <a:xfrm>
-            <a:off x="722313" y="4406900"/>
-            <a:ext cx="7772400" cy="1362075"/>
+            <a:off x="722313" y="3305176"/>
+            <a:ext cx="7772400" cy="1021556"/>
           </a:xfrm>
         </p:spPr>
         <p:txBody>
           <a:bodyPr anchor="t"/>
           <a:lstStyle>
             <a:lvl1pPr algn="l">
-              <a:defRPr sz="4000" b="1" cap="all"/>
+              <a:defRPr sz="3000" b="1" cap="all"/>
             </a:lvl1pPr>
           </a:lstStyle>
           <a:p>
             <a:r>
-              <a:rPr lang="en-US" smtClean="0"/>
+              <a:rPr lang="en-US"/>
               <a:t>Click to edit Master title style</a:t>
             </a:r>
-            <a:endParaRPr lang="en-US"/>
           </a:p>
         </p:txBody>
       </p:sp>
@@ -930,8 +942,8 @@
         </p:nvSpPr>
         <p:spPr>
           <a:xfrm>
-            <a:off x="722313" y="2906713"/>
-            <a:ext cx="7772400" cy="1500187"/>
+            <a:off x="722313" y="2180035"/>
+            <a:ext cx="7772400" cy="1125140"/>
           </a:xfrm>
         </p:spPr>
         <p:txBody>
@@ -939,7 +951,7 @@
           <a:lstStyle>
             <a:lvl1pPr marL="0" indent="0">
               <a:buNone/>
-              <a:defRPr sz="2000">
+              <a:defRPr sz="1500">
                 <a:solidFill>
                   <a:schemeClr val="tx1">
                     <a:tint val="75000"/>
@@ -947,9 +959,9 @@
                 </a:solidFill>
               </a:defRPr>
             </a:lvl1pPr>
-            <a:lvl2pPr marL="457200" indent="0">
-              <a:buNone/>
-              <a:defRPr sz="1800">
+            <a:lvl2pPr marL="342900" indent="0">
+              <a:buNone/>
+              <a:defRPr sz="1350">
                 <a:solidFill>
                   <a:schemeClr val="tx1">
                     <a:tint val="75000"/>
@@ -957,9 +969,9 @@
                 </a:solidFill>
               </a:defRPr>
             </a:lvl2pPr>
-            <a:lvl3pPr marL="914400" indent="0">
-              <a:buNone/>
-              <a:defRPr sz="1600">
+            <a:lvl3pPr marL="685800" indent="0">
+              <a:buNone/>
+              <a:defRPr sz="1200">
                 <a:solidFill>
                   <a:schemeClr val="tx1">
                     <a:tint val="75000"/>
@@ -967,9 +979,9 @@
                 </a:solidFill>
               </a:defRPr>
             </a:lvl3pPr>
-            <a:lvl4pPr marL="1371600" indent="0">
-              <a:buNone/>
-              <a:defRPr sz="1400">
+            <a:lvl4pPr marL="1028700" indent="0">
+              <a:buNone/>
+              <a:defRPr sz="1050">
                 <a:solidFill>
                   <a:schemeClr val="tx1">
                     <a:tint val="75000"/>
@@ -977,9 +989,9 @@
                 </a:solidFill>
               </a:defRPr>
             </a:lvl4pPr>
-            <a:lvl5pPr marL="1828800" indent="0">
-              <a:buNone/>
-              <a:defRPr sz="1400">
+            <a:lvl5pPr marL="1371600" indent="0">
+              <a:buNone/>
+              <a:defRPr sz="1050">
                 <a:solidFill>
                   <a:schemeClr val="tx1">
                     <a:tint val="75000"/>
@@ -987,9 +999,9 @@
                 </a:solidFill>
               </a:defRPr>
             </a:lvl5pPr>
-            <a:lvl6pPr marL="2286000" indent="0">
-              <a:buNone/>
-              <a:defRPr sz="1400">
+            <a:lvl6pPr marL="1714500" indent="0">
+              <a:buNone/>
+              <a:defRPr sz="1050">
                 <a:solidFill>
                   <a:schemeClr val="tx1">
                     <a:tint val="75000"/>
@@ -997,9 +1009,9 @@
                 </a:solidFill>
               </a:defRPr>
             </a:lvl6pPr>
-            <a:lvl7pPr marL="2743200" indent="0">
-              <a:buNone/>
-              <a:defRPr sz="1400">
+            <a:lvl7pPr marL="2057400" indent="0">
+              <a:buNone/>
+              <a:defRPr sz="1050">
                 <a:solidFill>
                   <a:schemeClr val="tx1">
                     <a:tint val="75000"/>
@@ -1007,9 +1019,9 @@
                 </a:solidFill>
               </a:defRPr>
             </a:lvl7pPr>
-            <a:lvl8pPr marL="3200400" indent="0">
-              <a:buNone/>
-              <a:defRPr sz="1400">
+            <a:lvl8pPr marL="2400300" indent="0">
+              <a:buNone/>
+              <a:defRPr sz="1050">
                 <a:solidFill>
                   <a:schemeClr val="tx1">
                     <a:tint val="75000"/>
@@ -1017,9 +1029,9 @@
                 </a:solidFill>
               </a:defRPr>
             </a:lvl8pPr>
-            <a:lvl9pPr marL="3657600" indent="0">
-              <a:buNone/>
-              <a:defRPr sz="1400">
+            <a:lvl9pPr marL="2743200" indent="0">
+              <a:buNone/>
+              <a:defRPr sz="1050">
                 <a:solidFill>
                   <a:schemeClr val="tx1">
                     <a:tint val="75000"/>
@@ -1031,30 +1043,30 @@
           <a:p>
             <a:pPr lvl="0"/>
             <a:r>
+              <a:rPr lang="en-US"/>
+              <a:t>Click to edit Master text styles</a:t>
+            </a:r>
+          </a:p>
+        </p:txBody>
+      </p:sp>
+      <p:sp>
+        <p:nvSpPr>
+          <p:cNvPr id="4" name="Date Placeholder 3"/>
+          <p:cNvSpPr>
+            <a:spLocks noGrp="1"/>
+          </p:cNvSpPr>
+          <p:nvPr>
+            <p:ph type="dt" sz="half" idx="10"/>
+          </p:nvPr>
+        </p:nvSpPr>
+        <p:spPr/>
+        <p:txBody>
+          <a:bodyPr/>
+          <a:lstStyle/>
+          <a:p>
+            <a:fld id="{241EB5C9-1307-BA42-ABA2-0BC069CD8E7F}" type="datetimeFigureOut">
               <a:rPr lang="en-US" smtClean="0"/>
-              <a:t>Click to edit Master text styles</a:t>
-            </a:r>
-          </a:p>
-        </p:txBody>
-      </p:sp>
-      <p:sp>
-        <p:nvSpPr>
-          <p:cNvPr id="4" name="Date Placeholder 3"/>
-          <p:cNvSpPr>
-            <a:spLocks noGrp="1"/>
-          </p:cNvSpPr>
-          <p:nvPr>
-            <p:ph type="dt" sz="half" idx="10"/>
-          </p:nvPr>
-        </p:nvSpPr>
-        <p:spPr/>
-        <p:txBody>
-          <a:bodyPr/>
-          <a:lstStyle/>
-          <a:p>
-            <a:fld id="{5BCAD085-E8A6-8845-BD4E-CB4CCA059FC4}" type="datetimeFigureOut">
-              <a:rPr lang="en-US" smtClean="0"/>
-              <a:t>1/27/13</a:t>
+              <a:t>1/2/22</a:t>
             </a:fld>
             <a:endParaRPr lang="en-US"/>
           </a:p>
@@ -1094,7 +1106,7 @@
           <a:bodyPr/>
           <a:lstStyle/>
           <a:p>
-            <a:fld id="{C1FF6DA9-008F-8B48-92A6-B652298478BF}" type="slidenum">
+            <a:fld id="{C5EF2332-01BF-834F-8236-50238282D533}" type="slidenum">
               <a:rPr lang="en-US" smtClean="0"/>
               <a:t>‹#›</a:t>
             </a:fld>
@@ -1105,7 +1117,7 @@
     </p:spTree>
     <p:extLst>
       <p:ext uri="{BB962C8B-B14F-4D97-AF65-F5344CB8AC3E}">
-        <p14:creationId xmlns:p14="http://schemas.microsoft.com/office/powerpoint/2010/main" val="960648375"/>
+        <p14:creationId xmlns:p14="http://schemas.microsoft.com/office/powerpoint/2010/main" val="1073069076"/>
       </p:ext>
     </p:extLst>
   </p:cSld>
@@ -1148,10 +1160,9 @@
           <a:lstStyle/>
           <a:p>
             <a:r>
-              <a:rPr lang="en-US" smtClean="0"/>
+              <a:rPr lang="en-US"/>
               <a:t>Click to edit Master title style</a:t>
             </a:r>
-            <a:endParaRPr lang="en-US"/>
           </a:p>
         </p:txBody>
       </p:sp>
@@ -1167,76 +1178,75 @@
         </p:nvSpPr>
         <p:spPr>
           <a:xfrm>
-            <a:off x="457200" y="1600200"/>
-            <a:ext cx="4038600" cy="4525963"/>
+            <a:off x="457200" y="1200151"/>
+            <a:ext cx="4038600" cy="3394472"/>
           </a:xfrm>
         </p:spPr>
         <p:txBody>
           <a:bodyPr/>
           <a:lstStyle>
             <a:lvl1pPr>
-              <a:defRPr sz="2800"/>
+              <a:defRPr sz="2100"/>
             </a:lvl1pPr>
             <a:lvl2pPr>
-              <a:defRPr sz="2400"/>
+              <a:defRPr sz="1800"/>
             </a:lvl2pPr>
             <a:lvl3pPr>
-              <a:defRPr sz="2000"/>
+              <a:defRPr sz="1500"/>
             </a:lvl3pPr>
             <a:lvl4pPr>
-              <a:defRPr sz="1800"/>
+              <a:defRPr sz="1350"/>
             </a:lvl4pPr>
             <a:lvl5pPr>
-              <a:defRPr sz="1800"/>
+              <a:defRPr sz="1350"/>
             </a:lvl5pPr>
             <a:lvl6pPr>
-              <a:defRPr sz="1800"/>
+              <a:defRPr sz="1350"/>
             </a:lvl6pPr>
             <a:lvl7pPr>
-              <a:defRPr sz="1800"/>
+              <a:defRPr sz="1350"/>
             </a:lvl7pPr>
             <a:lvl8pPr>
-              <a:defRPr sz="1800"/>
+              <a:defRPr sz="1350"/>
             </a:lvl8pPr>
             <a:lvl9pPr>
-              <a:defRPr sz="1800"/>
+              <a:defRPr sz="1350"/>
             </a:lvl9pPr>
           </a:lstStyle>
           <a:p>
             <a:pPr lvl="0"/>
             <a:r>
-              <a:rPr lang="en-US" smtClean="0"/>
+              <a:rPr lang="en-US"/>
               <a:t>Click to edit Master text styles</a:t>
             </a:r>
           </a:p>
           <a:p>
             <a:pPr lvl="1"/>
             <a:r>
-              <a:rPr lang="en-US" smtClean="0"/>
+              <a:rPr lang="en-US"/>
               <a:t>Second level</a:t>
             </a:r>
           </a:p>
           <a:p>
             <a:pPr lvl="2"/>
             <a:r>
-              <a:rPr lang="en-US" smtClean="0"/>
+              <a:rPr lang="en-US"/>
               <a:t>Third level</a:t>
             </a:r>
           </a:p>
           <a:p>
             <a:pPr lvl="3"/>
             <a:r>
-              <a:rPr lang="en-US" smtClean="0"/>
+              <a:rPr lang="en-US"/>
               <a:t>Fourth level</a:t>
             </a:r>
           </a:p>
           <a:p>
             <a:pPr lvl="4"/>
             <a:r>
-              <a:rPr lang="en-US" smtClean="0"/>
+              <a:rPr lang="en-US"/>
               <a:t>Fifth level</a:t>
             </a:r>
-            <a:endParaRPr lang="en-US"/>
           </a:p>
         </p:txBody>
       </p:sp>
@@ -1252,97 +1262,96 @@
         </p:nvSpPr>
         <p:spPr>
           <a:xfrm>
-            <a:off x="4648200" y="1600200"/>
-            <a:ext cx="4038600" cy="4525963"/>
+            <a:off x="4648200" y="1200151"/>
+            <a:ext cx="4038600" cy="3394472"/>
           </a:xfrm>
         </p:spPr>
         <p:txBody>
           <a:bodyPr/>
           <a:lstStyle>
             <a:lvl1pPr>
-              <a:defRPr sz="2800"/>
+              <a:defRPr sz="2100"/>
             </a:lvl1pPr>
             <a:lvl2pPr>
-              <a:defRPr sz="2400"/>
+              <a:defRPr sz="1800"/>
             </a:lvl2pPr>
             <a:lvl3pPr>
-              <a:defRPr sz="2000"/>
+              <a:defRPr sz="1500"/>
             </a:lvl3pPr>
             <a:lvl4pPr>
-              <a:defRPr sz="1800"/>
+              <a:defRPr sz="1350"/>
             </a:lvl4pPr>
             <a:lvl5pPr>
-              <a:defRPr sz="1800"/>
+              <a:defRPr sz="1350"/>
             </a:lvl5pPr>
             <a:lvl6pPr>
-              <a:defRPr sz="1800"/>
+              <a:defRPr sz="1350"/>
             </a:lvl6pPr>
             <a:lvl7pPr>
-              <a:defRPr sz="1800"/>
+              <a:defRPr sz="1350"/>
             </a:lvl7pPr>
             <a:lvl8pPr>
-              <a:defRPr sz="1800"/>
+              <a:defRPr sz="1350"/>
             </a:lvl8pPr>
             <a:lvl9pPr>
-              <a:defRPr sz="1800"/>
+              <a:defRPr sz="1350"/>
             </a:lvl9pPr>
           </a:lstStyle>
           <a:p>
             <a:pPr lvl="0"/>
             <a:r>
+              <a:rPr lang="en-US"/>
+              <a:t>Click to edit Master text styles</a:t>
+            </a:r>
+          </a:p>
+          <a:p>
+            <a:pPr lvl="1"/>
+            <a:r>
+              <a:rPr lang="en-US"/>
+              <a:t>Second level</a:t>
+            </a:r>
+          </a:p>
+          <a:p>
+            <a:pPr lvl="2"/>
+            <a:r>
+              <a:rPr lang="en-US"/>
+              <a:t>Third level</a:t>
+            </a:r>
+          </a:p>
+          <a:p>
+            <a:pPr lvl="3"/>
+            <a:r>
+              <a:rPr lang="en-US"/>
+              <a:t>Fourth level</a:t>
+            </a:r>
+          </a:p>
+          <a:p>
+            <a:pPr lvl="4"/>
+            <a:r>
+              <a:rPr lang="en-US"/>
+              <a:t>Fifth level</a:t>
+            </a:r>
+          </a:p>
+        </p:txBody>
+      </p:sp>
+      <p:sp>
+        <p:nvSpPr>
+          <p:cNvPr id="5" name="Date Placeholder 4"/>
+          <p:cNvSpPr>
+            <a:spLocks noGrp="1"/>
+          </p:cNvSpPr>
+          <p:nvPr>
+            <p:ph type="dt" sz="half" idx="10"/>
+          </p:nvPr>
+        </p:nvSpPr>
+        <p:spPr/>
+        <p:txBody>
+          <a:bodyPr/>
+          <a:lstStyle/>
+          <a:p>
+            <a:fld id="{241EB5C9-1307-BA42-ABA2-0BC069CD8E7F}" type="datetimeFigureOut">
               <a:rPr lang="en-US" smtClean="0"/>
-              <a:t>Click to edit Master text styles</a:t>
-            </a:r>
-          </a:p>
-          <a:p>
-            <a:pPr lvl="1"/>
-            <a:r>
-              <a:rPr lang="en-US" smtClean="0"/>
-              <a:t>Second level</a:t>
-            </a:r>
-          </a:p>
-          <a:p>
-            <a:pPr lvl="2"/>
-            <a:r>
-              <a:rPr lang="en-US" smtClean="0"/>
-              <a:t>Third level</a:t>
-            </a:r>
-          </a:p>
-          <a:p>
-            <a:pPr lvl="3"/>
-            <a:r>
-              <a:rPr lang="en-US" smtClean="0"/>
-              <a:t>Fourth level</a:t>
-            </a:r>
-          </a:p>
-          <a:p>
-            <a:pPr lvl="4"/>
-            <a:r>
-              <a:rPr lang="en-US" smtClean="0"/>
-              <a:t>Fifth level</a:t>
-            </a:r>
-            <a:endParaRPr lang="en-US"/>
-          </a:p>
-        </p:txBody>
-      </p:sp>
-      <p:sp>
-        <p:nvSpPr>
-          <p:cNvPr id="5" name="Date Placeholder 4"/>
-          <p:cNvSpPr>
-            <a:spLocks noGrp="1"/>
-          </p:cNvSpPr>
-          <p:nvPr>
-            <p:ph type="dt" sz="half" idx="10"/>
-          </p:nvPr>
-        </p:nvSpPr>
-        <p:spPr/>
-        <p:txBody>
-          <a:bodyPr/>
-          <a:lstStyle/>
-          <a:p>
-            <a:fld id="{5BCAD085-E8A6-8845-BD4E-CB4CCA059FC4}" type="datetimeFigureOut">
-              <a:rPr lang="en-US" smtClean="0"/>
-              <a:t>1/27/13</a:t>
+              <a:t>1/2/22</a:t>
             </a:fld>
             <a:endParaRPr lang="en-US"/>
           </a:p>
@@ -1382,7 +1391,7 @@
           <a:bodyPr/>
           <a:lstStyle/>
           <a:p>
-            <a:fld id="{C1FF6DA9-008F-8B48-92A6-B652298478BF}" type="slidenum">
+            <a:fld id="{C5EF2332-01BF-834F-8236-50238282D533}" type="slidenum">
               <a:rPr lang="en-US" smtClean="0"/>
               <a:t>‹#›</a:t>
             </a:fld>
@@ -1393,7 +1402,7 @@
     </p:spTree>
     <p:extLst>
       <p:ext uri="{BB962C8B-B14F-4D97-AF65-F5344CB8AC3E}">
-        <p14:creationId xmlns:p14="http://schemas.microsoft.com/office/powerpoint/2010/main" val="2782244947"/>
+        <p14:creationId xmlns:p14="http://schemas.microsoft.com/office/powerpoint/2010/main" val="2619886245"/>
       </p:ext>
     </p:extLst>
   </p:cSld>
@@ -1440,10 +1449,9 @@
           </a:lstStyle>
           <a:p>
             <a:r>
-              <a:rPr lang="en-US" smtClean="0"/>
+              <a:rPr lang="en-US"/>
               <a:t>Click to edit Master title style</a:t>
             </a:r>
-            <a:endParaRPr lang="en-US"/>
           </a:p>
         </p:txBody>
       </p:sp>
@@ -1459,8 +1467,8 @@
         </p:nvSpPr>
         <p:spPr>
           <a:xfrm>
-            <a:off x="457200" y="1535113"/>
-            <a:ext cx="4040188" cy="639762"/>
+            <a:off x="457200" y="1151335"/>
+            <a:ext cx="4040188" cy="479822"/>
           </a:xfrm>
         </p:spPr>
         <p:txBody>
@@ -1468,45 +1476,45 @@
           <a:lstStyle>
             <a:lvl1pPr marL="0" indent="0">
               <a:buNone/>
-              <a:defRPr sz="2400" b="1"/>
+              <a:defRPr sz="1800" b="1"/>
             </a:lvl1pPr>
-            <a:lvl2pPr marL="457200" indent="0">
-              <a:buNone/>
-              <a:defRPr sz="2000" b="1"/>
+            <a:lvl2pPr marL="342900" indent="0">
+              <a:buNone/>
+              <a:defRPr sz="1500" b="1"/>
             </a:lvl2pPr>
-            <a:lvl3pPr marL="914400" indent="0">
-              <a:buNone/>
-              <a:defRPr sz="1800" b="1"/>
+            <a:lvl3pPr marL="685800" indent="0">
+              <a:buNone/>
+              <a:defRPr sz="1350" b="1"/>
             </a:lvl3pPr>
-            <a:lvl4pPr marL="1371600" indent="0">
-              <a:buNone/>
-              <a:defRPr sz="1600" b="1"/>
+            <a:lvl4pPr marL="1028700" indent="0">
+              <a:buNone/>
+              <a:defRPr sz="1200" b="1"/>
             </a:lvl4pPr>
-            <a:lvl5pPr marL="1828800" indent="0">
-              <a:buNone/>
-              <a:defRPr sz="1600" b="1"/>
+            <a:lvl5pPr marL="1371600" indent="0">
+              <a:buNone/>
+              <a:defRPr sz="1200" b="1"/>
             </a:lvl5pPr>
-            <a:lvl6pPr marL="2286000" indent="0">
-              <a:buNone/>
-              <a:defRPr sz="1600" b="1"/>
+            <a:lvl6pPr marL="1714500" indent="0">
+              <a:buNone/>
+              <a:defRPr sz="1200" b="1"/>
             </a:lvl6pPr>
-            <a:lvl7pPr marL="2743200" indent="0">
-              <a:buNone/>
-              <a:defRPr sz="1600" b="1"/>
+            <a:lvl7pPr marL="2057400" indent="0">
+              <a:buNone/>
+              <a:defRPr sz="1200" b="1"/>
             </a:lvl7pPr>
-            <a:lvl8pPr marL="3200400" indent="0">
-              <a:buNone/>
-              <a:defRPr sz="1600" b="1"/>
+            <a:lvl8pPr marL="2400300" indent="0">
+              <a:buNone/>
+              <a:defRPr sz="1200" b="1"/>
             </a:lvl8pPr>
-            <a:lvl9pPr marL="3657600" indent="0">
-              <a:buNone/>
-              <a:defRPr sz="1600" b="1"/>
+            <a:lvl9pPr marL="2743200" indent="0">
+              <a:buNone/>
+              <a:defRPr sz="1200" b="1"/>
             </a:lvl9pPr>
           </a:lstStyle>
           <a:p>
             <a:pPr lvl="0"/>
             <a:r>
-              <a:rPr lang="en-US" smtClean="0"/>
+              <a:rPr lang="en-US"/>
               <a:t>Click to edit Master text styles</a:t>
             </a:r>
           </a:p>
@@ -1524,76 +1532,75 @@
         </p:nvSpPr>
         <p:spPr>
           <a:xfrm>
-            <a:off x="457200" y="2174875"/>
-            <a:ext cx="4040188" cy="3951288"/>
+            <a:off x="457200" y="1631156"/>
+            <a:ext cx="4040188" cy="2963466"/>
           </a:xfrm>
         </p:spPr>
         <p:txBody>
           <a:bodyPr/>
           <a:lstStyle>
             <a:lvl1pPr>
-              <a:defRPr sz="2400"/>
+              <a:defRPr sz="1800"/>
             </a:lvl1pPr>
             <a:lvl2pPr>
-              <a:defRPr sz="2000"/>
+              <a:defRPr sz="1500"/>
             </a:lvl2pPr>
             <a:lvl3pPr>
-              <a:defRPr sz="1800"/>
+              <a:defRPr sz="1350"/>
             </a:lvl3pPr>
             <a:lvl4pPr>
-              <a:defRPr sz="1600"/>
+              <a:defRPr sz="1200"/>
             </a:lvl4pPr>
             <a:lvl5pPr>
-              <a:defRPr sz="1600"/>
+              <a:defRPr sz="1200"/>
             </a:lvl5pPr>
             <a:lvl6pPr>
-              <a:defRPr sz="1600"/>
+              <a:defRPr sz="1200"/>
             </a:lvl6pPr>
             <a:lvl7pPr>
-              <a:defRPr sz="1600"/>
+              <a:defRPr sz="1200"/>
             </a:lvl7pPr>
             <a:lvl8pPr>
-              <a:defRPr sz="1600"/>
+              <a:defRPr sz="1200"/>
             </a:lvl8pPr>
             <a:lvl9pPr>
-              <a:defRPr sz="1600"/>
+              <a:defRPr sz="1200"/>
             </a:lvl9pPr>
           </a:lstStyle>
           <a:p>
             <a:pPr lvl="0"/>
             <a:r>
-              <a:rPr lang="en-US" smtClean="0"/>
+              <a:rPr lang="en-US"/>
               <a:t>Click to edit Master text styles</a:t>
             </a:r>
           </a:p>
           <a:p>
             <a:pPr lvl="1"/>
             <a:r>
-              <a:rPr lang="en-US" smtClean="0"/>
+              <a:rPr lang="en-US"/>
               <a:t>Second level</a:t>
             </a:r>
           </a:p>
           <a:p>
             <a:pPr lvl="2"/>
             <a:r>
-              <a:rPr lang="en-US" smtClean="0"/>
+              <a:rPr lang="en-US"/>
               <a:t>Third level</a:t>
             </a:r>
           </a:p>
           <a:p>
             <a:pPr lvl="3"/>
             <a:r>
-              <a:rPr lang="en-US" smtClean="0"/>
+              <a:rPr lang="en-US"/>
               <a:t>Fourth level</a:t>
             </a:r>
           </a:p>
           <a:p>
             <a:pPr lvl="4"/>
             <a:r>
-              <a:rPr lang="en-US" smtClean="0"/>
+              <a:rPr lang="en-US"/>
               <a:t>Fifth level</a:t>
             </a:r>
-            <a:endParaRPr lang="en-US"/>
           </a:p>
         </p:txBody>
       </p:sp>
@@ -1609,8 +1616,8 @@
         </p:nvSpPr>
         <p:spPr>
           <a:xfrm>
-            <a:off x="4645025" y="1535113"/>
-            <a:ext cx="4041775" cy="639762"/>
+            <a:off x="4645026" y="1151335"/>
+            <a:ext cx="4041775" cy="479822"/>
           </a:xfrm>
         </p:spPr>
         <p:txBody>
@@ -1618,45 +1625,45 @@
           <a:lstStyle>
             <a:lvl1pPr marL="0" indent="0">
               <a:buNone/>
-              <a:defRPr sz="2400" b="1"/>
+              <a:defRPr sz="1800" b="1"/>
             </a:lvl1pPr>
-            <a:lvl2pPr marL="457200" indent="0">
-              <a:buNone/>
-              <a:defRPr sz="2000" b="1"/>
+            <a:lvl2pPr marL="342900" indent="0">
+              <a:buNone/>
+              <a:defRPr sz="1500" b="1"/>
             </a:lvl2pPr>
-            <a:lvl3pPr marL="914400" indent="0">
-              <a:buNone/>
-              <a:defRPr sz="1800" b="1"/>
+            <a:lvl3pPr marL="685800" indent="0">
+              <a:buNone/>
+              <a:defRPr sz="1350" b="1"/>
             </a:lvl3pPr>
-            <a:lvl4pPr marL="1371600" indent="0">
-              <a:buNone/>
-              <a:defRPr sz="1600" b="1"/>
+            <a:lvl4pPr marL="1028700" indent="0">
+              <a:buNone/>
+              <a:defRPr sz="1200" b="1"/>
             </a:lvl4pPr>
-            <a:lvl5pPr marL="1828800" indent="0">
-              <a:buNone/>
-              <a:defRPr sz="1600" b="1"/>
+            <a:lvl5pPr marL="1371600" indent="0">
+              <a:buNone/>
+              <a:defRPr sz="1200" b="1"/>
             </a:lvl5pPr>
-            <a:lvl6pPr marL="2286000" indent="0">
-              <a:buNone/>
-              <a:defRPr sz="1600" b="1"/>
+            <a:lvl6pPr marL="1714500" indent="0">
+              <a:buNone/>
+              <a:defRPr sz="1200" b="1"/>
             </a:lvl6pPr>
-            <a:lvl7pPr marL="2743200" indent="0">
-              <a:buNone/>
-              <a:defRPr sz="1600" b="1"/>
+            <a:lvl7pPr marL="2057400" indent="0">
+              <a:buNone/>
+              <a:defRPr sz="1200" b="1"/>
             </a:lvl7pPr>
-            <a:lvl8pPr marL="3200400" indent="0">
-              <a:buNone/>
-              <a:defRPr sz="1600" b="1"/>
+            <a:lvl8pPr marL="2400300" indent="0">
+              <a:buNone/>
+              <a:defRPr sz="1200" b="1"/>
             </a:lvl8pPr>
-            <a:lvl9pPr marL="3657600" indent="0">
-              <a:buNone/>
-              <a:defRPr sz="1600" b="1"/>
+            <a:lvl9pPr marL="2743200" indent="0">
+              <a:buNone/>
+              <a:defRPr sz="1200" b="1"/>
             </a:lvl9pPr>
           </a:lstStyle>
           <a:p>
             <a:pPr lvl="0"/>
             <a:r>
-              <a:rPr lang="en-US" smtClean="0"/>
+              <a:rPr lang="en-US"/>
               <a:t>Click to edit Master text styles</a:t>
             </a:r>
           </a:p>
@@ -1674,97 +1681,96 @@
         </p:nvSpPr>
         <p:spPr>
           <a:xfrm>
-            <a:off x="4645025" y="2174875"/>
-            <a:ext cx="4041775" cy="3951288"/>
+            <a:off x="4645026" y="1631156"/>
+            <a:ext cx="4041775" cy="2963466"/>
           </a:xfrm>
         </p:spPr>
         <p:txBody>
           <a:bodyPr/>
           <a:lstStyle>
             <a:lvl1pPr>
-              <a:defRPr sz="2400"/>
+              <a:defRPr sz="1800"/>
             </a:lvl1pPr>
             <a:lvl2pPr>
-              <a:defRPr sz="2000"/>
+              <a:defRPr sz="1500"/>
             </a:lvl2pPr>
             <a:lvl3pPr>
-              <a:defRPr sz="1800"/>
+              <a:defRPr sz="1350"/>
             </a:lvl3pPr>
             <a:lvl4pPr>
-              <a:defRPr sz="1600"/>
+              <a:defRPr sz="1200"/>
             </a:lvl4pPr>
             <a:lvl5pPr>
-              <a:defRPr sz="1600"/>
+              <a:defRPr sz="1200"/>
             </a:lvl5pPr>
             <a:lvl6pPr>
-              <a:defRPr sz="1600"/>
+              <a:defRPr sz="1200"/>
             </a:lvl6pPr>
             <a:lvl7pPr>
-              <a:defRPr sz="1600"/>
+              <a:defRPr sz="1200"/>
             </a:lvl7pPr>
             <a:lvl8pPr>
-              <a:defRPr sz="1600"/>
+              <a:defRPr sz="1200"/>
             </a:lvl8pPr>
             <a:lvl9pPr>
-              <a:defRPr sz="1600"/>
+              <a:defRPr sz="1200"/>
             </a:lvl9pPr>
           </a:lstStyle>
           <a:p>
             <a:pPr lvl="0"/>
             <a:r>
+              <a:rPr lang="en-US"/>
+              <a:t>Click to edit Master text styles</a:t>
+            </a:r>
+          </a:p>
+          <a:p>
+            <a:pPr lvl="1"/>
+            <a:r>
+              <a:rPr lang="en-US"/>
+              <a:t>Second level</a:t>
+            </a:r>
+          </a:p>
+          <a:p>
+            <a:pPr lvl="2"/>
+            <a:r>
+              <a:rPr lang="en-US"/>
+              <a:t>Third level</a:t>
+            </a:r>
+          </a:p>
+          <a:p>
+            <a:pPr lvl="3"/>
+            <a:r>
+              <a:rPr lang="en-US"/>
+              <a:t>Fourth level</a:t>
+            </a:r>
+          </a:p>
+          <a:p>
+            <a:pPr lvl="4"/>
+            <a:r>
+              <a:rPr lang="en-US"/>
+              <a:t>Fifth level</a:t>
+            </a:r>
+          </a:p>
+        </p:txBody>
+      </p:sp>
+      <p:sp>
+        <p:nvSpPr>
+          <p:cNvPr id="7" name="Date Placeholder 6"/>
+          <p:cNvSpPr>
+            <a:spLocks noGrp="1"/>
+          </p:cNvSpPr>
+          <p:nvPr>
+            <p:ph type="dt" sz="half" idx="10"/>
+          </p:nvPr>
+        </p:nvSpPr>
+        <p:spPr/>
+        <p:txBody>
+          <a:bodyPr/>
+          <a:lstStyle/>
+          <a:p>
+            <a:fld id="{241EB5C9-1307-BA42-ABA2-0BC069CD8E7F}" type="datetimeFigureOut">
               <a:rPr lang="en-US" smtClean="0"/>
-              <a:t>Click to edit Master text styles</a:t>
-            </a:r>
-          </a:p>
-          <a:p>
-            <a:pPr lvl="1"/>
-            <a:r>
-              <a:rPr lang="en-US" smtClean="0"/>
-              <a:t>Second level</a:t>
-            </a:r>
-          </a:p>
-          <a:p>
-            <a:pPr lvl="2"/>
-            <a:r>
-              <a:rPr lang="en-US" smtClean="0"/>
-              <a:t>Third level</a:t>
-            </a:r>
-          </a:p>
-          <a:p>
-            <a:pPr lvl="3"/>
-            <a:r>
-              <a:rPr lang="en-US" smtClean="0"/>
-              <a:t>Fourth level</a:t>
-            </a:r>
-          </a:p>
-          <a:p>
-            <a:pPr lvl="4"/>
-            <a:r>
-              <a:rPr lang="en-US" smtClean="0"/>
-              <a:t>Fifth level</a:t>
-            </a:r>
-            <a:endParaRPr lang="en-US"/>
-          </a:p>
-        </p:txBody>
-      </p:sp>
-      <p:sp>
-        <p:nvSpPr>
-          <p:cNvPr id="7" name="Date Placeholder 6"/>
-          <p:cNvSpPr>
-            <a:spLocks noGrp="1"/>
-          </p:cNvSpPr>
-          <p:nvPr>
-            <p:ph type="dt" sz="half" idx="10"/>
-          </p:nvPr>
-        </p:nvSpPr>
-        <p:spPr/>
-        <p:txBody>
-          <a:bodyPr/>
-          <a:lstStyle/>
-          <a:p>
-            <a:fld id="{5BCAD085-E8A6-8845-BD4E-CB4CCA059FC4}" type="datetimeFigureOut">
-              <a:rPr lang="en-US" smtClean="0"/>
-              <a:t>1/27/13</a:t>
+              <a:t>1/2/22</a:t>
             </a:fld>
             <a:endParaRPr lang="en-US"/>
           </a:p>
@@ -1804,7 +1810,7 @@
           <a:bodyPr/>
           <a:lstStyle/>
           <a:p>
-            <a:fld id="{C1FF6DA9-008F-8B48-92A6-B652298478BF}" type="slidenum">
+            <a:fld id="{C5EF2332-01BF-834F-8236-50238282D533}" type="slidenum">
               <a:rPr lang="en-US" smtClean="0"/>
               <a:t>‹#›</a:t>
             </a:fld>
@@ -1815,7 +1821,7 @@
     </p:spTree>
     <p:extLst>
       <p:ext uri="{BB962C8B-B14F-4D97-AF65-F5344CB8AC3E}">
-        <p14:creationId xmlns:p14="http://schemas.microsoft.com/office/powerpoint/2010/main" val="990158736"/>
+        <p14:creationId xmlns:p14="http://schemas.microsoft.com/office/powerpoint/2010/main" val="2535793967"/>
       </p:ext>
     </p:extLst>
   </p:cSld>
@@ -1858,31 +1864,30 @@
           <a:lstStyle/>
           <a:p>
             <a:r>
+              <a:rPr lang="en-US"/>
+              <a:t>Click to edit Master title style</a:t>
+            </a:r>
+          </a:p>
+        </p:txBody>
+      </p:sp>
+      <p:sp>
+        <p:nvSpPr>
+          <p:cNvPr id="3" name="Date Placeholder 2"/>
+          <p:cNvSpPr>
+            <a:spLocks noGrp="1"/>
+          </p:cNvSpPr>
+          <p:nvPr>
+            <p:ph type="dt" sz="half" idx="10"/>
+          </p:nvPr>
+        </p:nvSpPr>
+        <p:spPr/>
+        <p:txBody>
+          <a:bodyPr/>
+          <a:lstStyle/>
+          <a:p>
+            <a:fld id="{241EB5C9-1307-BA42-ABA2-0BC069CD8E7F}" type="datetimeFigureOut">
               <a:rPr lang="en-US" smtClean="0"/>
-              <a:t>Click to edit Master title style</a:t>
-            </a:r>
-            <a:endParaRPr lang="en-US"/>
-          </a:p>
-        </p:txBody>
-      </p:sp>
-      <p:sp>
-        <p:nvSpPr>
-          <p:cNvPr id="3" name="Date Placeholder 2"/>
-          <p:cNvSpPr>
-            <a:spLocks noGrp="1"/>
-          </p:cNvSpPr>
-          <p:nvPr>
-            <p:ph type="dt" sz="half" idx="10"/>
-          </p:nvPr>
-        </p:nvSpPr>
-        <p:spPr/>
-        <p:txBody>
-          <a:bodyPr/>
-          <a:lstStyle/>
-          <a:p>
-            <a:fld id="{5BCAD085-E8A6-8845-BD4E-CB4CCA059FC4}" type="datetimeFigureOut">
-              <a:rPr lang="en-US" smtClean="0"/>
-              <a:t>1/27/13</a:t>
+              <a:t>1/2/22</a:t>
             </a:fld>
             <a:endParaRPr lang="en-US"/>
           </a:p>
@@ -1922,7 +1927,7 @@
           <a:bodyPr/>
           <a:lstStyle/>
           <a:p>
-            <a:fld id="{C1FF6DA9-008F-8B48-92A6-B652298478BF}" type="slidenum">
+            <a:fld id="{C5EF2332-01BF-834F-8236-50238282D533}" type="slidenum">
               <a:rPr lang="en-US" smtClean="0"/>
               <a:t>‹#›</a:t>
             </a:fld>
@@ -1933,7 +1938,7 @@
     </p:spTree>
     <p:extLst>
       <p:ext uri="{BB962C8B-B14F-4D97-AF65-F5344CB8AC3E}">
-        <p14:creationId xmlns:p14="http://schemas.microsoft.com/office/powerpoint/2010/main" val="727027711"/>
+        <p14:creationId xmlns:p14="http://schemas.microsoft.com/office/powerpoint/2010/main" val="3472721253"/>
       </p:ext>
     </p:extLst>
   </p:cSld>
@@ -1975,9 +1980,9 @@
           <a:bodyPr/>
           <a:lstStyle/>
           <a:p>
-            <a:fld id="{5BCAD085-E8A6-8845-BD4E-CB4CCA059FC4}" type="datetimeFigureOut">
+            <a:fld id="{241EB5C9-1307-BA42-ABA2-0BC069CD8E7F}" type="datetimeFigureOut">
               <a:rPr lang="en-US" smtClean="0"/>
-              <a:t>1/27/13</a:t>
+              <a:t>1/2/22</a:t>
             </a:fld>
             <a:endParaRPr lang="en-US"/>
           </a:p>
@@ -2017,7 +2022,7 @@
           <a:bodyPr/>
           <a:lstStyle/>
           <a:p>
-            <a:fld id="{C1FF6DA9-008F-8B48-92A6-B652298478BF}" type="slidenum">
+            <a:fld id="{C5EF2332-01BF-834F-8236-50238282D533}" type="slidenum">
               <a:rPr lang="en-US" smtClean="0"/>
               <a:t>‹#›</a:t>
             </a:fld>
@@ -2028,7 +2033,7 @@
     </p:spTree>
     <p:extLst>
       <p:ext uri="{BB962C8B-B14F-4D97-AF65-F5344CB8AC3E}">
-        <p14:creationId xmlns:p14="http://schemas.microsoft.com/office/powerpoint/2010/main" val="1212999818"/>
+        <p14:creationId xmlns:p14="http://schemas.microsoft.com/office/powerpoint/2010/main" val="2130901097"/>
       </p:ext>
     </p:extLst>
   </p:cSld>
@@ -2067,23 +2072,22 @@
         </p:nvSpPr>
         <p:spPr>
           <a:xfrm>
-            <a:off x="457200" y="273050"/>
-            <a:ext cx="3008313" cy="1162050"/>
+            <a:off x="457201" y="204787"/>
+            <a:ext cx="3008313" cy="871538"/>
           </a:xfrm>
         </p:spPr>
         <p:txBody>
           <a:bodyPr anchor="b"/>
           <a:lstStyle>
             <a:lvl1pPr algn="l">
-              <a:defRPr sz="2000" b="1"/>
+              <a:defRPr sz="1500" b="1"/>
             </a:lvl1pPr>
           </a:lstStyle>
           <a:p>
             <a:r>
-              <a:rPr lang="en-US" smtClean="0"/>
+              <a:rPr lang="en-US"/>
               <a:t>Click to edit Master title style</a:t>
             </a:r>
-            <a:endParaRPr lang="en-US"/>
           </a:p>
         </p:txBody>
       </p:sp>
@@ -2099,76 +2103,75 @@
         </p:nvSpPr>
         <p:spPr>
           <a:xfrm>
-            <a:off x="3575050" y="273050"/>
-            <a:ext cx="5111750" cy="5853113"/>
+            <a:off x="3575050" y="204788"/>
+            <a:ext cx="5111750" cy="4389835"/>
           </a:xfrm>
         </p:spPr>
         <p:txBody>
           <a:bodyPr/>
           <a:lstStyle>
             <a:lvl1pPr>
-              <a:defRPr sz="3200"/>
+              <a:defRPr sz="2400"/>
             </a:lvl1pPr>
             <a:lvl2pPr>
-              <a:defRPr sz="2800"/>
+              <a:defRPr sz="2100"/>
             </a:lvl2pPr>
             <a:lvl3pPr>
-              <a:defRPr sz="2400"/>
+              <a:defRPr sz="1800"/>
             </a:lvl3pPr>
             <a:lvl4pPr>
-              <a:defRPr sz="2000"/>
+              <a:defRPr sz="1500"/>
             </a:lvl4pPr>
             <a:lvl5pPr>
-              <a:defRPr sz="2000"/>
+              <a:defRPr sz="1500"/>
             </a:lvl5pPr>
             <a:lvl6pPr>
-              <a:defRPr sz="2000"/>
+              <a:defRPr sz="1500"/>
             </a:lvl6pPr>
             <a:lvl7pPr>
-              <a:defRPr sz="2000"/>
+              <a:defRPr sz="1500"/>
             </a:lvl7pPr>
             <a:lvl8pPr>
-              <a:defRPr sz="2000"/>
+              <a:defRPr sz="1500"/>
             </a:lvl8pPr>
             <a:lvl9pPr>
-              <a:defRPr sz="2000"/>
+              <a:defRPr sz="1500"/>
             </a:lvl9pPr>
           </a:lstStyle>
           <a:p>
             <a:pPr lvl="0"/>
             <a:r>
-              <a:rPr lang="en-US" smtClean="0"/>
+              <a:rPr lang="en-US"/>
               <a:t>Click to edit Master text styles</a:t>
             </a:r>
           </a:p>
           <a:p>
             <a:pPr lvl="1"/>
             <a:r>
-              <a:rPr lang="en-US" smtClean="0"/>
+              <a:rPr lang="en-US"/>
               <a:t>Second level</a:t>
             </a:r>
           </a:p>
           <a:p>
             <a:pPr lvl="2"/>
             <a:r>
-              <a:rPr lang="en-US" smtClean="0"/>
+              <a:rPr lang="en-US"/>
               <a:t>Third level</a:t>
             </a:r>
           </a:p>
           <a:p>
             <a:pPr lvl="3"/>
             <a:r>
-              <a:rPr lang="en-US" smtClean="0"/>
+              <a:rPr lang="en-US"/>
               <a:t>Fourth level</a:t>
             </a:r>
           </a:p>
           <a:p>
             <a:pPr lvl="4"/>
             <a:r>
-              <a:rPr lang="en-US" smtClean="0"/>
+              <a:rPr lang="en-US"/>
               <a:t>Fifth level</a:t>
             </a:r>
-            <a:endParaRPr lang="en-US"/>
           </a:p>
         </p:txBody>
       </p:sp>
@@ -2184,8 +2187,8 @@
         </p:nvSpPr>
         <p:spPr>
           <a:xfrm>
-            <a:off x="457200" y="1435100"/>
-            <a:ext cx="3008313" cy="4691063"/>
+            <a:off x="457201" y="1076326"/>
+            <a:ext cx="3008313" cy="3518297"/>
           </a:xfrm>
         </p:spPr>
         <p:txBody>
@@ -2193,68 +2196,68 @@
           <a:lstStyle>
             <a:lvl1pPr marL="0" indent="0">
               <a:buNone/>
-              <a:defRPr sz="1400"/>
+              <a:defRPr sz="1050"/>
             </a:lvl1pPr>
-            <a:lvl2pPr marL="457200" indent="0">
-              <a:buNone/>
-              <a:defRPr sz="1200"/>
+            <a:lvl2pPr marL="342900" indent="0">
+              <a:buNone/>
+              <a:defRPr sz="900"/>
             </a:lvl2pPr>
-            <a:lvl3pPr marL="914400" indent="0">
-              <a:buNone/>
-              <a:defRPr sz="1000"/>
+            <a:lvl3pPr marL="685800" indent="0">
+              <a:buNone/>
+              <a:defRPr sz="750"/>
             </a:lvl3pPr>
-            <a:lvl4pPr marL="1371600" indent="0">
-              <a:buNone/>
-              <a:defRPr sz="900"/>
+            <a:lvl4pPr marL="1028700" indent="0">
+              <a:buNone/>
+              <a:defRPr sz="675"/>
             </a:lvl4pPr>
-            <a:lvl5pPr marL="1828800" indent="0">
-              <a:buNone/>
-              <a:defRPr sz="900"/>
+            <a:lvl5pPr marL="1371600" indent="0">
+              <a:buNone/>
+              <a:defRPr sz="675"/>
             </a:lvl5pPr>
-            <a:lvl6pPr marL="2286000" indent="0">
-              <a:buNone/>
-              <a:defRPr sz="900"/>
+            <a:lvl6pPr marL="1714500" indent="0">
+              <a:buNone/>
+              <a:defRPr sz="675"/>
             </a:lvl6pPr>
-            <a:lvl7pPr marL="2743200" indent="0">
-              <a:buNone/>
-              <a:defRPr sz="900"/>
+            <a:lvl7pPr marL="2057400" indent="0">
+              <a:buNone/>
+              <a:defRPr sz="675"/>
             </a:lvl7pPr>
-            <a:lvl8pPr marL="3200400" indent="0">
-              <a:buNone/>
-              <a:defRPr sz="900"/>
+            <a:lvl8pPr marL="2400300" indent="0">
+              <a:buNone/>
+              <a:defRPr sz="675"/>
             </a:lvl8pPr>
-            <a:lvl9pPr marL="3657600" indent="0">
-              <a:buNone/>
-              <a:defRPr sz="900"/>
+            <a:lvl9pPr marL="2743200" indent="0">
+              <a:buNone/>
+              <a:defRPr sz="675"/>
             </a:lvl9pPr>
           </a:lstStyle>
           <a:p>
             <a:pPr lvl="0"/>
             <a:r>
+              <a:rPr lang="en-US"/>
+              <a:t>Click to edit Master text styles</a:t>
+            </a:r>
+          </a:p>
+        </p:txBody>
+      </p:sp>
+      <p:sp>
+        <p:nvSpPr>
+          <p:cNvPr id="5" name="Date Placeholder 4"/>
+          <p:cNvSpPr>
+            <a:spLocks noGrp="1"/>
+          </p:cNvSpPr>
+          <p:nvPr>
+            <p:ph type="dt" sz="half" idx="10"/>
+          </p:nvPr>
+        </p:nvSpPr>
+        <p:spPr/>
+        <p:txBody>
+          <a:bodyPr/>
+          <a:lstStyle/>
+          <a:p>
+            <a:fld id="{241EB5C9-1307-BA42-ABA2-0BC069CD8E7F}" type="datetimeFigureOut">
               <a:rPr lang="en-US" smtClean="0"/>
-              <a:t>Click to edit Master text styles</a:t>
-            </a:r>
-          </a:p>
-        </p:txBody>
-      </p:sp>
-      <p:sp>
-        <p:nvSpPr>
-          <p:cNvPr id="5" name="Date Placeholder 4"/>
-          <p:cNvSpPr>
-            <a:spLocks noGrp="1"/>
-          </p:cNvSpPr>
-          <p:nvPr>
-            <p:ph type="dt" sz="half" idx="10"/>
-          </p:nvPr>
-        </p:nvSpPr>
-        <p:spPr/>
-        <p:txBody>
-          <a:bodyPr/>
-          <a:lstStyle/>
-          <a:p>
-            <a:fld id="{5BCAD085-E8A6-8845-BD4E-CB4CCA059FC4}" type="datetimeFigureOut">
-              <a:rPr lang="en-US" smtClean="0"/>
-              <a:t>1/27/13</a:t>
+              <a:t>1/2/22</a:t>
             </a:fld>
             <a:endParaRPr lang="en-US"/>
           </a:p>
@@ -2294,7 +2297,7 @@
           <a:bodyPr/>
           <a:lstStyle/>
           <a:p>
-            <a:fld id="{C1FF6DA9-008F-8B48-92A6-B652298478BF}" type="slidenum">
+            <a:fld id="{C5EF2332-01BF-834F-8236-50238282D533}" type="slidenum">
               <a:rPr lang="en-US" smtClean="0"/>
               <a:t>‹#›</a:t>
             </a:fld>
@@ -2305,7 +2308,7 @@
     </p:spTree>
     <p:extLst>
       <p:ext uri="{BB962C8B-B14F-4D97-AF65-F5344CB8AC3E}">
-        <p14:creationId xmlns:p14="http://schemas.microsoft.com/office/powerpoint/2010/main" val="1840726560"/>
+        <p14:creationId xmlns:p14="http://schemas.microsoft.com/office/powerpoint/2010/main" val="3540895647"/>
       </p:ext>
     </p:extLst>
   </p:cSld>
@@ -2344,23 +2347,22 @@
         </p:nvSpPr>
         <p:spPr>
           <a:xfrm>
-            <a:off x="1792288" y="4800600"/>
-            <a:ext cx="5486400" cy="566738"/>
+            <a:off x="1792288" y="3600450"/>
+            <a:ext cx="5486400" cy="425054"/>
           </a:xfrm>
         </p:spPr>
         <p:txBody>
           <a:bodyPr anchor="b"/>
           <a:lstStyle>
             <a:lvl1pPr algn="l">
-              <a:defRPr sz="2000" b="1"/>
+              <a:defRPr sz="1500" b="1"/>
             </a:lvl1pPr>
           </a:lstStyle>
           <a:p>
             <a:r>
-              <a:rPr lang="en-US" smtClean="0"/>
+              <a:rPr lang="en-US"/>
               <a:t>Click to edit Master title style</a:t>
             </a:r>
-            <a:endParaRPr lang="en-US"/>
           </a:p>
         </p:txBody>
       </p:sp>
@@ -2376,8 +2378,8 @@
         </p:nvSpPr>
         <p:spPr>
           <a:xfrm>
-            <a:off x="1792288" y="612775"/>
-            <a:ext cx="5486400" cy="4114800"/>
+            <a:off x="1792288" y="459581"/>
+            <a:ext cx="5486400" cy="3086100"/>
           </a:xfrm>
         </p:spPr>
         <p:txBody>
@@ -2385,39 +2387,39 @@
           <a:lstStyle>
             <a:lvl1pPr marL="0" indent="0">
               <a:buNone/>
-              <a:defRPr sz="3200"/>
+              <a:defRPr sz="2400"/>
             </a:lvl1pPr>
-            <a:lvl2pPr marL="457200" indent="0">
-              <a:buNone/>
-              <a:defRPr sz="2800"/>
+            <a:lvl2pPr marL="342900" indent="0">
+              <a:buNone/>
+              <a:defRPr sz="2100"/>
             </a:lvl2pPr>
-            <a:lvl3pPr marL="914400" indent="0">
-              <a:buNone/>
-              <a:defRPr sz="2400"/>
+            <a:lvl3pPr marL="685800" indent="0">
+              <a:buNone/>
+              <a:defRPr sz="1800"/>
             </a:lvl3pPr>
-            <a:lvl4pPr marL="1371600" indent="0">
-              <a:buNone/>
-              <a:defRPr sz="2000"/>
+            <a:lvl4pPr marL="1028700" indent="0">
+              <a:buNone/>
+              <a:defRPr sz="1500"/>
             </a:lvl4pPr>
-            <a:lvl5pPr marL="1828800" indent="0">
-              <a:buNone/>
-              <a:defRPr sz="2000"/>
+            <a:lvl5pPr marL="1371600" indent="0">
+              <a:buNone/>
+              <a:defRPr sz="1500"/>
             </a:lvl5pPr>
-            <a:lvl6pPr marL="2286000" indent="0">
-              <a:buNone/>
-              <a:defRPr sz="2000"/>
+            <a:lvl6pPr marL="1714500" indent="0">
+              <a:buNone/>
+              <a:defRPr sz="1500"/>
             </a:lvl6pPr>
-            <a:lvl7pPr marL="2743200" indent="0">
-              <a:buNone/>
-              <a:defRPr sz="2000"/>
+            <a:lvl7pPr marL="2057400" indent="0">
+              <a:buNone/>
+              <a:defRPr sz="1500"/>
             </a:lvl7pPr>
-            <a:lvl8pPr marL="3200400" indent="0">
-              <a:buNone/>
-              <a:defRPr sz="2000"/>
+            <a:lvl8pPr marL="2400300" indent="0">
+              <a:buNone/>
+              <a:defRPr sz="1500"/>
             </a:lvl8pPr>
-            <a:lvl9pPr marL="3657600" indent="0">
-              <a:buNone/>
-              <a:defRPr sz="2000"/>
+            <a:lvl9pPr marL="2743200" indent="0">
+              <a:buNone/>
+              <a:defRPr sz="1500"/>
             </a:lvl9pPr>
           </a:lstStyle>
           <a:p>
@@ -2437,8 +2439,8 @@
         </p:nvSpPr>
         <p:spPr>
           <a:xfrm>
-            <a:off x="1792288" y="5367338"/>
-            <a:ext cx="5486400" cy="804862"/>
+            <a:off x="1792288" y="4025503"/>
+            <a:ext cx="5486400" cy="603647"/>
           </a:xfrm>
         </p:spPr>
         <p:txBody>
@@ -2446,68 +2448,68 @@
           <a:lstStyle>
             <a:lvl1pPr marL="0" indent="0">
               <a:buNone/>
-              <a:defRPr sz="1400"/>
+              <a:defRPr sz="1050"/>
             </a:lvl1pPr>
-            <a:lvl2pPr marL="457200" indent="0">
-              <a:buNone/>
-              <a:defRPr sz="1200"/>
+            <a:lvl2pPr marL="342900" indent="0">
+              <a:buNone/>
+              <a:defRPr sz="900"/>
             </a:lvl2pPr>
-            <a:lvl3pPr marL="914400" indent="0">
-              <a:buNone/>
-              <a:defRPr sz="1000"/>
+            <a:lvl3pPr marL="685800" indent="0">
+              <a:buNone/>
+              <a:defRPr sz="750"/>
             </a:lvl3pPr>
-            <a:lvl4pPr marL="1371600" indent="0">
-              <a:buNone/>
-              <a:defRPr sz="900"/>
+            <a:lvl4pPr marL="1028700" indent="0">
+              <a:buNone/>
+              <a:defRPr sz="675"/>
             </a:lvl4pPr>
-            <a:lvl5pPr marL="1828800" indent="0">
-              <a:buNone/>
-              <a:defRPr sz="900"/>
+            <a:lvl5pPr marL="1371600" indent="0">
+              <a:buNone/>
+              <a:defRPr sz="675"/>
             </a:lvl5pPr>
-            <a:lvl6pPr marL="2286000" indent="0">
-              <a:buNone/>
-              <a:defRPr sz="900"/>
+            <a:lvl6pPr marL="1714500" indent="0">
+              <a:buNone/>
+              <a:defRPr sz="675"/>
             </a:lvl6pPr>
-            <a:lvl7pPr marL="2743200" indent="0">
-              <a:buNone/>
-              <a:defRPr sz="900"/>
+            <a:lvl7pPr marL="2057400" indent="0">
+              <a:buNone/>
+              <a:defRPr sz="675"/>
             </a:lvl7pPr>
-            <a:lvl8pPr marL="3200400" indent="0">
-              <a:buNone/>
-              <a:defRPr sz="900"/>
+            <a:lvl8pPr marL="2400300" indent="0">
+              <a:buNone/>
+              <a:defRPr sz="675"/>
             </a:lvl8pPr>
-            <a:lvl9pPr marL="3657600" indent="0">
-              <a:buNone/>
-              <a:defRPr sz="900"/>
+            <a:lvl9pPr marL="2743200" indent="0">
+              <a:buNone/>
+              <a:defRPr sz="675"/>
             </a:lvl9pPr>
           </a:lstStyle>
           <a:p>
             <a:pPr lvl="0"/>
             <a:r>
+              <a:rPr lang="en-US"/>
+              <a:t>Click to edit Master text styles</a:t>
+            </a:r>
+          </a:p>
+        </p:txBody>
+      </p:sp>
+      <p:sp>
+        <p:nvSpPr>
+          <p:cNvPr id="5" name="Date Placeholder 4"/>
+          <p:cNvSpPr>
+            <a:spLocks noGrp="1"/>
+          </p:cNvSpPr>
+          <p:nvPr>
+            <p:ph type="dt" sz="half" idx="10"/>
+          </p:nvPr>
+        </p:nvSpPr>
+        <p:spPr/>
+        <p:txBody>
+          <a:bodyPr/>
+          <a:lstStyle/>
+          <a:p>
+            <a:fld id="{241EB5C9-1307-BA42-ABA2-0BC069CD8E7F}" type="datetimeFigureOut">
               <a:rPr lang="en-US" smtClean="0"/>
-              <a:t>Click to edit Master text styles</a:t>
-            </a:r>
-          </a:p>
-        </p:txBody>
-      </p:sp>
-      <p:sp>
-        <p:nvSpPr>
-          <p:cNvPr id="5" name="Date Placeholder 4"/>
-          <p:cNvSpPr>
-            <a:spLocks noGrp="1"/>
-          </p:cNvSpPr>
-          <p:nvPr>
-            <p:ph type="dt" sz="half" idx="10"/>
-          </p:nvPr>
-        </p:nvSpPr>
-        <p:spPr/>
-        <p:txBody>
-          <a:bodyPr/>
-          <a:lstStyle/>
-          <a:p>
-            <a:fld id="{5BCAD085-E8A6-8845-BD4E-CB4CCA059FC4}" type="datetimeFigureOut">
-              <a:rPr lang="en-US" smtClean="0"/>
-              <a:t>1/27/13</a:t>
+              <a:t>1/2/22</a:t>
             </a:fld>
             <a:endParaRPr lang="en-US"/>
           </a:p>
@@ -2547,7 +2549,7 @@
           <a:bodyPr/>
           <a:lstStyle/>
           <a:p>
-            <a:fld id="{C1FF6DA9-008F-8B48-92A6-B652298478BF}" type="slidenum">
+            <a:fld id="{C5EF2332-01BF-834F-8236-50238282D533}" type="slidenum">
               <a:rPr lang="en-US" smtClean="0"/>
               <a:t>‹#›</a:t>
             </a:fld>
@@ -2558,7 +2560,7 @@
     </p:spTree>
     <p:extLst>
       <p:ext uri="{BB962C8B-B14F-4D97-AF65-F5344CB8AC3E}">
-        <p14:creationId xmlns:p14="http://schemas.microsoft.com/office/powerpoint/2010/main" val="3889236939"/>
+        <p14:creationId xmlns:p14="http://schemas.microsoft.com/office/powerpoint/2010/main" val="3566899855"/>
       </p:ext>
     </p:extLst>
   </p:cSld>
@@ -2569,7 +2571,7 @@
 </file>
 
 <file path=ppt/slideMasters/slideMaster1.xml><?xml version="1.0" encoding="utf-8"?>
-<p:sldMaster xmlns:a="http://schemas.openxmlformats.org/drawingml/2006/main" xmlns:r="http://schemas.openxmlformats.org/officeDocument/2006/relationships" xmlns:p="http://schemas.openxmlformats.org/presentationml/2006/main">
+<p:sldMaster xmlns:a="http://schemas.openxmlformats.org/drawingml/2006/main" xmlns:p="http://schemas.openxmlformats.org/presentationml/2006/main" xmlns:r="http://schemas.openxmlformats.org/officeDocument/2006/relationships">
   <p:cSld>
     <p:bg>
       <p:bgRef idx="1001">
@@ -2602,24 +2604,23 @@
         </p:nvSpPr>
         <p:spPr>
           <a:xfrm>
-            <a:off x="457200" y="274638"/>
-            <a:ext cx="8229600" cy="1143000"/>
+            <a:off x="457200" y="205979"/>
+            <a:ext cx="8229600" cy="857250"/>
           </a:xfrm>
           <a:prstGeom prst="rect">
             <a:avLst/>
           </a:prstGeom>
         </p:spPr>
         <p:txBody>
-          <a:bodyPr vert="horz" lIns="91440" tIns="45720" rIns="91440" bIns="45720" rtlCol="0" anchor="ctr">
+          <a:bodyPr anchor="ctr" bIns="45720" lIns="91440" rIns="91440" rtlCol="0" tIns="45720" vert="horz">
             <a:normAutofit/>
           </a:bodyPr>
           <a:lstStyle/>
           <a:p>
             <a:r>
-              <a:rPr lang="en-US" smtClean="0"/>
+              <a:rPr lang="en-US"/>
               <a:t>Click to edit Master title style</a:t>
             </a:r>
-            <a:endParaRPr lang="en-US"/>
           </a:p>
         </p:txBody>
       </p:sp>
@@ -2630,58 +2631,57 @@
             <a:spLocks noGrp="1"/>
           </p:cNvSpPr>
           <p:nvPr>
-            <p:ph type="body" idx="1"/>
+            <p:ph idx="1" type="body"/>
           </p:nvPr>
         </p:nvSpPr>
         <p:spPr>
           <a:xfrm>
-            <a:off x="457200" y="1600200"/>
-            <a:ext cx="8229600" cy="4525963"/>
+            <a:off x="457200" y="1200151"/>
+            <a:ext cx="8229600" cy="3394472"/>
           </a:xfrm>
           <a:prstGeom prst="rect">
             <a:avLst/>
           </a:prstGeom>
         </p:spPr>
         <p:txBody>
-          <a:bodyPr vert="horz" lIns="91440" tIns="45720" rIns="91440" bIns="45720" rtlCol="0">
+          <a:bodyPr bIns="45720" lIns="91440" rIns="91440" rtlCol="0" tIns="45720" vert="horz">
             <a:normAutofit/>
           </a:bodyPr>
           <a:lstStyle/>
           <a:p>
             <a:pPr lvl="0"/>
             <a:r>
-              <a:rPr lang="en-US" smtClean="0"/>
+              <a:rPr lang="en-US"/>
               <a:t>Click to edit Master text styles</a:t>
             </a:r>
           </a:p>
           <a:p>
             <a:pPr lvl="1"/>
             <a:r>
-              <a:rPr lang="en-US" smtClean="0"/>
+              <a:rPr lang="en-US"/>
               <a:t>Second level</a:t>
             </a:r>
           </a:p>
           <a:p>
             <a:pPr lvl="2"/>
             <a:r>
-              <a:rPr lang="en-US" smtClean="0"/>
+              <a:rPr lang="en-US"/>
               <a:t>Third level</a:t>
             </a:r>
           </a:p>
           <a:p>
             <a:pPr lvl="3"/>
             <a:r>
-              <a:rPr lang="en-US" smtClean="0"/>
+              <a:rPr lang="en-US"/>
               <a:t>Fourth level</a:t>
             </a:r>
           </a:p>
           <a:p>
             <a:pPr lvl="4"/>
             <a:r>
-              <a:rPr lang="en-US" smtClean="0"/>
+              <a:rPr lang="en-US"/>
               <a:t>Fifth level</a:t>
             </a:r>
-            <a:endParaRPr lang="en-US"/>
           </a:p>
         </p:txBody>
       </p:sp>
@@ -2692,23 +2692,23 @@
             <a:spLocks noGrp="1"/>
           </p:cNvSpPr>
           <p:nvPr>
-            <p:ph type="dt" sz="half" idx="2"/>
+            <p:ph idx="2" sz="half" type="dt"/>
           </p:nvPr>
         </p:nvSpPr>
         <p:spPr>
           <a:xfrm>
-            <a:off x="457200" y="6356350"/>
-            <a:ext cx="2133600" cy="365125"/>
+            <a:off x="457200" y="4767263"/>
+            <a:ext cx="2133600" cy="273844"/>
           </a:xfrm>
           <a:prstGeom prst="rect">
             <a:avLst/>
           </a:prstGeom>
         </p:spPr>
         <p:txBody>
-          <a:bodyPr vert="horz" lIns="91440" tIns="45720" rIns="91440" bIns="45720" rtlCol="0" anchor="ctr"/>
+          <a:bodyPr anchor="ctr" bIns="45720" lIns="91440" rIns="91440" rtlCol="0" tIns="45720" vert="horz"/>
           <a:lstStyle>
             <a:lvl1pPr algn="l">
-              <a:defRPr sz="1200">
+              <a:defRPr sz="900">
                 <a:solidFill>
                   <a:schemeClr val="tx1">
                     <a:tint val="75000"/>
@@ -2718,9 +2718,9 @@
             </a:lvl1pPr>
           </a:lstStyle>
           <a:p>
-            <a:fld id="{5BCAD085-E8A6-8845-BD4E-CB4CCA059FC4}" type="datetimeFigureOut">
+            <a:fld id="{241EB5C9-1307-BA42-ABA2-0BC069CD8E7F}" type="datetimeFigureOut">
               <a:rPr lang="en-US" smtClean="0"/>
-              <a:t>1/27/13</a:t>
+              <a:t>1/2/22</a:t>
             </a:fld>
             <a:endParaRPr lang="en-US"/>
           </a:p>
@@ -2733,23 +2733,23 @@
             <a:spLocks noGrp="1"/>
           </p:cNvSpPr>
           <p:nvPr>
-            <p:ph type="ftr" sz="quarter" idx="3"/>
+            <p:ph idx="3" sz="quarter" type="ftr"/>
           </p:nvPr>
         </p:nvSpPr>
         <p:spPr>
           <a:xfrm>
-            <a:off x="3124200" y="6356350"/>
-            <a:ext cx="2895600" cy="365125"/>
+            <a:off x="3124200" y="4767263"/>
+            <a:ext cx="2895600" cy="273844"/>
           </a:xfrm>
           <a:prstGeom prst="rect">
             <a:avLst/>
           </a:prstGeom>
         </p:spPr>
         <p:txBody>
-          <a:bodyPr vert="horz" lIns="91440" tIns="45720" rIns="91440" bIns="45720" rtlCol="0" anchor="ctr"/>
+          <a:bodyPr anchor="ctr" bIns="45720" lIns="91440" rIns="91440" rtlCol="0" tIns="45720" vert="horz"/>
           <a:lstStyle>
             <a:lvl1pPr algn="ctr">
-              <a:defRPr sz="1200">
+              <a:defRPr sz="900">
                 <a:solidFill>
                   <a:schemeClr val="tx1">
                     <a:tint val="75000"/>
@@ -2770,23 +2770,23 @@
             <a:spLocks noGrp="1"/>
           </p:cNvSpPr>
           <p:nvPr>
-            <p:ph type="sldNum" sz="quarter" idx="4"/>
+            <p:ph idx="4" sz="quarter" type="sldNum"/>
           </p:nvPr>
         </p:nvSpPr>
         <p:spPr>
           <a:xfrm>
-            <a:off x="6553200" y="6356350"/>
-            <a:ext cx="2133600" cy="365125"/>
+            <a:off x="6553200" y="4767263"/>
+            <a:ext cx="2133600" cy="273844"/>
           </a:xfrm>
           <a:prstGeom prst="rect">
             <a:avLst/>
           </a:prstGeom>
         </p:spPr>
         <p:txBody>
-          <a:bodyPr vert="horz" lIns="91440" tIns="45720" rIns="91440" bIns="45720" rtlCol="0" anchor="ctr"/>
+          <a:bodyPr anchor="ctr" bIns="45720" lIns="91440" rIns="91440" rtlCol="0" tIns="45720" vert="horz"/>
           <a:lstStyle>
             <a:lvl1pPr algn="r">
-              <a:defRPr sz="1200">
+              <a:defRPr sz="900">
                 <a:solidFill>
                   <a:schemeClr val="tx1">
                     <a:tint val="75000"/>
@@ -2796,7 +2796,7 @@
             </a:lvl1pPr>
           </a:lstStyle>
           <a:p>
-            <a:fld id="{C1FF6DA9-008F-8B48-92A6-B652298478BF}" type="slidenum">
+            <a:fld id="{C5EF2332-01BF-834F-8236-50238282D533}" type="slidenum">
               <a:rPr lang="en-US" smtClean="0"/>
               <a:t>‹#›</a:t>
             </a:fld>
@@ -2807,11 +2807,11 @@
     </p:spTree>
     <p:extLst>
       <p:ext uri="{BB962C8B-B14F-4D97-AF65-F5344CB8AC3E}">
-        <p14:creationId xmlns:p14="http://schemas.microsoft.com/office/powerpoint/2010/main" val="2209977519"/>
+        <p14:creationId xmlns:p14="http://schemas.microsoft.com/office/powerpoint/2010/main" val="3676200875"/>
       </p:ext>
     </p:extLst>
   </p:cSld>
-  <p:clrMap bg1="lt1" tx1="dk1" bg2="lt2" tx2="dk2" accent1="accent1" accent2="accent2" accent3="accent3" accent4="accent4" accent5="accent5" accent6="accent6" hlink="hlink" folHlink="folHlink"/>
+  <p:clrMap accent1="accent1" accent2="accent2" accent3="accent3" accent4="accent4" accent5="accent5" accent6="accent6" bg1="lt1" bg2="lt2" folHlink="folHlink" hlink="hlink" tx1="dk1" tx2="dk2"/>
   <p:sldLayoutIdLst>
     <p:sldLayoutId id="2147483649" r:id="rId1"/>
     <p:sldLayoutId id="2147483650" r:id="rId2"/>
@@ -2827,12 +2827,12 @@
   </p:sldLayoutIdLst>
   <p:txStyles>
     <p:titleStyle>
-      <a:lvl1pPr algn="ctr" defTabSz="457200" rtl="0" eaLnBrk="1" latinLnBrk="0" hangingPunct="1">
+      <a:lvl1pPr algn="ctr" defTabSz="342900" eaLnBrk="1" hangingPunct="1" latinLnBrk="0" rtl="0">
         <a:spcBef>
           <a:spcPct val="0"/>
         </a:spcBef>
         <a:buNone/>
-        <a:defRPr sz="4400" kern="1200">
+        <a:defRPr kern="1200" sz="3300">
           <a:solidFill>
             <a:schemeClr val="tx1"/>
           </a:solidFill>
@@ -2843,13 +2843,13 @@
       </a:lvl1pPr>
     </p:titleStyle>
     <p:bodyStyle>
-      <a:lvl1pPr marL="342900" indent="-342900" algn="l" defTabSz="457200" rtl="0" eaLnBrk="1" latinLnBrk="0" hangingPunct="1">
+      <a:lvl1pPr algn="l" defTabSz="342900" eaLnBrk="1" hangingPunct="1" indent="-342900" latinLnBrk="0" marL="342900" rtl="0">
         <a:spcBef>
           <a:spcPct val="20000"/>
         </a:spcBef>
         <a:buFont typeface="Arial"/>
         <a:buChar char="•"/>
-        <a:defRPr sz="3200" kern="1200">
+        <a:defRPr kern="1200" sz="2400">
           <a:solidFill>
             <a:schemeClr val="tx1"/>
           </a:solidFill>
@@ -2858,13 +2858,13 @@
           <a:cs typeface="+mn-cs"/>
         </a:defRPr>
       </a:lvl1pPr>
-      <a:lvl2pPr marL="742950" indent="-285750" algn="l" defTabSz="457200" rtl="0" eaLnBrk="1" latinLnBrk="0" hangingPunct="1">
+      <a:lvl2pPr algn="l" defTabSz="342900" eaLnBrk="1" hangingPunct="1" indent="-342900" latinLnBrk="0" marL="685800" rtl="0">
         <a:spcBef>
           <a:spcPct val="20000"/>
         </a:spcBef>
         <a:buFont typeface="Arial"/>
         <a:buChar char="–"/>
-        <a:defRPr sz="2800" kern="1200">
+        <a:defRPr kern="1200" sz="2100">
           <a:solidFill>
             <a:schemeClr val="tx1"/>
           </a:solidFill>
@@ -2873,13 +2873,13 @@
           <a:cs typeface="+mn-cs"/>
         </a:defRPr>
       </a:lvl2pPr>
-      <a:lvl3pPr marL="1143000" indent="-228600" algn="l" defTabSz="457200" rtl="0" eaLnBrk="1" latinLnBrk="0" hangingPunct="1">
+      <a:lvl3pPr algn="l" defTabSz="342900" eaLnBrk="1" hangingPunct="1" indent="-342900" latinLnBrk="0" marL="1028700" rtl="0">
         <a:spcBef>
           <a:spcPct val="20000"/>
         </a:spcBef>
         <a:buFont typeface="Arial"/>
         <a:buChar char="•"/>
-        <a:defRPr sz="2400" kern="1200">
+        <a:defRPr kern="1200" sz="1800">
           <a:solidFill>
             <a:schemeClr val="tx1"/>
           </a:solidFill>
@@ -2888,13 +2888,13 @@
           <a:cs typeface="+mn-cs"/>
         </a:defRPr>
       </a:lvl3pPr>
-      <a:lvl4pPr marL="1600200" indent="-228600" algn="l" defTabSz="457200" rtl="0" eaLnBrk="1" latinLnBrk="0" hangingPunct="1">
+      <a:lvl4pPr algn="l" defTabSz="342900" eaLnBrk="1" hangingPunct="1" indent="-342900" latinLnBrk="0" marL="1371600" rtl="0">
         <a:spcBef>
           <a:spcPct val="20000"/>
         </a:spcBef>
         <a:buFont typeface="Arial"/>
         <a:buChar char="–"/>
-        <a:defRPr sz="2000" kern="1200">
+        <a:defRPr kern="1200" sz="1500">
           <a:solidFill>
             <a:schemeClr val="tx1"/>
           </a:solidFill>
@@ -2903,13 +2903,13 @@
           <a:cs typeface="+mn-cs"/>
         </a:defRPr>
       </a:lvl4pPr>
-      <a:lvl5pPr marL="2057400" indent="-228600" algn="l" defTabSz="457200" rtl="0" eaLnBrk="1" latinLnBrk="0" hangingPunct="1">
+      <a:lvl5pPr algn="l" defTabSz="342900" eaLnBrk="1" hangingPunct="1" indent="-342900" latinLnBrk="0" marL="1714500" rtl="0">
         <a:spcBef>
           <a:spcPct val="20000"/>
         </a:spcBef>
         <a:buFont typeface="Arial"/>
         <a:buChar char="»"/>
-        <a:defRPr sz="2000" kern="1200">
+        <a:defRPr kern="1200" sz="1500">
           <a:solidFill>
             <a:schemeClr val="tx1"/>
           </a:solidFill>
@@ -2918,13 +2918,13 @@
           <a:cs typeface="+mn-cs"/>
         </a:defRPr>
       </a:lvl5pPr>
-      <a:lvl6pPr marL="2514600" indent="-228600" algn="l" defTabSz="457200" rtl="0" eaLnBrk="1" latinLnBrk="0" hangingPunct="1">
+      <a:lvl6pPr algn="l" defTabSz="342900" eaLnBrk="1" hangingPunct="1" indent="-342900" latinLnBrk="0" marL="2057400" rtl="0">
         <a:spcBef>
           <a:spcPct val="20000"/>
         </a:spcBef>
         <a:buFont typeface="Arial"/>
         <a:buChar char="•"/>
-        <a:defRPr sz="2000" kern="1200">
+        <a:defRPr kern="1200" sz="1500">
           <a:solidFill>
             <a:schemeClr val="tx1"/>
           </a:solidFill>
@@ -2933,13 +2933,13 @@
           <a:cs typeface="+mn-cs"/>
         </a:defRPr>
       </a:lvl6pPr>
-      <a:lvl7pPr marL="2971800" indent="-228600" algn="l" defTabSz="457200" rtl="0" eaLnBrk="1" latinLnBrk="0" hangingPunct="1">
+      <a:lvl7pPr algn="l" defTabSz="342900" eaLnBrk="1" hangingPunct="1" indent="-342900" latinLnBrk="0" marL="2400300" rtl="0">
         <a:spcBef>
           <a:spcPct val="20000"/>
         </a:spcBef>
         <a:buFont typeface="Arial"/>
         <a:buChar char="•"/>
-        <a:defRPr sz="2000" kern="1200">
+        <a:defRPr kern="1200" sz="1500">
           <a:solidFill>
             <a:schemeClr val="tx1"/>
           </a:solidFill>
@@ -2948,13 +2948,13 @@
           <a:cs typeface="+mn-cs"/>
         </a:defRPr>
       </a:lvl7pPr>
-      <a:lvl8pPr marL="3429000" indent="-228600" algn="l" defTabSz="457200" rtl="0" eaLnBrk="1" latinLnBrk="0" hangingPunct="1">
+      <a:lvl8pPr algn="l" defTabSz="342900" eaLnBrk="1" hangingPunct="1" indent="-342900" latinLnBrk="0" marL="2743200" rtl="0">
         <a:spcBef>
           <a:spcPct val="20000"/>
         </a:spcBef>
         <a:buFont typeface="Arial"/>
         <a:buChar char="•"/>
-        <a:defRPr sz="2000" kern="1200">
+        <a:defRPr kern="1200" sz="1500">
           <a:solidFill>
             <a:schemeClr val="tx1"/>
           </a:solidFill>
@@ -2963,13 +2963,13 @@
           <a:cs typeface="+mn-cs"/>
         </a:defRPr>
       </a:lvl8pPr>
-      <a:lvl9pPr marL="3886200" indent="-228600" algn="l" defTabSz="457200" rtl="0" eaLnBrk="1" latinLnBrk="0" hangingPunct="1">
+      <a:lvl9pPr algn="l" defTabSz="342900" eaLnBrk="1" hangingPunct="1" indent="-342900" latinLnBrk="0" marL="3086100" rtl="0">
         <a:spcBef>
           <a:spcPct val="20000"/>
         </a:spcBef>
         <a:buFont typeface="Arial"/>
         <a:buChar char="•"/>
-        <a:defRPr sz="2000" kern="1200">
+        <a:defRPr kern="1200" sz="1500">
           <a:solidFill>
             <a:schemeClr val="tx1"/>
           </a:solidFill>
@@ -2983,8 +2983,8 @@
       <a:defPPr>
         <a:defRPr lang="en-US"/>
       </a:defPPr>
-      <a:lvl1pPr marL="0" algn="l" defTabSz="457200" rtl="0" eaLnBrk="1" latinLnBrk="0" hangingPunct="1">
-        <a:defRPr sz="1800" kern="1200">
+      <a:lvl1pPr algn="l" defTabSz="342900" eaLnBrk="1" hangingPunct="1" latinLnBrk="0" marL="0" rtl="0">
+        <a:defRPr kern="1200" sz="1350">
           <a:solidFill>
             <a:schemeClr val="tx1"/>
           </a:solidFill>
@@ -2993,8 +2993,8 @@
           <a:cs typeface="+mn-cs"/>
         </a:defRPr>
       </a:lvl1pPr>
-      <a:lvl2pPr marL="457200" algn="l" defTabSz="457200" rtl="0" eaLnBrk="1" latinLnBrk="0" hangingPunct="1">
-        <a:defRPr sz="1800" kern="1200">
+      <a:lvl2pPr algn="l" defTabSz="342900" eaLnBrk="1" hangingPunct="1" latinLnBrk="0" marL="342900" rtl="0">
+        <a:defRPr kern="1200" sz="1350">
           <a:solidFill>
             <a:schemeClr val="tx1"/>
           </a:solidFill>
@@ -3003,8 +3003,8 @@
           <a:cs typeface="+mn-cs"/>
         </a:defRPr>
       </a:lvl2pPr>
-      <a:lvl3pPr marL="914400" algn="l" defTabSz="457200" rtl="0" eaLnBrk="1" latinLnBrk="0" hangingPunct="1">
-        <a:defRPr sz="1800" kern="1200">
+      <a:lvl3pPr algn="l" defTabSz="342900" eaLnBrk="1" hangingPunct="1" latinLnBrk="0" marL="685800" rtl="0">
+        <a:defRPr kern="1200" sz="1350">
           <a:solidFill>
             <a:schemeClr val="tx1"/>
           </a:solidFill>
@@ -3013,8 +3013,8 @@
           <a:cs typeface="+mn-cs"/>
         </a:defRPr>
       </a:lvl3pPr>
-      <a:lvl4pPr marL="1371600" algn="l" defTabSz="457200" rtl="0" eaLnBrk="1" latinLnBrk="0" hangingPunct="1">
-        <a:defRPr sz="1800" kern="1200">
+      <a:lvl4pPr algn="l" defTabSz="342900" eaLnBrk="1" hangingPunct="1" latinLnBrk="0" marL="1028700" rtl="0">
+        <a:defRPr kern="1200" sz="1350">
           <a:solidFill>
             <a:schemeClr val="tx1"/>
           </a:solidFill>
@@ -3023,8 +3023,8 @@
           <a:cs typeface="+mn-cs"/>
         </a:defRPr>
       </a:lvl4pPr>
-      <a:lvl5pPr marL="1828800" algn="l" defTabSz="457200" rtl="0" eaLnBrk="1" latinLnBrk="0" hangingPunct="1">
-        <a:defRPr sz="1800" kern="1200">
+      <a:lvl5pPr algn="l" defTabSz="342900" eaLnBrk="1" hangingPunct="1" latinLnBrk="0" marL="1371600" rtl="0">
+        <a:defRPr kern="1200" sz="1350">
           <a:solidFill>
             <a:schemeClr val="tx1"/>
           </a:solidFill>
@@ -3033,8 +3033,8 @@
           <a:cs typeface="+mn-cs"/>
         </a:defRPr>
       </a:lvl5pPr>
-      <a:lvl6pPr marL="2286000" algn="l" defTabSz="457200" rtl="0" eaLnBrk="1" latinLnBrk="0" hangingPunct="1">
-        <a:defRPr sz="1800" kern="1200">
+      <a:lvl6pPr algn="l" defTabSz="342900" eaLnBrk="1" hangingPunct="1" latinLnBrk="0" marL="1714500" rtl="0">
+        <a:defRPr kern="1200" sz="1350">
           <a:solidFill>
             <a:schemeClr val="tx1"/>
           </a:solidFill>
@@ -3043,8 +3043,8 @@
           <a:cs typeface="+mn-cs"/>
         </a:defRPr>
       </a:lvl6pPr>
-      <a:lvl7pPr marL="2743200" algn="l" defTabSz="457200" rtl="0" eaLnBrk="1" latinLnBrk="0" hangingPunct="1">
-        <a:defRPr sz="1800" kern="1200">
+      <a:lvl7pPr algn="l" defTabSz="342900" eaLnBrk="1" hangingPunct="1" latinLnBrk="0" marL="2057400" rtl="0">
+        <a:defRPr kern="1200" sz="1350">
           <a:solidFill>
             <a:schemeClr val="tx1"/>
           </a:solidFill>
@@ -3053,8 +3053,8 @@
           <a:cs typeface="+mn-cs"/>
         </a:defRPr>
       </a:lvl7pPr>
-      <a:lvl8pPr marL="3200400" algn="l" defTabSz="457200" rtl="0" eaLnBrk="1" latinLnBrk="0" hangingPunct="1">
-        <a:defRPr sz="1800" kern="1200">
+      <a:lvl8pPr algn="l" defTabSz="342900" eaLnBrk="1" hangingPunct="1" latinLnBrk="0" marL="2400300" rtl="0">
+        <a:defRPr kern="1200" sz="1350">
           <a:solidFill>
             <a:schemeClr val="tx1"/>
           </a:solidFill>
@@ -3063,8 +3063,8 @@
           <a:cs typeface="+mn-cs"/>
         </a:defRPr>
       </a:lvl8pPr>
-      <a:lvl9pPr marL="3657600" algn="l" defTabSz="457200" rtl="0" eaLnBrk="1" latinLnBrk="0" hangingPunct="1">
-        <a:defRPr sz="1800" kern="1200">
+      <a:lvl9pPr algn="l" defTabSz="342900" eaLnBrk="1" hangingPunct="1" latinLnBrk="0" marL="2743200" rtl="0">
+        <a:defRPr kern="1200" sz="1350">
           <a:solidFill>
             <a:schemeClr val="tx1"/>
           </a:solidFill>
@@ -3079,7 +3079,7 @@
 </file>
 
 <file path=ppt/slides/slide1.xml><?xml version="1.0" encoding="utf-8"?>
-<p:sld xmlns:a="http://schemas.openxmlformats.org/drawingml/2006/main" xmlns:p="http://schemas.openxmlformats.org/presentationml/2006/main" xmlns:r="http://schemas.openxmlformats.org/officeDocument/2006/relationships">
+<p:sld xmlns:a="http://schemas.openxmlformats.org/drawingml/2006/main" xmlns:r="http://schemas.openxmlformats.org/officeDocument/2006/relationships" xmlns:p="http://schemas.openxmlformats.org/presentationml/2006/main">
   <p:cSld>
     <p:spTree>
       <p:nvGrpSpPr>
@@ -3087,65 +3087,1276 @@
         <p:cNvGrpSpPr/>
         <p:nvPr/>
       </p:nvGrpSpPr>
-      <p:grpSpPr/>
-      <p:sp>
-        <p:nvSpPr>
-          <p:cNvPr id="2" name="Title 1"/>
-          <p:cNvSpPr>
-            <a:spLocks noGrp="1"/>
-          </p:cNvSpPr>
-          <p:nvPr>
-            <p:ph type="title"/>
-          </p:nvPr>
-        </p:nvSpPr>
-        <p:spPr/>
-        <p:txBody>
-          <a:bodyPr/>
-          <a:lstStyle/>
-          <a:p/>
-        </p:txBody>
-      </p:sp>
-      <p:pic>
-        <p:nvPicPr>
-          <p:cNvPr id="3" name="Picture Placeholder 2" descr="header.png"/>
-          <p:cNvPicPr>
-            <a:picLocks noGrp="1" noChangeAspect="1"/>
-          </p:cNvPicPr>
-          <p:nvPr>
-            <p:ph type="pic" idx="1"/>
-          </p:nvPr>
-        </p:nvPicPr>
-        <p:blipFill>
-          <a:blip r:embed="rId2"/>
-          <a:srcRect l="32421" r="32421"/>
-          <a:stretch>
-            <a:fillRect/>
-          </a:stretch>
-        </p:blipFill>
-        <p:spPr/>
-      </p:pic>
-      <p:sp>
-        <p:nvSpPr>
-          <p:cNvPr id="4" name="Text Placeholder 3"/>
-          <p:cNvSpPr>
-            <a:spLocks noGrp="1"/>
-          </p:cNvSpPr>
-          <p:nvPr>
-            <p:ph type="body" idx="2" sz="half"/>
-          </p:nvPr>
-        </p:nvSpPr>
-        <p:spPr/>
-        <p:txBody>
-          <a:bodyPr/>
-          <a:lstStyle/>
-          <a:p/>
+      <p:grpSpPr>
+        <a:xfrm>
+          <a:off x="0" y="0"/>
+          <a:ext cx="0" cy="0"/>
+          <a:chOff x="0" y="0"/>
+          <a:chExt cx="0" cy="0"/>
+        </a:xfrm>
+      </p:grpSpPr>
+      <p:sp>
+        <p:nvSpPr>
+          <p:cNvPr id="3" name="Content Placeholder 2"/>
+          <p:cNvSpPr>
+            <a:spLocks noGrp="1"/>
+          </p:cNvSpPr>
+          <p:nvPr>
+            <p:ph idx="1"/>
+          </p:nvPr>
+        </p:nvSpPr>
+        <p:spPr/>
+        <p:txBody>
+          <a:bodyPr/>
+          <a:lstStyle/>
+          <a:p>
+            <a:pPr lvl="0"/>
+            <a:r>
+              <a:rPr/>
+              <a:t>7 minutes</a:t>
+            </a:r>
+          </a:p>
+          <a:p>
+            <a:pPr lvl="0" indent="0" marL="0">
+              <a:buNone/>
+            </a:pPr>
+            <a:r>
+              <a:rPr/>
+              <a:t>You need to add member user accounts for the new developer team in your organization.</a:t>
+            </a:r>
+          </a:p>
+          <a:p>
+            <a:pPr lvl="0" indent="0" marL="0">
+              <a:buNone/>
+            </a:pPr>
+            <a:r>
+              <a:rPr/>
+              <a:t>In this exercise, you’ll create a new Azure Active Directory (Azure AD) organization to hold all of your user accounts. You’ll also create a user account, delete a user account, and learn how to recover a deleted user account.</a:t>
+            </a:r>
+          </a:p>
         </p:txBody>
       </p:sp>
     </p:spTree>
   </p:cSld>
-  <p:clrMapOvr>
-    <a:masterClrMapping/>
-  </p:clrMapOvr>
+</p:sld>
+</file>
+
+<file path=ppt/slides/slide2.xml><?xml version="1.0" encoding="utf-8"?>
+<p:sld xmlns:a="http://schemas.openxmlformats.org/drawingml/2006/main" xmlns:r="http://schemas.openxmlformats.org/officeDocument/2006/relationships" xmlns:p="http://schemas.openxmlformats.org/presentationml/2006/main">
+  <p:cSld>
+    <p:spTree>
+      <p:nvGrpSpPr>
+        <p:cNvPr id="1" name=""/>
+        <p:cNvGrpSpPr/>
+        <p:nvPr/>
+      </p:nvGrpSpPr>
+      <p:grpSpPr>
+        <a:xfrm>
+          <a:off x="0" y="0"/>
+          <a:ext cx="0" cy="0"/>
+          <a:chOff x="0" y="0"/>
+          <a:chExt cx="0" cy="0"/>
+        </a:xfrm>
+      </p:grpSpPr>
+      <p:sp>
+        <p:nvSpPr>
+          <p:cNvPr id="2" name="Title 1"/>
+          <p:cNvSpPr>
+            <a:spLocks noGrp="1"/>
+          </p:cNvSpPr>
+          <p:nvPr>
+            <p:ph type="title"/>
+          </p:nvPr>
+        </p:nvSpPr>
+        <p:spPr/>
+        <p:txBody>
+          <a:bodyPr/>
+          <a:lstStyle/>
+          <a:p>
+            <a:pPr lvl="0" indent="0" marL="0">
+              <a:buNone/>
+            </a:pPr>
+            <a:r>
+              <a:rPr/>
+              <a:t>Create an Azure Active Directory organization</a:t>
+            </a:r>
+          </a:p>
+        </p:txBody>
+      </p:sp>
+      <p:sp>
+        <p:nvSpPr>
+          <p:cNvPr id="3" name="Content Placeholder 2"/>
+          <p:cNvSpPr>
+            <a:spLocks noGrp="1"/>
+          </p:cNvSpPr>
+          <p:nvPr>
+            <p:ph idx="1"/>
+          </p:nvPr>
+        </p:nvSpPr>
+        <p:spPr/>
+        <p:txBody>
+          <a:bodyPr/>
+          <a:lstStyle/>
+          <a:p>
+            <a:pPr lvl="0" indent="0" marL="0">
+              <a:buNone/>
+            </a:pPr>
+            <a:r>
+              <a:rPr/>
+              <a:t>To hold all of the users you create in this exercise, create a new organization.</a:t>
+            </a:r>
+          </a:p>
+          <a:p>
+            <a:pPr lvl="0" indent="-342900" marL="342900">
+              <a:buAutoNum type="arabicPeriod"/>
+            </a:pPr>
+            <a:r>
+              <a:rPr/>
+              <a:t>Sign in to the </a:t>
+            </a:r>
+            <a:r>
+              <a:rPr>
+                <a:hlinkClick r:id="rId2"/>
+              </a:rPr>
+              <a:t>Azure portal</a:t>
+            </a:r>
+            <a:r>
+              <a:rPr/>
+              <a:t> with the same account you used to activate the sandbox.</a:t>
+            </a:r>
+          </a:p>
+          <a:p>
+            <a:pPr lvl="0" indent="-342900" marL="342900">
+              <a:buAutoNum type="arabicPeriod"/>
+            </a:pPr>
+            <a:r>
+              <a:rPr/>
+              <a:t>On the Azure portal home page, under </a:t>
+            </a:r>
+            <a:r>
+              <a:rPr b="1"/>
+              <a:t>Azure services</a:t>
+            </a:r>
+            <a:r>
+              <a:rPr/>
+              <a:t>, select </a:t>
+            </a:r>
+            <a:r>
+              <a:rPr b="1"/>
+              <a:t>Create a resource</a:t>
+            </a:r>
+            <a:r>
+              <a:rPr/>
+              <a:t>. The </a:t>
+            </a:r>
+            <a:r>
+              <a:rPr b="1"/>
+              <a:t>Create a resource</a:t>
+            </a:r>
+            <a:r>
+              <a:rPr/>
+              <a:t> pane appears.</a:t>
+            </a:r>
+          </a:p>
+          <a:p>
+            <a:pPr lvl="0" indent="-342900" marL="342900">
+              <a:buAutoNum type="arabicPeriod"/>
+            </a:pPr>
+            <a:r>
+              <a:rPr/>
+              <a:t>In the </a:t>
+            </a:r>
+            <a:r>
+              <a:rPr i="1"/>
+              <a:t>Search services and marketplace</a:t>
+            </a:r>
+            <a:r>
+              <a:rPr/>
+              <a:t> search box, search for and select </a:t>
+            </a:r>
+            <a:r>
+              <a:rPr b="1"/>
+              <a:t>Azure Active Directory</a:t>
+            </a:r>
+            <a:r>
+              <a:rPr/>
+              <a:t>. The </a:t>
+            </a:r>
+            <a:r>
+              <a:rPr b="1"/>
+              <a:t>Azure Active Directory</a:t>
+            </a:r>
+            <a:r>
+              <a:rPr/>
+              <a:t> pane appears.</a:t>
+            </a:r>
+          </a:p>
+          <a:p>
+            <a:pPr lvl="0" indent="-342900" marL="342900">
+              <a:buAutoNum type="arabicPeriod"/>
+            </a:pPr>
+            <a:r>
+              <a:rPr/>
+              <a:t>Select </a:t>
+            </a:r>
+            <a:r>
+              <a:rPr b="1"/>
+              <a:t>Create</a:t>
+            </a:r>
+            <a:r>
+              <a:rPr/>
+              <a:t>. The </a:t>
+            </a:r>
+            <a:r>
+              <a:rPr b="1"/>
+              <a:t>Create a tenant</a:t>
+            </a:r>
+            <a:r>
+              <a:rPr/>
+              <a:t> pane appears.</a:t>
+            </a:r>
+          </a:p>
+          <a:p>
+            <a:pPr lvl="0" indent="-342900" marL="342900">
+              <a:buAutoNum type="arabicPeriod"/>
+            </a:pPr>
+            <a:r>
+              <a:rPr/>
+              <a:t>On the </a:t>
+            </a:r>
+            <a:r>
+              <a:rPr b="1"/>
+              <a:t>Basics</a:t>
+            </a:r>
+            <a:r>
+              <a:rPr/>
+              <a:t> tab, enter the following value for the setting.</a:t>
+            </a:r>
+          </a:p>
+          <a:p>
+            <a:pPr lvl="0" indent="-342900" marL="342900">
+              <a:buAutoNum type="arabicPeriod"/>
+            </a:pPr>
+            <a:r>
+              <a:rPr/>
+              <a:t>Select </a:t>
+            </a:r>
+            <a:r>
+              <a:rPr b="1"/>
+              <a:t>Next : Configuration</a:t>
+            </a:r>
+            <a:r>
+              <a:rPr/>
+              <a:t>, and enter the following values for each setting.</a:t>
+            </a:r>
+          </a:p>
+          <a:p>
+            <a:pPr lvl="0" indent="-342900" marL="342900">
+              <a:buAutoNum type="arabicPeriod"/>
+            </a:pPr>
+            <a:r>
+              <a:rPr/>
+              <a:t>Select </a:t>
+            </a:r>
+            <a:r>
+              <a:rPr b="1"/>
+              <a:t>Next : Review + create</a:t>
+            </a:r>
+            <a:r>
+              <a:rPr/>
+              <a:t>.</a:t>
+            </a:r>
+          </a:p>
+          <a:p>
+            <a:pPr lvl="0" indent="-342900" marL="342900">
+              <a:buAutoNum type="arabicPeriod"/>
+            </a:pPr>
+            <a:r>
+              <a:rPr/>
+              <a:t>After validation passes, select </a:t>
+            </a:r>
+            <a:r>
+              <a:rPr b="1"/>
+              <a:t>Create</a:t>
+            </a:r>
+            <a:r>
+              <a:rPr/>
+              <a:t>. The </a:t>
+            </a:r>
+            <a:r>
+              <a:rPr b="1"/>
+              <a:t>Help us prove you’re not a robot</a:t>
+            </a:r>
+            <a:r>
+              <a:rPr/>
+              <a:t> pane appears.</a:t>
+            </a:r>
+          </a:p>
+          <a:p>
+            <a:pPr lvl="0" indent="-342900" marL="342900">
+              <a:buAutoNum type="arabicPeriod"/>
+            </a:pPr>
+            <a:r>
+              <a:rPr/>
+              <a:t>Enter the appropriate match to the request, and select </a:t>
+            </a:r>
+            <a:r>
+              <a:rPr b="1"/>
+              <a:t>Submit</a:t>
+            </a:r>
+            <a:r>
+              <a:rPr/>
+              <a:t>. Wait for the creation of your tenant to be completed.</a:t>
+            </a:r>
+          </a:p>
+          <a:p>
+            <a:pPr lvl="0" indent="-342900" marL="342900">
+              <a:buAutoNum type="arabicPeriod"/>
+            </a:pPr>
+            <a:r>
+              <a:rPr/>
+              <a:t>On the </a:t>
+            </a:r>
+            <a:r>
+              <a:rPr b="1"/>
+              <a:t>Help us prove you’re not a robot</a:t>
+            </a:r>
+            <a:r>
+              <a:rPr/>
+              <a:t> pane, select the </a:t>
+            </a:r>
+            <a:r>
+              <a:rPr b="1"/>
+              <a:t>Click here to navigate to your new tenant: Contoso Marketing Company</a:t>
+            </a:r>
+            <a:r>
+              <a:rPr/>
+              <a:t> link.</a:t>
+            </a:r>
+          </a:p>
+          <a:p>
+            <a:pPr lvl="0" indent="0">
+              <a:buNone/>
+            </a:pPr>
+            <a:r>
+              <a:rPr>
+                <a:latin typeface="Courier"/>
+              </a:rPr>
+              <a:t>![Screenshot that shows the link to manage your new organization.](data:image/png;base64,iVBORw0KGgoAAAANSUhEUgAAAkQAAAF7CAIAAAC8RgPoAAAAAXNSR0IArs4c6QAAAARnQU1BAACxjwv8YQUAAAAJcEhZcwAAFiUAABYlAUlSJPAAAG86SURBVHhe7b37b1xblt83f0KC/BAgDmDEMBwjCJDutoPbyMXEGAwGHk+jYd90gnRjPI3pIOjxxN1peLo98e0YGGPi6e5x5l63nZ6xWQ8+RFEiRVEURfFVxeJDJEWRFEVSFEVSFN+kSIqP4pssvirftdeuzaMqskSJlMRSfb/3e0un9tlnn312FdfnrPOqX2uhKIqiqAwXYUZRFEVlvAgziqIoKuN1DLM4RVEURWWULMAIM4qiKCpzZQFGmFEURVGZKwswwoyiKIrKXFmAEWYURVFU5soCjDCjKIqiMlcWYJcbZkvlP/jK174Kf9FnSyiKOr/6vpQ/q6987QflS7aEojJVFmAXAbPX/WHMl//QVPhhxZv+4RBmWSj9Ov2gfN6+p96BCDPq45EFGGFGXTJlMsxiM0M1xb/4o88CPbbgsuqdwSxjRoD6eGQBRphRl0wZDLOlih+Yr+tXvsxWmGXOCFAfjyzACDPqkokwew8izKj3oX/4D/9hT8+pXwXMQgX75hyyACPMqEsmwuw9iDCj3oeAq7/+1//6iTxLM+tNZQH2gWG2Pljzyx9/57c/kcU//c3v/NEXNUPrdpboBJi98tdysNTp+/G3fkPefv23v/0TX8fSga12mvp+qQ0mx8qTy+f7yl33vvrJb337+z+92uftX5LepG+eQZOaP/itTzECP65xI7Q+1nrj5z/59m9+3VSTFn5W3OnpW6z95zrrO9fHbFFCY9e/LS1/9RuBAVsCLbVf+ekffvb3zCJ/77Pv/zQ/7VhNFf++qfm1n7XEbFFC48XfMbN+UnM8EuvjLSU/8w7Uj39xI7n9Nxv5Y3m/A7Gxip//vgzprwce29nQm22a6JXv1fpQ9Zd/pIv/+rf+yO8dZKfXbqD76F91WiQfrI81F//ij76tXxJt9suaseQBT9brvjkHS30Vv3ID8rXf+OwP/uWvXv2zgl75m10fKv+Frf/r3/rDn5cnVzZ63RfybUaAygKdCK0LJBlkAfYBYRYb8P8+/g7tl975139yd8bWSA+z5r4vP9O5x/76t3/Vt2Vrnqizh9Slhn/1LU/L1qdto9Gb9M0N2pWSn2mIhO3aTxkZ2DM4B4OBb5jC3y1+lWZjJb9ryr9bbKsezET+5DNPI9Zpx2qm5Lta7eetrwbXBCl/XBPVgthQ8Lsa4JL9Gz+umdU6ovPDrOT6d23Lbsf/bTYNOm6zteeL5E/50x/UvNKTM23gW4Tyvr9yn/sr/tYv+9LyLN03Jz5b/6cpXzzjT77zV95mj/9mO+/+2GLv2N6/QdFZvpCEGXWaktB1sSSDLMAuEmav8yswm6/+ofnz+Pr3ftU5a/7KooMlP9I/TvcHkA5m3/zGN7Bs6/jSenR9abzlL79n/7C/FRy0VU/SWUNqrOMX+tf72c9bp0z3DmJYS+CX1WeB2Rn6lhi0Tz/5+qc/KBnw7AvPluvIfO3Tb//pjb6Z6Pp6dGms2f8Hdv/9s8CQrTjk+4Yp+W7JlC0RJWdOsb6/0nD/2Z9WDK4jmTiIzTT/XCP4N0+Pm+s1PzZLfeUXr9DMEvTrf96hpTMVP7C76t/+VyU9M9je9fmxVt/3bXz8zD+USF/ODTMM1Ge/aJ6JHedDb7lpSW3aQZ4fLPnjXzeFX/mm7/grdNYNjOFjWh+6/n1t4RfN8hb29DZZfb/85DufX8GXROvEZjsS35PThkJ1+jdny+1C/fof+FrG5qUDMz3Ff/ptbfaTn4Zc5UQj3/jGNzF69ms203cjsQP36ecRu7Ny5i/km48AlT1yAHMTdsZFyALsA8Es1vnn5g/s05+3evego9U/MTUTh87SwQyZx5j372Sr40vNVD79oi9dBNEGXxdSE9nk137p1vx6vUnf3KB98iotEiPz1c++7Hk1Go8nDv19Xm9j0pD/m6bEu5eQnDklDhj+/qtHIxMgTE68jpXAueOWyK4xcQDzGPlfJGVCY4ksygXQc8MseRPeftM8bf6wzJOCbLX8qSk8TnbfZAMh9wU4yxmj9aWU/aLOL3TxV78SSTrtmxOfuaFd+uSHFa/kVdguuxXf8Cd2hI4b8fYfmimzm5D4Ur3JF/INR4DKKinGLpxkkAXYRcLsd7+oae/oTHXNF5oreGJu31/qX9dfdNgCq5ny75vyH2kClA5m3nM2qqGgRrF0O7ZnDanuIJ7ujaaJLR69Sd9cNPmi8xX0Jkbmj6uTm0Cy9MdJiyQOBh4f/LTHGB2Blu5ql75f7jniJ7Jx85O/9Jx8SpKlwqc/70xsvt0KxETtwONfadaSur1uv8R9xOeGWfImnGPTXJufR17peMr37U02EHrjUB5bGutpKc//1Zf/8vvf+d3EWa5X905SdNo3Z6nmR6bcfToeJQDvxirRSGrl9fqf6iy7G/dGX0jCjDpVGQWzs58zc3nPabZNpYNZ6l/LWf6Qzh5SYz2/+o7+GYs/+a0f+VvHU/6cX9Wb9O2UQUubEaZ2MrEzniixyconrgOJRU51mrFKHLH85BfthmYJwP/+jeTTJCc1kryBZx/5V3XCd0B1jk07rc3k8jfaQOgs30CnmdC/8nzB4F//1mf2OOeZYJb855buz/CsXz/Rq7Pe8Av5RiNAZY+UZHh1E3bGRcgC7GOE2bdLxm1Jqt4spK6PteZ/bi6fU3/y+8HBNEnam/TtlEF7w9jh8gNNHSzbPLvb54j4kM38bJ43oMcYzxi5kjfwzUb+WB8nzGKPf6Vnp771J8Wd40vregyzxx5mvBQw0wtZCTPq3EoC2IXzzALsw8DsoMMuctJfiEdpYdZpSxKKtf5MKycdO3pFicN9Scem3LInhdSD2NJAeeIisW+46y9S9SZ9O2XQ3MicdFQn8rmZ9emvPKOWONQj5y0se1zmBM2U6Qn501DxGtnLQMyRRnuoytuxxDmeE47CJY5Wff2vbGffZuRFp8LsHJt2Vpi90QZCZw/lnX+hK3r1xF5idW8Fs8Qh+hMPMyaOcieu4E80knwp7PEFRN/Ui5Xe8AtJmFFJOhFdF8szC7APAzMXgpMuAElWOph9PekWqNnELuRp3TBKnGh5NTxF639qD/icHhnPEGjepG+nDVoiQHz1M+9dYqLE+fZXrsgQGvzc1P888lgrvLoJNp1KuXrijLJXQHzyi9aWL3VCDzmq3PkVz1WLqsT1Ecf133bkT4XZOTbtzDB7kw2EzhzKj1fkOe8V6/wLRc7bwcwR65OfHt90ZuQuAHF3a7hGkr9mrg/uSPWbfSEJM8qrNNC6QJ5ZgH0gmMVjPV9oJLJXPK/Ln0MsujTWXv7lj/yJEJMOZvh7+87/Uz7krj9OZE7J11wlyd0O/OkPAuZK66Xx6i+//etfTwqp89Vf/rK8bypxYfHWTOuf61XgZ8rMztC30wdtyJ+4PPq7X1akXAmdfBeU481XfvLHJotK3oN2Y2gv15Ytiq2vTw3W5H/+i6Sod5I0Ifvmd78rn1fKlaJDQXub19e/90V5ypXrX7cX8hidceSTdRp4oLfetNPaPKH8DTYQgT/0uVb+5s/q8cEt9VS3nrxR8b5f2svlf3h9cAlfiq2ZvqC9BwB+O5h59gw++0l+6qX5n/3l45SvH/zpd/+yeWxJt+uvEnfUeRt/ky/k2UeAygZlyeOsTr8X9TiUnBBcjnf9gldePX8OJ90ZeqJinX9uT7M7f/1H5eX2sI+DWSKXetXpb2h9k76lG7Sl1i9SFjf+9LuBgRPWn4iM8KuZk2r2tBtp0wfNhBI3AMDeG7CsDpZa/+LbJ36OX/+ef+iVtPtsI5+sNDB76017A5i9yQZ6caI+baM817U7f/qD8rLzHGYUxUaKf3J8itfrz/405L1e3zXiL/yT5A8l6W536A2+kGcfAYq6IFmAfTiYidaHqv/yX37f8zgfeUaO56LBtDDrwZ+u50FEf/h5YXuaEODRwVJn/ue/r48m+o3P9EFTyaeyY2ORv/r8DxIP70G17/wRdsxf0/6b9O21g2aepGUvbzNP0sK+dspZC6vEATfvZfSvCJvseRaRbM4ffv6XFX2ve+yTyj0N5NW7sz1a6in/0j2W6dPfROOFzWNyF3OSzjLyyUoLM+htNu1NYGZ01g0UnJT/4nvamU9+63u/6jztI5OaKY/ROtcFIAmZq5bcV/fvffbtn/yyvC95bD2NeD4UeUjVL6tPfJrV2b+QZx8BiroQWYBdBMzeq7zAuGy6zH07h1LvZqMoirossgAjzC5QHyfMEue6Triij6Io6kPLAowwu0B9jDCL9f3SXN522gFMiqKoDyoLMMLsAvVRwUyeGzvTaS9v++SHd3mIkaKoyygLMMLsAvURwSxxgYDx636UhKIo6oPJAowwu0B9TDDTx8t+/bd/8GWN+XUViqKoSykLsIyDGUVRFEU5WYARZhRFUVTmygKMMKMoiqIyVxZghBlFURSVubIAI8woiqKozJUFGGFGURRFZa4swAgziqIoKnNlAUaYURRFUZkrCzDCjKIoispcWYARZhRFUVTmygKMMKMoiqIyVxZghBlFURSVubIAI8woiqKozJUFGGFGURRFZa4swAgziqIoKnNlAUaYURRFUZkrCzDCjKIoispcWYARZhRFUVTmygKMMKMoiqIyVxZghBlFURSVubIAI8woiqKozJUFGGFGURRFZa4swAgziqIoKnNlAUaYURRFUZkrCzDCjKIoispcWYARZhRFUVTmygKMMKMoiqIyVxZghBlFURSVubIAI8woiqKozJUFGGFGURRFZa4swAgziqIoKnNlAUaYURRFUZkrCzDCjKIoispcWYARZhRFUVTmygKMMKMoiqIyVxZghBlFURSVubIAe9cwm9/Y/9tfjPzav3iSxqiAanYBiqIoijqzLMDeA8x+J28iDateW4GiKIqiTpMF2HuA2e8WTy9uHtj3KSLMKIqiqLeWBdgHP2dGmFEURVFvLQuwdwqzo6P47YH1v/n/Pvu1f/EEr5hGSZLeJ8xu3y7/2le/8tOffr6zs2OL3kTRaBTL4nVsbOyHP/wBJuyMNxGWwrJowb6nKIqiziELsHcKs8rB9f/hP4z1z+8eHsXximmU2HkJnQVmAMB3f+/3wCH1v/93/87OOEmnkeb8FEEL7whmDx8+1E3DZr5dsxRFUdkpC7B3B7PN2OH/UjTVPrlt38fjmEYJyu17o9fCDHH/G7/zDxDu9S2SquvXrqVJrdLATFFk37+5XAsXDrNwKKRbhNwxPaopiqIoryzA3h3MUimlJX1zO3/7ixEYE7+dO5H+0vwTQ78T5rqMTRngUhwYYNBqkBLRW66HHGEvPDDtraNyhUCOF2Z4q+WuBW9/XAugFJZyhd4twoJJqRgqeFdNURRFpZcF2AfJzICu//5Xo3/rL579+7bl1LNoXgFOIMGJeZhCwoV+gEGnlTReQqhQoijCtLdZtyBeFUvasuaCrhBy7FE0eitrC1hEl0KF3/u9f4xX71ws2NrSgleFGQpdH1RY1q2LoiiKOosswD7IOTPA7L/5cuS1JIO88R0Y0LxHiYJZXhgADz/72Z/hLSbSw0wBo9SBdBUodwkTBNLASYWuhaRVJPUEwjQ6g2qQ9srOMI1g2evXriXlZN4tpSiKos4oC7B3CrOZtb3/MWfMPekD0yhB+cvN/Zv9a68lGZTKCUeUpOjvypNI4+QqKMz0uJ8ab+fn5pSUzko4XSSphaRVOGJ5W0bqhvJURGEpXRFm2SIjxad9Q1EURZ1NFmDvDmahZxv/1Z8/+2Xr0tquXPGB1//wYPlv/cUzlGuFswih35sbQY4oSZxzREkijZNbEHU0bbIzjNxc+94Ib71rdy0nrUKJpSRTRLlVJHUS0jbDoZAeh7SlFEVR1FvJAuwdwWzo5e7f+f9GH80eB3EVSlCOufb9GYR8RbMcfQsYKHUgpDgumwFOdDqJNE4ocbhCzSTGQGghKYuCvIWY0GODWAW6pKvTbgBamHDkw6uySue6mt5zZljEu12p2KMoiqJeKwuwdwGzo6P4P6+eD3St2PevCuWYe5ZjjE6I+Ij7evjOe4BOUaGFjmoQqJNUAqGygxmkddTaoKZWWuIw4y1MupoxGAhouVsR2tESzEVNbcHbSVTAW8c8LKiFuiwWIcwoiqLeSBZg7wJmqzsH//PVqWeLMfv+VaEcc1HHvqcoiqKot5UF2LuAmd5PdtqtY+nnUhRFUdTZZQH27i4AoSiKoqh3LQswwoyiKIrKXFmAEWYURVFU5soCjDCjKIqiMlcWYIQZRVEUlbmyACPMKIqiqMyVBRhhRlEURWWuLMAIM4qiKCpzZQFGmFEURVGZKwswwoyiKIrKXFmAEWYURVFU5soCjDCjKIqiMlcWYIQZRVEUlbmyACPMKIqiqMyVBRhhRlEURWWuLMAIM4qiKCpzZQFGmFEURVGZKwswwoyiKIrKXFmAEWYURVFU5soCjDCjKIqiMlcWYOeE2W58laZpmqbfhS1p0soCjDCjaZqmL6ctadLKAowwo2mapi+nLWnSygKMMKNpmqYvpy1p0soCjDCjaZqmL6ctadLKAowwo2mapi+nLWnSygLsAmG2/F/+TZqmaTpT7A3gl9OWNGllAUaY0TRNZ6e9Afxy2pImrSzACDOapunstDeAX05b0qSVBdi7gJm3kKZpmr5UzqBYbUmTVhZghBlN03RWOYNitSVNWlmAEWY0TdNZ5QyK1ZY0aWUBRpjRNE1nlTMoVlvSpJUFGGFG0zSdVc6gWG1Jk1YWYIQZTdN0VjmDYrUlTVpZgBFmNE3TWeUMitWWNGllAUaY0TRNZ5UzKFZb0qSVBdj7h9nAYv2fN/7O/1byn/6vhb8GYwJvUZhUjaZpmn4XPmOsvgy2pEkrC7D3CbPl2MQX9/7R/37jPyvq+cnkevdOPApjAm9RiFmokLQITdM0fbF+bay+PLakSSsLsPcGs5c7I59X/50/i/zWicRCIWb9X1X/HaolzaJpmqYv0Olj9aWyJU1aWYC9H5htHiz8m6Zv/KLxH2wczCfNcsYsVEA1VE6aRdM0TV+U08Tqy2ZLmrSyAHs/MHswU/zP7vzXMxuPk8qdX2wN7MSjqIBqqJw0V726M/8vfvqTr331K86/8zt/f2isL6naJffN29e+/Hf/JqkwG+w+vvaHzUmzYHyO//pnf4I6SeXOGDT90NEIqs1HJzGBVyz4T3/4TzCRVB/GIieuC8anACcVXnJn7Tcn4/yjksf/yf/ZAH/rP3avxFaS5l4Gp4nVl82WNGllAfZ+YPbFvX90tefHSYXO7dPFf1j213rn72Ia1VDZOzfViFDv6K86Tfg7j18bqbPB6T+1NEMEUP3e733HsQc1ewc6HMxctVS/T5i9u+/kW/vs37p39LV/z353f2VoEy2j/aTyVE+vL/7dP7v/q6Zn+rZ7Zq5lbNbNfa1Bvu8V9GCppPILd5pYfdlsSZNWFmDvAWZLu2M/rfm7XbM3k8rVhmT/BV71LaqhMhZxFVL97gLHO/qrfnd/Zhnk9J9amiE6ETyE2WtNmF2Uzw4zYMyR7C1MmKXakiatLMDeA8ym1nv++d3/Fq+Y3olHX2wNuFlJJIO9lU+zN3DgG/Y7v/P3v/bVr2DnXUMbglThtaAe0dJDUlqoB6lcNbRQHbqNtyjU1vCqddxSzm4W2tEwmhP4lR7kRE1dF6wRAa/6Viu4HmoFbxhNXeOJnVejHfe3igW1EXQG0yjEW23KbaDrRlI7mKtbrd3zDmbStHdxWHsFY9ZrKyS9dZWx6q7eNrchbqO8W+c1Sk6MI/op4NW7YFKXsC0oQTkm3LCoTxxnvHr7jBJtHNbFk9p3rblyHVKUYI0n1oS1TazdWz+pBazrn/7wn+gsWDcEfXYfun6CeMX3UAuTWoAxoSWYpY3oW63vnNRV7yBglrcm2nGb43qYWh8l7iNz06iPau6vRhuEz/JBeBv09gGtuaYwkbS9eNW3Wl87gD95bx03krAOC9pJ+nS8ndEPImlYnNOgCIV/4/N7euyxZnAKJcjhvvUfuwsejLpCLI4SffujEjkjk7qUt46WpNY5i0+L1ZfQljRpZQH2nmHWO3/3D8v+mtIrlWTwG8FMv3n6zXaF+FJ6v4X6rXXGXP3WorJGKPdnqYVJ9WHU93599Q9AG8Eq3J+Z/rXg1dU8sZ/eDrhm3SowcVrnXfs6oQ26VThr+96OJVkruLfeFrwdTjoRhfLTltIGk3qS2jFv42403LS30Gu31aeVe1tI7TNWir4l9QRGYdI4Y8KNmLdxVMNcFHq3SDdZp9XeuZjw1kxau7api6fOde24VbjOaIl22M1yX0Vn1wJW5IYUJboV3s109s51jWu5t3HvsrqWE+t7q7npE7sKo+QsH4TrIQD2f/zT72uDOss1hUIsiMUxrd3TcqwC1g5oIeZiWa2pdq2hkdRPx9slb8tJVj7hNakcvPk7//q+Qg5zf+vfdmBaD0gqtAAhPbvmxeGJS6GmLqI+sY6bm8anxepLaEuatLIAe/+HGZVhhY/+WSrJ4Dc6zIgJ3WNS6xdUv7ta003rV1mr6bJ4xeJazU17C9Xe77Hafe912jULe/8stUS75P0z0y5hGuvSRrxtug67mjqt1u7B2HPUxVFBO+ztCWZpZZS4VTijPuq4zcSE1vdOJ63adc+VYK6uy63RGwXgpLewa9w7Gm7aW+g1SpLGX+265BZM6jOM1SHwua3z2ltZp9FU6kfp7RXquLlwUrNu61AZE26sXD/1Lext003DqKYtYwJv3Sy0rF11/fQ2qIWYSNOCd5YaberianRYS9AsplFfy71dVbvV6SIn1l+ITuIV0yjBLJ1O6raza9BNo07qB6HDq6vDlx9vUQiwuXZgXbt2Bu24FmBd1nXAO+1qpn7ibtptBQrT+LTMDATyHnvUQ5FgjyOfm/a2cOJSmIU8zJWfWMe9TePTYvUltCVNWlmAfZALQE7MydRvdAGIm/Ba/yS80/jWutzLLYJXTGs1N+0tVHu/96klqXPxvUeJNuL+GLx/IdolTGNdbkHXjs7VQu+0WjtfHbqNBjGrsaVWG4FTNxBGOeICWtZVe4063jChhW4ar7oJam//1al9U6MQccEt633rGve25qZTV+GMpVLX5UbMLZjUZxglgNmJm+/tv067Bl0d2Nsr7yKpdlunPXHtpDabuvmI/qijnXdzYUz0DnTgFYWYpR3wLu4K8Ta1haSmtJET7YYO/cS0azxpXa7C5NywVjux/vlhllpTC9FJ/fLrwVXts7O3t95m1d5m3TTqoP8ocf30NuKm3VxtKo2RNqXi5AJh5qb1oCJhprIAez8wS700f3X/hIt80l+a74wvsX4F8fX6x7/3naQvmfd7rNOo4A5AYUFdFq/uj8FNewud3SJq718FvuWYdqvTuY4rKMdc1MHb1D8zb7Mo0Wk3N2lajcbRDv6StU1Eat05PXED1Wn+DrX9E5fFIHizutTNTKrgNWZ5O+DeugkslWaIkhaHMQvcRbm+xQSMRvRT8C6Y1CW0g0K3ClcO67Z7p1O3EXaNYzq1fa8x13UbE24aDaZujmtTpyfnnqUOCKbRJua6/MPbT8xCCTqDLqEQE+m/dd4upRqztEFtHC24cjftjP4gN9Ly0+q7CfRB/0LRQ9RMHT1Uc4vrdFKbzlgvmkVTqIDtSm3Nu72pH5a3A246tZ/eRty0rhFvUej9oFOtmRMYo2+VNyg88TBjepiduBSm1WgW4ExfJ43TxOrLZkuatLIAez8w24lHv7z3P53lpmlUQ+WkWUn2fp8wrUcJYP1e6p+EznXTqK91MKHL4lX/gL3T2hq+6PptVmMaJW4V3r8KGBP4s9G5uiDq6Fv8Abg/Bm0B7bsueZvVBVHo5iZNO6Or3sW9m6BNYQL2Np7UCN5quVtp0rInVvNupq7UVdASHTpYg0jSW9RHSWrjbohc4PBWc/auXeeiBB3Dqzf6JPUZNdGalmsaqq1pCZw07V2LtuBtXGvqXFhbdtZldS2oj8W97Xhrett0065lvHVztU23ItdPLIUVoTLmIsRrYWoLsHYDLbhpXQota5tqVEC5dtU7CKkfBIzK3hZOrO96CMSiWbxFNUwkrRd2G+Wd9rapvUIh1uumUS21b97txVvU0Ra0xNsBN53aT9iNv3daW9Nv1InD4gyo/N0/u69XZLjzW2CPlmhGpdVSYYZpzbrcubSkpVwJVqH1U+ucxWli9WWzJU1aWYC9H5jB+jirfx35zcWd50mzYH2cFSrwcVY0fXZreE0qfKd+bTSnL7/Tx+pLZUuatLIAe28wg/mgYZq+QCN1QEqh2cb7sWY/7xmfmWJf63OXJH1Av9hcSupYql8bqy+PLWnSygLsfcJMzZ+AoenzGImRHj1LOnb6rg2GYaV6JJDOaJ8xVl8GW9KklQXY+4cZTdM0/QGdQbHakiatLMAIM5qm6axyBsVqS5q0sgAjzGiaprPKGRSrLWnSygKMMKNpms4qZ1CstqRJKwuwzILZinnOpvfpZGqUpBam2ns/xxmNZs94U/1pRgt6lRFWjf4nzaVpmn7Pfg+x+qJsSZNWFmAZB7PvFfQkAal7Zu43v+z4vyuOH8Z/ms8Is5pXn+b51saKzvPjRjRN0+/C7yFWX5QtadLKAiwTYQZ7syVM/6Ju6BLCDB07Z1ZH0zR94X4PsfqibEmTVhZgmQizggejeNVDdsonlCh+NBnSw3oKEq0A1P2Nz+/VD08rzLSaLoKESX8QSJ8Q4x4Pg0LMQh19SAwmsBZt3KHOVVbEeh+Mpl31ljgnrQIleEVlIBmF6OHw0kLSirxrRwXddmygtqM9T6qmy6KOawRr+a1/26E1aZrOWr+HWH1RtqRJKwuwTIQZgjICtDIGr4jXeHUhW42Q7eWWF2xABV51caWIssE14m3NrQgTygxYH+gJu6d8oo4jk1rXhVdXokZNxx7UV7pgAotrJ1NX5C3Uaa3pjLenLYsJ1w1XjabpbPZ7iNUXZUuatLIAy1CYKW+S3modxGvNV5Qu3miuIR4EUj7BmNDKatREm97WMKGV3YSb9lZzPdG3J5ao0T3XDqxNoZpjqkOOtwXv2l1lbA7QpT3XnniruWmdOK0/NE1nm99DrL4oW9KklQVYhsJMJwoejOqpMgRrjebAgE64mifCTGnhXdBrb6GSwDvhph114BNRgWqugjNKXDuwNuX4pBV0KW+b3rVr5WdLL13ehlmokFTNTaMORklfdRZN09ns9xCrL8qWNGllAZahMMM0Ij4yEo3X3miuJEAdPQaYBDNM62HGpGqYdnatwQ4JbsJNYyngRFvG26TDjDDeotAthQn1iYcZXwszb5dQwS3rnYtXtzo3jXYwDZK5WTRNZ7PfQ6y+KFvSpJUFWObCDHEcMVoBgDCt0RyzwA9ADoEexMJbVEuCGV6xFCZgTGBZPVIHK0VQAbxRODkkuAnvNOrrguiV65jX2pTW0R7CbinHP7yeBWZJ7XhLtBCvqZ2E0aBurL6laTqb/R5i9UXZkiatLMAyC2aX1g6TSeUXZS+Z3sIOkDRN0xkUqy1p0soCLLNgponIJbG3Y0CF5kZJdS7EaFZhllR+RgOxenYN0//5j5tcn2mazk6/h1h9UbakSSsLMGZmb23vIcR3fRDvrTMzUBbdO09WR9P0R+YMitWWNGllAUaY0TRNZ5UzKFZb0qSVBRhhRtM0nVXOoFhtSZNWFmCEGU3TdFY5g2K1JU1aWYARZjRN01nlDIrVljRpZQFGmNE0TWeVMyhWW9KklQUYYUbTNJ1VzqBYbUmTVhZghBlN03RWOYNitSVNWlmAEWY0TdNZ5QyK1ZY0aWUBRpjRNE1nlTMoVlvSpJUFGGFG0zSdVc6gWG1Jk1YWYIQZTdN0VjmDYrUlTVpZgL0LmNE0TdOX394AfjltSZNWFmCEGU3TdHbaG8Avpy1p0soCjDCjaZrOTnsD+OW0JU1aWYBdIMxomqZp+gJtSZNWFmCEGU3TNH05bUmTVhZghBlN0zR9OW1Jk1YWYOeEGUVRFEV9QFmAEWYURVFU5soCjDCjKIqiMlcWYIQZRVEUlbmyACPMKIqiqMyVBRhhRlEURWWuLMAIM4qiKCpzZQFGmFEURVGZKwswwoyiKIrKXFmAEWYURVFU5soC7LwwOzyk6Q9viqKyVRZghBn9MZiiqGyVBRhhRn8MpigqW2UBRpjRH4MpispWWYARZvTHYIqislUWYIQZ/TGYoqhslQUYYUZ/DKYoKltlAUaY0R+DKYrKVlmAEWb0x+DTtb13WNK3ltOxAmMCb7U8dnDUP7+ztkMQUlRmywKMMKM/BqfV/uFRx9R2QXe09PErMBt6uXu9bxWzUEELKYrKOFmAEWb0x+DTBWiFRzZaxrfWdw9rhjcczFTAGGahAqrZIoqiMkoWYIQZ/TH4dHVMb7dNbiH1AsZSYQZhFiqgmn1PUVRGyQKMMKM/Bp+il5v7dwfXd/Zfk3WhAqqhsn1PUVTmyAKMMKM/Bp+ijqntwZe79k1aoRoq2zcURWWOLMAIM/pj8EnaO5SzZUtbB/Z9WqEaKmMR+56iqAyRBRhhFj88SCnxGnO9Tpqbxm9anz6HT9JpJ8lO1BtVpijq8sgCLOth5ih1InhQuH/0ig+OpPzI+gCvpubBQfwAr68saJzUslnEa2nHzaXf1ieJMKOobJAFGGHmcdIstcxKgRns5dCJLeDtSTA7wW4u/bY+STzMSFHZIAswHmY8TqqsU5In+Jg6XkTptNdebqW3ayHJSdXos/kU8QIQivroZQGW7TB7BWPOKTCzxiLgTRLAnL00Skq5dJbziQuq3SL0m/gU8dJ8ivroZQHGzOxVjKW11PeCR+2acgmc126RJIA5uxZcffrNfbrcTdOnCbN40zRFZa4swAizFCt7vE6qAHvLHbe8NEokc8eV4SSMwZ5GjuvTb+7T5R5ntYfhTREfZ0VRmS4LMMLMQyC1Y4/alRtWCXJcibOZZadTFzROzu08s1zLx43Qb+i00gcNX+9bHXq5665XxAQfNExRH4EswAizV+1QlIQcJU0ifzqBZ2rPssf0cksllnV+ZVn6HD6D1nYO709uXetd1Z+DwQTe8idgKCrTZQGW5TA7OtiPH5lX4AcTngOA5ip85dnR0QHqKM+wn29eZRqzjullGoFNywDVPl4TAJP68fiBsZ02VDtu4Xi9tgWvD04qpL2mKCpbZQGW7ZlZHKQ5ONzfA8kSMDNkOiaZ1wZC8iq4OgJjsJSB0NHBnpkw4FGMoZrYMM/mYZZtR1LBtelIpi2QW29liqKyVRZg2Z6Z7R8kkiTQZD+BHC9sjp3IvQxvjpCuGZgleGYmgK5EynUgjDw82LOAtDVTLey0LWjN5Ar0GUxRVLbKAizrz5klMi28ImE6MumUyZ/MLKHd4T4SrwRjjg6QzKFY2SSHHw2KkJkZ1Jl2kHtJg+aQ4hEgB5Ihz9sXsNkETgFmGnytsWq3dvo0UxSVrbIAy3aYKScsLQRggI4gTa1KvD2SpAsvUhcks+WH0B4IBj7pqTWZJbTbPxQfYDbeWPpZ8iUlYQpOi0/6bUxRVLbKAizrMzOLLgcnJc5+LL69dbS2GltZ2VlZ3llc3HwxG52YeDk6ujA2vjQ1tTY6ujTQPzE5Mb8XM7mapFymKSGZaQovpsFjyyxdI169PFOMmQpyhJOp2JuboqhslQVYdsNM8iX8C9LsbMcXF7cnJ1dGny8NDy329cx0tI81RgZCdY9ra/qqq3oqbneWlt6/dq0lLy+SG6wP+mt8OeUd7YOx3VdwBULtbMWXF/dmZlYnJ5amJ6NzsxvR5RgKzRFKU8dmZs7aGQMzO/2qybbXmqKobJUF2LlhlhRnTwy7egoqqTC90Y46qVydZpbaLZ6+Znxr82hwcLa19Ul1dcetWy3FxQ0lJfeuX7sHYgWD9QF/2O+r9/nqc3LqfeJITk5DwN+MV39OuCAvNPBkTlM6rGR6arnzwVBzY39DfX911cPS0uaionDx9cabpffqqh8+ejg+N7sd27E8M71SkmHClDgiqrXwrAce02+mOn2d9CvSZVFHq712Xc5nr3lGa09SmqUoKltlAXYhMDvSW68ODuP7Js+QU0eHcaQ9klKAZPH4vl5V4YKRmT46lBzFVEv8rooN30fm91YSsf6VI296wkleNauyhXg1bboLNw5icrE7emYvzZCzWgYS0s4h+imXI8Z7uicLr0QC/jpfTp3fH/L5wjmCLkBLrdMNMEhm3OD3NflyGn05ofKy+3MvdrH+2dnNttbhspv3/f6anBxkbGgqnJNTl+ML+cyEP6cuP6/hauG9mpresfHojiINq5fNjO/txefmNoaGZ6enV5eXY1tb8Rj6nkjjdHMS96hhM7GUHQpYx+3IXtZvhlqGwhS6QZNh0aVkPM0VK3qJipYf6Z1zcrLQLIiSw/0DGR8ZJSwhH550BZ+Y9AofGNrRZs1o6ydrGpRrY6QF7bZdo3wrtCf6lZAb+w7sd0Yqm1mJs4pmWluTRkwf0FuzRqmBt2YrpEHTLzVFUdkqC7Bzw0xijUQTiU0IQObqdo3CUnCA/yQCStzRIIUIawKTMWKbxD4TMk2J3INlLx3UWC9xUMrxai6j11mJuWhKS2CthhcJyuYCQsFYzIQ/zJU+CMPsGmWdM1MrRUWNOTmhYKDZl9NkoAV6CbpyfGCYAqkOhPMbI1ELBlCh1u8L+X01jY1PFhb2u7snS0tbAv6QqR8K+Bv8fixb5/PXKxd9vka/T1r2+5ty85pulLZ0dAyvRXfMKMlYLa8c1NR05eVVXblSW3arpfJue0vLwODT2eWlbRldGUB02zBDRkltNtksfrC/Z3cWMAIS2VHfjKG2D8s0XmXbtcSMA5aUt7amLGhAJbOkWXPvnRk0M96bGztr0a2dLRTaD0s+Dqmg5DOf4T7GFk1Iff0CyJSs8bjDCZglPlY71zRoVpSoKZ94oo6gC/PlQ9NmbePaZ/OWoqhslQXYOWFmd9IRv47364UyGgRV4JmdJfvjJq5JONsz6ZHUljgLK7c0SNmgJoEvcWW8Bj7bjrFbHNUQhSWaS8iTYIrK2pCEQlkRSCDNyuIScM1yjQ19fn+dyb2ANFBHOOTLCSNFy8+vLy6+V1bWWlLSdO1apLT0XnX1w0ikv/3+SGvrUHv7s56eqeFni5GGfp8PqZhN5gIGY7nBSL4cpaxFohYMRgIB06ZL9Xyh3GBte+vw9obp/mG8p2c2Px+0q/EBnKBgTl3AFy7IrWtp7t3ejJmA7S7ox6tOmCUTNlf863jKFqNZB2wZBzPapqYhIv6T8TRAQFWMNfYMDDJMHRlbexc5Mu29+PORxbZ7T2vutrW39ZghP/4gkLRJnmcGFJ9AYsSNpEHTpr7XlmVPwtSXad0Wbcq7XdK+dFj2V/D90ixcurm2uv9yfuvFzMbL+Z3o0t7m2sGeOWEpG05RVLbKAuy8mRkCD2KNREkTlQ4O11c3ex897XzQ/2xodvHl1s6OsEYkcc6ENgl95iiiCbrHGQM4h6gkE+bAlzQogU8sMU4alyise+syYcOiPGhKGhfLGrC0aUYXlbwQs7CULLJv4q+E+oWFvSsFgFDY50dOVh8MNlTc6am62xMOPW5rHenrnRkeejk+tjwxvjwzs7aysr+9Hd+NyQFAaRzpVDQequ/xB2tMQiYs9Pvrr1+/F6nvH+hfmBzfnJ7aGh9ff/JkoblpuPBKozn9JjCTRM0fuVbY1Ns9iW6sru5V3O4ynGswRy+t/TmAWT8SS4Tqo8PdRKzHq04kxgSDqSMvG2+GCoFdR0O3XQZBFtRjhoCZ3DyAEUOVo/j21v7m5u7q6ub6+qYZLgwpeKMfjTTV2zN5tRAkvnslv2p6ahHFZi1mBDEpLyJ0ATszO7vxtbXDqamV4eGZkZEXE+OL83PrG+t7BoHoGbqhPccXAO1jQxSxptNJD0CRZaTP0iWzosmJlZqqzory9tIbLcXXGkpLIlWVzdNTC9JP2WaKorJUFmDnP2dmYqXZ5Td7+dHlrUi4oyCvKtdffeN6a0vz8/7HL8bGltbWYwinEp0SERAyh5tMFFNESRRL4MpEtP39mAmvBwaZCLVarhHQhlSEs92deDS6Nz+//fTpXH//7MDA3OjYyuzs+uam7ZWJkmZFEozjsb34/bZROUMGiiAb89fUhXrm5nYWXm5FV3a2Ng708KQsaMCgjHTe3Iw333saCNbKcUi/HJMECxsahmZnN7e3jwA8XQre249HV2NDg/MVtzuQn/l8AKekaP6ccG113/LywdDwQjAY9uU0+XNafOJ7vpxmf05Trj/c92gq0XmN8olAfzyNYZeYjxUB07Hd+PLi1mr04MXs5uDAXE/3RO+jyYmxxX10AvV0WSwjOwHxjY393p7xlnuDkfrHzY19c3MrZiQxpPLIEvyL9Y4MLxbk1/t9dQF/1cOu52YwBESmokAdedvm5uH8/MbEZLT/yVxj4+Dt8q7rRS1FhY2lN9pulT3AVrfcezo9Fd3fMx9cos9i+fh0Q9TYRrXpKj5iWFJGJIDxxcWdkmIMEdLoUMBXH/SjS3fa2vrxuUsyLh8rRVFZKguwc8LMMEaDlIZdCUez06ttLUOlxa2IPkF/5EpB5Pq1hkikp+vhs4GByenpla0tiYaaN9jFJXghzJlpYEBCHiaMpVFFZgKc+A/FYNKuMGxiYqXr4Wi4vufWrba8vNqCgvqrRU3FJfdulrXcaxmYnFiWWCcNxkysxJLxufnNwkJJp0xSVVd0LTI5vSb0SUBIOqYxVzopyQqCqoR4xOSDeHf3eC5I5kNWh8XDuXkNLa2jIJxBnSx8iOAt24JpJJwS/58OLBTkg2SoL/blNJQUPxgZWbtb1eX3A2bNIFmO5Rlg1oB4DZZIz9GGDsuxNfpjAjmW7fDy0k5jw6PyW80VFe0Y7SsF4aC/Kui/09czjrom2cLWCyrQGTDgQftwwH83J6fal1N9q6xldXVXPk6B2b40ehRfmNspuY6eyInDSGQA+DdDLtu4thZbmF8fH18cHppvbXl6+3bbjRvNGHY5m5hTj877QGtfQ0AGJ4Rx7n44vrMjndA+J0ZV8Wa2xW6gB2by9QCnhFJI7uvqusFUv4xbkzkBWRWJPN7YkA4J62S/g6KoLJUF2LkPM0oAMmfCBAAIlShCeNndjc/NbTU3DSLu+HJCfolu9bm5kYKCSNHVxoryjqaGgYH+yd1tLIPgaUKYQZRQykhilEQ0RFcT3UAESSkS7e/Ep6c2W1uelZbez8urDwRD/gDypGq/L2TOYJmLEv2hvLxwZWXn2PMlG4mxpGn20aPxHF9NjlxhL/G6uemJHISTUK3pwpF5WLBskWSK9giYeXuE1HOn+FrEJ1mCXNyR4w/XR55ubtkOa6ft5sh5RC2Mz8xslJQ8MJmZgZmv+Wphe2VlX24e0jWTIFqeYS6SofCtsvvLS7vSZ1iyXjR1ks2gzc1ulZe1+c2FlGCPOZ4ZAg5v3Wxajcp1HEJiNCITks329c6gMlIcbHvAX/Okfw5bCWHbpaa56662ptuXgyGqKyvrmp7Zi67GJye3nj5d7HgwHgk/vnP7wfWixrxA2J9TG/SHcgPgcbXfD96gRI6XJnYUIkA1vgabevIP6wa3DLos7HUrZD8G02bcTImQDN8KqRFvbx/Gt8hsFDJatFlXVd0djcpugwwz6ssYURSVpbIAO/dhxn1zekMCvV5WgL1pBBmZgwg+u1FailQDdEEQlwNowWBjSfH9GyVteblV5WURgMEsKydIMLG+ujc7HcVe/8bmoaQCihO1idp4XV3dGxycvVPRfrWwAUHfnIVqMNcN1volpAo4FRgmngJydTXV3WtRoZEeYYuu7N+peCB5lZyaaizMb5wYX5GQKAJZhRBirF3CqZmWsCubtR+L93SP+nPuBnwIrEgRwvn54dHRFQNCdNE8OwT9xookWNvOo+czM+tFRRgKjEOzcWNePvLIFnMTG3gmfZa5PnAOjKwNh3o3NiThAIQ8F9fYWK/WAZl7sVle1h6QzXEb3hjwNQFm/Y+nUFGqmc5LT47ijx9PFhag83rbXN3dyq61NbPlSjLTZk/PuM9XBcoG/JFr19pKy9oKrqCTNUi1TYYEalYFfNX5wXDFrYeR8NOG+qeNDQPhur7SG/fzchv9wuzmHHnFEIVCob71tR0PzARaHpgZkr0KbEGUKRifWAoG9RIbNIshCt0sbXsxty3zMeZaSVFMUVRWygLsvDBDGBFrJJIsDUZYxH41Qs1uLN7cPIAApDBDjCsqujc0HH25GJuZic69WEXkl1gmh4n2kRu1tQxevRK5VdYeiQy0t4/2PJoeGV6eHF2bndyand5emNsbGHh5505nQb7s7wvGDLHM9Ydhv682LzecFwzlylE7wwZzZQeghXSwv396D+uSkB3v65nNC8rtYiYzCzdFnu4YpEpsjMslHmtrsdXozr7Jx3a24lsb0jfRUXx6crW0pDkoAT0cyKkP+msbG3qQJhpUgOt6cxtCs4nRamnzCAhBD/0WZsjnGn2BJr/cf42ugl7YosZg8F6OHEPDplU/7Bo3K9XrazSbkUE2iaO86jHPyYn1GyXI5zDCDYm0r8HnR9yPlN5oW3y5bbqtnw5e4yMjy4VXBTBYC2CcF6zv6Zk0+Y1clSN1sAsyvY0dhRyfnKAC7cydCYa40lXJGpHMlZY2RyI9/f2TC/Nba6v70eXt9bXY8uLO0NBi+e1Os1GmMz70KtzcPLi7gw6g5/icMSHTmmcbfGqJ3TQUytcHE/H48vIBMlSQzC97Qk3oxtXC+mfPFuwGocPyYrpNUVS2ygLs4mCGSITwb/IpjbaISkfx4eH5q4XNhjqIbpGrRY0v5nZt8DG5ggSv/Riyj93d/bbWp9eKGsGkYDAE5+UBTnX5wbrCgnr4+rV7+fmI+3Wgl8Rif33AH7p+vSVc199+f7S7awqU6uoYjYQfl9/qys9XTiBwR4LBcFNzv5yoi8eBtPKyB2ZPX07t5AXDoyNr6A8SweXl7RdzG/1Pppub+9X14Z5QXXdr68DAwNTsiyjqTE9ttrU8a2ocDNX21YcetzQPLMytSbuy1QZm2BYTXhGRTUokCJyaWim72WyuXxDk+HyN+Vfagnn3DHskFcvLby4qag8EhM3mqsimyUlJlyQpk8RX8kW9kdm8lUBvSLZSfB1jC9goI0GgJnMaDxCq6XgwatCAmuiJUGphfruoCIyXbUeWgzEECBcWzLgYrmBidWW/sqJL7hDwh/KvNFbceVRa2oHKfh/2RbCu+pKStmcj0bX1+PaOXH8qH6NpHMYYrK4eRhqeIN30+7F16FV9bm54cPClVMBsycDwbcFYmW0R4R/ZIO2h9FSKpDr2KhoiA+a4JTYNJGvMzQ31PBqTXQdpDA0dmqv2za7DOTS0GLs/uWW/kxRFZZoswN5BZmZ2tE30xfxodO9ORaceD0T0LMhHaFtA8EI0kwURtiQBQTCSZG43drS2fjgwMH+lAFmXQMvvCxVdlcchSoqAlEvaqcnx1RRcCUUifT09o+PjC8iidrYAxPj+bnxvV66OnJ3dCoUe5+WZHEjWW3ftenhxUSA6O7uRn4ukCvmcpHd3Kx8uL8fn5vY6O8eqq3tu3eoKBut9vpA/AB7UyqUZSML8tXn5oYo7HT1903MLO5vI1bbNtXywXrgoJ9h0201ugc2RjEOGJ7YbH32+XH4L+MTmYKWSFd240RVpHPcHNZECzOoqKnrqQs+Uvhirysr2aDQmzDJxXQ4zmtZAMoMAOV00PDR/7aoMi2W2wEktSdWN0ua5uS35HMBB6Vt8Yy1eWdFh8i3Ul4eYYAPb255Ly7DpdWwnDjwHfLWYVXAl0vt4YXE5fq9lxFzKIfsifn9d58NRSa4Mb6R3CiHNt45kZO5WdRiagnwY//Dt2w82Nw28DMCwpDnYK/gx22SkfUAX5FZsyekxe3BwLugPySNXcpoDsnV3W1qebm7I4WixpKqojR0Ic1D3DHq5uV/xdH17T1btVezgKDSyMb6yZ99TFJVRsgA7N8wQx/WchwFUAmZml1kOhWH/uq11WJ4X5RMU5QZDXR1jQjKNR4lgZA4tIdRJhtTVNe7LuYusKzfQcLdqoKZ2OL8Au/nmkJe/7kphpKl5cHxCHgqF+hoEzQkYNCiBVRt/ubBXfL3V74uADT5fVXVNx+raERpvaxsMyo3SKKzPy2tobn52//6YeQ5IjUn47KMXDRsictZHJuTQHxKagsJIc8vAUjQmq0pAS+K6CawmTJsxMNEVEfzp09lIfZ+c25P0AiQLBXx1ZTfvP3kSbWwaN5RF4+GSkpbBofXKu0/8fjltBuy1tz+V5rGWxJU1QNjB/p5ADO+O4k+eTF2/hsyyVjYw0GRuD0BTjXqayuerRVopdwgktLkRRx6J1NCkZQqzSElx69zsjtmxwPjLWp48nvHn3PH76pAc329/DkJF1+K37zxAJ/1y80B9RUXH6jqKZdQFquazlp0S2SHB0Mcnp1YKC+UaHLMhDbmB8PORJdNrVLSHRmHkx6uru/Pz6+MTS8PDcwNPph/3TTzpH5+ZWd5Gj47ic/M7N2+2mk9Ezmv6c0KVlQ+WluSoqdzQLWNuPm6MDL5COlhpBZIV9azeeLzmhdnThd3JqDBsYWP/7uD6zr7pKEVRGSULsAu4AESCtwkuGtpsgJOjYRq8ng0v5uXKYw/NyY+6+lCfPGleqpmob8KoRCVkBnvx7u6J/Lwwgv7VwkhX52zb/dm8gpYc82QNv7+murp7bDyKMC374hJQ5ZILWfx47YiYkNwC9eD+c39OZUlxY3v78MLLTfTlxdzOjRv35IpHX8Qnt5fVFxbKM4VN4ghYSvpoqCMplFypKHEfhNAMrxHdyM2LIMqvb5rTWZLxmLNZpg/YmqXFnbGxaPfDqbra/orbD/NzBWCIyJoFIso3NvaursZfvIgVFCAhA1fkaGr7g+dj41uFhW2aMBUWNk1MLkvM1y2SvEffmZUexnt7J/NyaxHfg/7GgoIWbIg506YwExLn59WPPHsplELXDiQ7bLk3LImmryEQbPL55RgjFq8P9+6Yc2poFStYXNwuvAJoyUWhlZVdcn0mqPn0ZTAXIyNbEQzUPe6bweZKeoUxVorIBF6FZ0f78fv3n0suKxezRLA70hB5vGdSKem45HHSmenpjS7kwVXd1683g5q5Qay0Br6SHy672fbgwej8Qry+fsgMnVy+iE+kqLBxenoVa5M1AulIUG0+j75g7TIyaQSS3exfm4ju1QxveGG2uHVQPrC2vou+xZvHtsZXPPynKCpDZAF2bpglbt6SQKORJWEBlUS+hfmd69cR3STvwevdOw9Xoxo1TAJnYhEiLyb7emcK8uWa8qKrzSPP1oaH1wuvthrGCMnC4b6NdWGYphGSjcmDQgzJhKZYnXlghKwU0TY+PrrYEO6Wu4axEgnASGgW8vLkaKfJvcCAej1u6TdrvFHSevdOdyQ8WFfTX3mn+1ZZh7mdGTmcnpEyl+f5Gq5ciQwNz2Al0hNtGivfjw8OzpSWNublgU+KQ72OvNHvb/b7myru9I48jyLRAmVb7g0g+0E3kLDeudO5uHjQ/2Q+NxdD1IxMq6K8Ixo1pxXRZ3lSJQbInCozp5EePhwpyJdHXgX9kVtlvaWl3YCTha4cCcQI11dWdO9syeLq3p6ZYCDkN9lbMBdbgb7V5wbqBvqn5YOSPQ55eEdtXZe57awuP69uenoT6NnailfVPMqRB1Fi0GrKy9qiK7KjIHsQ+qGjkoGb+fTj01PrRUXIoTGk4aA/XHqjORrFB4NPRmixuXn45Ml0RcX9KwWy4fKZmkeiwEC4Gat6bNS1otaysq5c9FMSYuxnRPJzw709U2YApC2sV45qyg4EkCZHLOXH5E4SuFXSt5bTsVLYEwXP8NbB7NlibGkLTcR7XuzAmJha3WudwKhRFJVhsgA7N8zkmj/EE4RE85ogGUKcPO1DIhCiWG0tAiV2tCXzKCpqmp6JIrrJcSeJRIhH8uT4np6JvNy6QKD2enHj8HB0cTFefL1FqCCPTKy9datl8aUcWJRdcgmQEoYlhsqE0Msc1dTQpo8LOdrbReAzcRb14/GNjYOamh6TgSFQmosvJJjWFeSHGxsfj44uzs5GQZHN9aOVpd31tb35ubVH3c+r7nYhwoITfp9er4H+1Nxr7jfXYaJlbKLwGJi5XYHUqtovp5dQX4CBmC7pna/RF2y8cbOzp3cuuhKfGt8qLmqSG+9yIrm5tQNPF5CPtrQMInUzGKjuaH+ODRIppwXPMkTIojoejAJC4A2Sy+Z7o/WR4aCceEPQbzIXXGC7EPojjx5OCWuw7FF8dmYVGygt+8LB/HvAKnoY8IXLSttWo/LpYBSRPHV3T+fmAir14Hpr64DuLoyOvMzNw3AJb5CxPbj/bE+f968DjkGWE6NmByIud/7drXzg80l9oLrsZsv8/BZgh7rgd3/fdGVFR26g3jy+Ev1BcizjYx7KDAvIjfXOBMzSQj1k+lhSeXz05rjiIborHTBNoxv6epK89Ep6O7ocQyqGbQfSIs83sc+wsn1Q/3xzD0UURWWULMAuCGZycO+YZJIz6bTkXPi3o0MOcynMAoFQb9+khEQJRxJZQIJHj8YKCmoD/urS0taJyY21jXgo1C+nu8wBq8LCMGCDQCYHFbEkwpmmfXJKSWIZMjw5CicJmYlcAgCsHXmDAZ4pm56OmjuWgBnEfeRY4bz8+nv3ns3MbG9smMtQ0DZqon0xFpQL7RbmtysrHpm8AUmP9B+Ruqa6M7oSk/CqxDDXKwYCFfLYYonmNYGAXDZiLl8ERSQL9AXkuSRNTc/qqvvlbi1prS5c37O1HV9ZOSwvBwhrzaXnkdGRJdOy2VjpvPR+a/Ow9V5/rr8m6JNjsB0ds8PPNgoKgTEkl2CYXOWP7mF1RVcbZmfkAkW0sLF+WHmnzaRB4RulXdeKHwBmmM4Lhh/cf458xuxIxEdGFwsL0YhcdFNd/Wh1VY4MHsTi9XWP0Cv03+9rKCpsmhyP2sHE54slDcxkoEwf+/tn/b675jaM2ps3W6ZnNuUTOIxPTq6EQ93oudlqSVgxPnl54Ztl7VVVPfDt213Xr7XlBZGVYnjRPWTMqINBw9bV3b79YG3NQFcPZuIDxQrl2Ka9blZ2XN4cZltmemf/0BV651IUlUGyALuIc2bOBmNyxE8nTCGinVygP1eQh737BkOF2saGgd1dYQ3iEvKShw9H8/MQ7CorbrfNze2g/NnIIuKdCa8IcOGOzhEAT0IWLIeYlFXmVdeIckzgLQAkEdoEWRQKlqQjGxvxltbBnJxKc3pM0qaiokjf40npRqKabV8QiJZN4+aZxT2PZoNBBFY5IyUwy6mtqGjd2jTcxDISWI96e4Zqqlvb2572P54eeDLd2zP+oG2kohxZHXIRk6shQPvDPn84EATG5J7lkust4xOLWNvk5EbRVdSR04q3brasLgthzJX9epopvrkVb4g8Dviqgr46UKH/8dziUvxOpRwAxBAh7ucGW4IBScuQ3tXUdG9vy+bsbB92tI/KDc6+utLSzva2qZs3OkzGEy7Mrx8dXtY9g+WV/dKye6ap0I0bzbMzGyjEZs3ObOfngc2SJPlzQvcah7bWZUCO9CdmzL4LJCw7ig8Nzl7Jr0fCF8Dg3Gp/ubiDT2NjM97+4PnVQsG2uQQGrrt7p7uj49nQ8Ozc3Ho0Gltb21tbPXj+fOluZUderhxUlFvgJdeEQwVX6mdmt2QNWJl8ncxHfKJPUhKfvG8JM4r6aGQBdm6YIegryRQtJhkSrkg8Rt4mSdtRfH5u80ZJizy4z4fQFq6o6Hr5EpXiW9uHXV3Pg8FKkCxc17v0Mgac7O3FGxr6JCeQ9KWxID/ycnEbEQ3t6YEmwxtZIxIy+yQtQFPKJbCq0aP9WHwtuj8xvvywa7SqqhORuraup6amp662P1TbO/JsQQ4QoikBkummbRxvTdohJMbs+MDTBUm5zNE8RHYkOo2NvRLEJchKmEUDiwvR5cUNs4QYnNjZjE9PbDbWDwX8stVytaG/QSztAA91LfeGFaW9PdN+X63cN+2ra28bxpqFGbJmWf3Cy+3qmi6/PBWsujA/1N83h5wEkMjxIWfSW8JbrlxpCwSagQGT9U5jKTQ70D8RlHwonJ9f//jx0tP+aH4QJJP72MpKW9ZWZGPRVFPTkxxfNcgRDIZ6Ho3b0TuINzcNgoIgn9/fcCU/Mjzw0g6vJKymb+ZtbDf+qBvEQlpZE/TXNTc8XUP+dhhfiR5U1zw0j6GS847YtPKyB72PZnYNaGW/Af9qg6a34+PR69fumbNokcQTL8P9T14kcm+9PjaBrlSfpCQ+ed/yMCNFfTSyALuQzEz30yX0ahyFbZ6EwKzQildXPcoxh92Qf+Tl1o+Nbq2uxkGFvGAt3HJvIBqVo1uIVxPj0ZLrTebSDJAjXFvTvWuuFxHwoC1pFRHOkE1eE8HRvCK2rkYPx0ZXOx6MhkN9ZWVtSHoCcsSvujEysLS4s7ER294yGYZZRCzHSM2PZtlNOM785EI9UGFAYYbsSnKsYLBucGgWy+1jJjYuEZq1NdSXEi04ik9NbpUUtwFU5nxbvQnTjWAbIvvCXAwVkEWZi+blcvbcYGh4aA6tyZaiX9gJWNiquivPSESCda0oMjT4AnOnp3bQB+BHToMFQ6HQ4J07A9I9OR7bND0j94C/mF0vKqwJyA3mNZGGfuR2dTX95jqOBp8v1NLyFCMHj40u5+cBNiFs4O2K9sRPYMdfLsiVjXIBqlwqWVt+qy26rJ+OdEwQbg4OT09sNUeGgjlVgZy714rkYSJyv8RRfG4udqvsfo55tKNcUZIffvBgWI4WYjEhkwwQXmVCdiNk0KanNq5da9PdFwwU6N7Y+ASfg6lpxgLVzd7HyT5J4Ja7AOTFevIFIKAXJngBCEVluizALiIzQ0BCpJE4dQwzlMjBKIWZPLyio2MsEJC7tZBPIDkI1w1WVT4M+O4E/dVdHRNb5kG9iFxor6d7Mj9XEgIEtbzc8OO+6b09jYJozBxmlHxISXOEWctLuxMT0f7+yY6OoUikp6KivbBQ7kSWYCq/E13vAxRzws0NgzGJWmhFYijaA8LkWkFBF+Ksial4K4cxE3mAua4hEukHU5UW6HlRUWR1TTqEqC1VZGmJ0HIATvI7E6IFc1JnJXp4+7a5iVhAKGmZP6cx6As/6prAEljhykqs7Ga7wUxdSXHL8pJ00QR5OdtUWopcsDrgC5WVtj4fWVb4ld28b26ewyI1VVXdjx8vFhbe98vx2EhVVe/2jjybo7a2y5zBqrl+rXnhZezl4v61a/fM+aqGgoKmgadzWPXc3HZZ6T1wFNlbcXHz+MQqVioDfRjv7HyGTAu9As8CgdrOTrkmRTZWOnC4uhabnFxqax1Appjnq83z10TCjxcX9/Ss1sTkcmlpi5w4lJQ0VFgYGRp6mTgliVEFkMxQ48OTr4Z8rBjsR92TGGQ9KymnysrbdrbNGs3HJB8+vkPauROdVnpp/vPlWNKBRF6aT1EfgSzAzgsz0EUtcUeiuIBBopW8lbNJ5jJqRK3nz5exh26SswgCVkCON1YXFYJVU3I+TMEAIOzHO9vHgxKpEUkjBfmREXvXrWnTHsM0Z1CMZmejVVWd14qagsFan6866K/VhEBYCAKZi+Xk9zBzwuG6vo11cw23Aa1ExkRr1iCRxE3MElhqAjE7s3GlQM7lyNkp6VVVa9ug2ThsHbqEFmTbzU8zI9oKygzR0IzcHfZycbekpFlghhhtnsSInlTcal83aShWNTq2gNwIFRD6I/VPtrd02fjz0cVrRY1BP0hTc6O4aXZ2Xcu7u6fM1YzgYl1RUePISLS7e0byXUn4wl2d0xjMgYHZQECeYY8xedQ9hT4Oj8xfvSprBwKvXm2aX4ghV66r68XmBP3yhEa59t0MCbyxGS8ulmOessk5ddeuNU9Pb87Pbz/qHu9oR777uPh6U26gOtdfdb0w3BjumZ2O6hlQDMvM7GZJSaOkknJ0saakuHlkZFE+PlhGKXEjhwy7LGBy+vjaGgiNtAyjhG9F5FpR89wLOXVnhtd+l/DWwu9Ev06pN02j+QHeNE1RmS8LsIuDmYm1EqrElhZyiYDcC4bJaPSwvLxdACOBuB4xvaz0/sjwEiggzUgVhLaD7c39cE0f5up1dwV5kfFRuVsW7dh4ifCnh5vM1RlPn07mys89g2FywbpJCPCKQFwbCIZ9kguiHTlyVV3VhzQLsX4NsXcbaQFaM0ZXre1W2CNfmLMff9A+IjdZy9E58Kyurk5+RstsGZCN//XHYiQqm62WI66YLbv6Jlw+eTKbJ5dRAFfog5xyC+bUPHu6IJHdVHrUM2ruZosE/eHuh1OI+/CzkYX8fDlICNiEanuXFrFPIKt68WL3SgHSHSGr31/T0jq8uhpviPSbqwQbruQ3Dg+vTUxsXr+OCtVyoU3jgDyR8ije2TWMtRiYhe7c6Ubq9rh/Ts5yyT1ndY31T5EGmY6L+/qmAwEMaQjIRLZ0r3lkbCx661ZjwH9XnpVszoHlBSL3GkfmZnYk2ZVtlTFYXT+8WSY5maR0OXLb++TEhvRcxsr+I18PGTEZan1MFz7E1pbh45aD9U8H5I5v1DA/3CqfxWFMP31t5CSfQeDZaY+zqnu2oVSjKCrjZAF2XpjJcUTDgwTGjA9MfJeQbx6VJOEDIDE/byb7+wjT5bfuT08ppUykk4wGbR1trMUawvLgJXPpAVKT8PioBERDC4MNuwwsZaOjc9euyk24SEQC/trCwvpbZa2Njf39T+aGn0VLSvQ3VgCSxuLizt6+5aam4Yrb7YMDs2hAcik0KLRNtCkHTOUqf4AGKx0dWS7I11uGIwBSSUn78+ebCwv7szNRYTBawIK6LEIy0AeeYSvkZJ5s/vzcRvmtdpNwRHKEqfLc9+rKru0Ns6y5VTkS6TN5lTndNbWLZp70z1wpQEKGLLOmPtS3oierJGE6DIcfa2u+nFB5edvi4sHKShyZHxiAFspK258Nb1RV9ZnLSepKS9tmZ+VOr52deH19t9wQ7TcPV+yYnZiMXcfIyMWi4eKipjlzKb/CdW39oLJSfi/U3DBXf6WgaWR4Y3pqq6ysOSi3uGER2Re5eqV56OmKbIV8dNI9bEtDI7Yl8cNjvlBPzzTWLnNlbO34yKt8YczXBv+ZX3pDKmbYGQZfmxoHJOvGLPkJgpjwDIMi3yVzi7R+TKk+h4YWY+2T2LuxbymKyixZgJ07M0M0N7vbx9aIY466SaC38W55cT9cizgr1KkP975cMHdAmygkYRRVzY+n7MXkWbfyfCNzRTsC3NMBOcyIOnbHHKuToIZVCxJeLqw2N/Y1Rp50dU4MPFmYHF9bXtpH+EbF2G78xg1ESXBRYOYPNPvlsfRIs2rD4b49PYsjJDOBEitAqiXHFiVyIn4ODs5dLZSbugAb9CQ3r7m8vKey8lFBfnVzY49elWe2Hf3BVivVjq9J2dqM18nvW2JxcymjecW2T4wm7tY6ii8v75dXdIANaP92eVd0JT40uFKQjxylOuCvbm56umV+TBmjhC3uH5hCNia3rPnkN06fDrzAOp8/Xy1AriaMqa+rHWhsGDG9Dft81Y8eCUtQZ33tsFoe/iu7EXm5keam0XD9cI7kr/W5wfrurnF0BvyVI6RH8ZGRBTSuXcJY3bndtbkR396KdzwYuVIAjKFxOfMHmt5rGrKntcxaHj2a8PurTU4G1oarq3qxlOk8Zgvg9ZZEGTEhmawRcze34jVmlExyWVN1txOrM0thMM3v6QgCD4/0Ruk0pigqW2UBdu4LQBCe9FgQQpSEIROJJFgbmNmSudn1qjtdwZyavGBNW+vQatT8hrJUQ6SToGYO2Zl9+P1454NnQfnZ6HCO/C5X/f37YzFzBMgEOPjo+ClWh0f7sb3Ntdj2xpE80sisC9Zd+/W1+O3yNnPs0VyIaG5g8gXwWnf9evP4hDyFROsLyUxwxTuEzaWlw9aW54knK0p0Bln1qVToFbKHqrvtcvhO+o8gq5svW6GIgufndqoqu01+CSQIlc35tnCorl+Oy9kNj8/MbplfFwuDsqHQwJP+5SsFjb6c6txgNeChR/CUFnNzWzfLWuVyfDlOW1tf37+xhqGI9/bNmSd3hAK++utF7QX598Ahny98927n2irGU5aNLu/fLEXnBcnBQEPZzW75PQGftNPY+BSoM9XkFTsBzc0Din+frzHgDz3qHpc5R3LLeeXdTr8gULbIl9NYdrNj3j6YP76wsKU/RoO8zZ/TUHS1+cWsfMRmXPE9AOnBM7msBjst7lshP3d3byBHrjQROt4obpqejKJcqCq7BbpjlLDsNukX4CRTFJWtsgC7AJgBBSAA8ozFjYUF+XEvRDfBAoyUIhYfHZkvK434c+5cK4w87puR36NCBYluWBpxCumQiaeGLYh7Y6OL164hxIfMkyDCt8ofLEf16kGJjubXRsAcvbcMC5q31rI4DKEu9vHDdY9zzAN2JdXQm71kQn7hrKKi49mzJUT87c3DPfDI/KTZ/MJWV9f4jZI2OWkneWF9MBCpqXlScqMjIHclS4aHjpWWtugRPLMma1mv+RnrnkeTN4oR2esCcod1kzyhA6v21+fm1T0fMYfmhGQI1vEnA3M5/hr5Lc1A062yroJ8AK8mN1jX1jakKZ+5TjK+tXHY0jKMoG9IVldS2jI+sYp2MPaRCNgjlyMG/HKdpMFt/dWi5tHRZTcs01Nr+XnYOUC1xlx/U1DSU6yorrikeW7e/iypPN5QzsltFhWB3Arg+hslrdGolGNLd3bjDx+O5Rcg52vwyZO9mnKDyA5nMSsGJjXJkWHpgFyOWKdP5DLnQfUjEyyZT1yGTOmDpdruDwRz9UH+4aC/7snjKc/gyKFaQzXUloEwKZ1Z8kRTFJWtsgA7J8wOD/Y14C4t7tytbC8vaxkcXFheOUTs29qW3xXreDBaWFAX9FdWVtwfGXkpYQcBTQMQYhNgplEZYUv2xaWptdX9qqoOfwCBW55tDwZ0PnyGObI6qWl4JiRDcoa3sJlGoYQ/OeMla5BkYru8vDNx4EuumzBXUepTPARUBXkNFeWd7a3P29ueh+t6ym+1Fl1tCAbkMgS5vzunLi+3trNzfCUar4/024s4zLOGg8GGhobhyanNjU3JZtY3Dl++jI2Orj18OF1W2i74lPOCWEVDXm6reU4xMrOautBDBHPBrXT7AAPQ/mDE/HAa8hLUAQyqA4Gqjo7nSFkQwM1AyfYND84VXgFCBMO+QF1754jcznUQ31jdq67uScAA2yW5oy9Q29U9IQ8zNEONasNDC+ZnaLBFjUFfs3mSFnBV1f1oFP0xKZPsAuCl++GEXifi9yH3qm2//1y7obsIs7Obtyva/ea3Pc3FLHUNDX3oydzczlX52ReMm5C+8Er9y5f2hi15Gotg2XxMWIU8cliIBpJ1doz7cqpkl0U+mrrmxgF7LQn2Wcx5VpAMlfGvSdFkxAgziqJSZQF23sxMTrXEV6M74bqOgL/S76vOy6stL2+rreuoqLhXfD0S8FXm59Y0NvS/fLmjMedA8iAEoAN7UaIJc/bqRxO+8fr8+WKh/HK/nP4BG0puNA8/k1ujRHi1ljB3dBCTA1lyTYE59ogWzCOyBofmkHvplY1+X7iosBGYAb3M7cnIUQA2JIty/1mu/AJktZylM6/m/E1dYUGkPtw3YQ5FgpK9feNImMwFjZq1NOTmNV2/3nzrVmtNTVd1dVdxcbM5NFrj94fMTWnVpTfa2+/PXLsmp8SQ6+Tl1Y2Pv5TMRDZD+LC/F6+peeiTSyWbNKHJC9a0tMiDvhLMk81cfrlbW/0QcyUl8kfKyh/Mzq3LVh7G11ZipaVtgJlJPeXHoLGxZbdaVs0RSNkzQO+P4gNP5vJyw+a6DMneDNdDdXU90VVz+56pA61GY5V3ugTkkr+GCgvrXy7I8yeltwZme8il2gYDoK/0BDALldxompvf7+2dC/hrAvJjbPKzL42N9qfU7KFjWL4kcoe5rE4eoHVUVfUQQ4Qumd+wri+/dd8eFMUHinGRpeR7ZZbGhOKQMKMo6gRZgJ0TZog0iFFLixuhuvbcIGBW6fdX+Xx3/b67AX+VP6ei7Gbz4NOZxPVogjAzhQCku9tywkl2w1FDQpUEPVRAYtHWNizP6pUUQWJr6Y22x33Ta2tykTrCnFm1ibJiwzBpVgLu+HgUHDLPyIARmrFsy+jo0traQV/P+N07bSXXkaDUAGNyqknAhkRKHsUU9FdfLayvvNPR3PR4ZnpFIyRSCTS8vLJdcfu+HElLPOUdsducQKox92OZFcm6qn3+ivLye10Pny9HD3t7p00FULO2Ptxrshw5eqiP4IpGY8At4GEyM9Spvtc8IBhIbAte92Pxrg55Ur40Itci1vbqL4qZOtMTS9evy+AY/Mi5t2Bu3cDTWbu4UEqSwIddk+iGSU9BDoxn3bWiBqRTqCa8gQyrnj6dzpefdkNT2EDBql6xKYeCJbsSuoyOLBRdbTJclMs78/LD3d3zVVX96IPJ9kL46AcG5iTfxqJYStIs8ynJMWLp0cjzZQDYIF8TxHDhlcj4+LJ+pnL+VYYIWbv2SrIzTdDQnLFOp5iiqGyVBdi5z5kJexD1trfiy8uHMzPbz0aWHz6cbIj0NzcNjI5E9cpyqQNcSfjU+Gh2tI8AMPPsebvHjaCpuZpU29yI37s3hD19c02BPG64IC9UXdX5qHt8YWFnY/Nody8e25eLCHbgnfjLha2+3omqux3Igcz5G2FV0I9FuufndiSUms5GV3Ynx6PdXeOhmt6qOw/ravoaIgONkYHmxoHOjtHRkeXVqGyRxFZ0C92TKC4HxxbmkH32FhU15uUhBINe1Tnyc9hyNxhWF/TXl5bcb24eGB6ei67GsDZkh3fvNl65UlOQH7p5o/mFeYBv4vkXwuH5ubWiq6CU5IJAaVPjk401KZe17R/oxX4z09Gym63mGhbJUKvudq0s7xmcSycnxhaLCuXsF5I/ZI0+vzwCamvTNGIOumKTYzvYLXgeMD8wrc88BBG7ukZlpuBF1oWJ7e14Y6OcXzQ/SVqPtHh2Vk5/ms9LoCf8lA/lsK6mFwOLdpAmBvMabt/uK7xyX3gsC6LxmicDC9KkGXAZRmM0MDe31tDYm5sHuiv57KmyRw8nQT35dOTyEMBMzrYlLvAxS8qrThBmFEUlywLsvJkZOCZhzgRQedHYZSOMQYLYBF+BwoEJnVIiPJPIrqmY2ffHLGQt5vH4psHNzcOu7rH8fMQ+hPJIwDxUAuQoLX1QfrvjblV3TW1vXfhxVVX3zdL7RYXN5jJ6xEp7xqvkelN319jGuiQFaG8fsdJ0B9NYGzq+tycs3Ng42N62hzy1b+iX2Sh0Ax3TCbzGN9YOnj2b7+h4Fg49qqnuCNV1trT0d3aMIGV8NrywtBxDXoWKZlxAkYPFl2tz82vzCxsba8C2GReTfZrX+NLiWktLX11dV01VV0vzE2ysrF0YZtYoF7DEIpGuHF8lcIW0LDcY6n88KXVkfMX9j8eDvkqwUI7H+utu3mp9Mbdl+SFZkZyjwmbeax6WAZRDkZIJlZc/kB95Qa3EcUh4emrt2jV5bKNQKicUqe83nx3mms/F5s2y7/GwcyIo5/nkE/EHmq4WdeTn3zfnBTU7rK+tfTI7uw06bm3Gt9bjyy8Pp8Y329tGrhRgqbuBQDggV6DI0/HlJo1QLz5wGTA9kCgfvUkEMQ5i8/YVo+QkUxSVrbIAu4DMTGxO78v5DT39hVgpF6SZ2GQsrDITcgYEoSpRLrOEE5gwJ0tQDXHTQA7V4gKbgaezZTfbcuW6DPmFMIDKRFLEd3lNOOSX6ztC5re7qq4XNTc3DL6Y2TQRGb2QfsltZNJDrMocuVLqYM2CD5N8SS+klsxCHzChBNJ+mqAP7+zIzXAoTzRubFsz7yWXw4RZFi+6IKZRCH7I9kp3pLY5LoqkFmszb3VATIZ6FF+LbnZ3D9XWPqys7LpW1Fhd1bGxhiFKtHYYn3ux2vXgOdLKu3cflt9uGxx6Id0ws2QkpX8gyn5VZbvfV2UuhqwxT8BatsTVmuaK/HvNg2boQqDmlYLG6Sm9C1A+Dr3uNNHz+IuZneLr90BHfWhyXt79YLDF/KYa3iKBbg4GGipud9SHe4D82uquooJQIOeuP6fKn1NdcftRSfF9MMwc9sTb9jXkwTKA+ETkVJmc/pQReNXSDWczRKmmKCpbZQF2QTDzRpkzhB7rpAreBWWWxDgT9ldX9570TyGaFxXKgSmDNEnXzJWKdXIjtjnvdfVKuPL2vY72J7PTq/KbyBqsJV4jCts2U20iaXKhNcK3RHBXItH8RAs4ZK6rqZWl9yc3LjEa9jZiNvUVC9lju/HtzYOVpc3N9V25TlNwJXMtL7GSfeDwcHNjb9/MlX0JbO/BgZmI72ztD/SP3WsCWjrrau8PDkwImwzMdGtQa2Z2p6SkBfsEcurOVx8OP0VeZfGMSpLAST3NoYGf2mq5hU4e8WV+HjoQuCc5n/mNULyVrEvOIMoD+/GhBHzV/pzK0pJ7j3vnng2v3CiJlBSHbpc3tbc/lZ+6ttuOVZz86ZzVFEVlqyzALghm78hIL0yGByEub8dnptd7Hk21NA+FQ/21Nb2husehur5QXW9z48DDrvHRkUXkLvsxG+URJSXiS9w3h7D0QJYGTYRw9SuruzSW5Mz0E0hxTpplXu0VHBBKsM2SGOtmGpQa4Ml5ur046L63ixIDD7kLe3loeGrk+cKTgbny2+0+5G0mLQPSKu88HBpaHBqeGR+f3Y+hKUM8pfKRPJbsftvTvKAc7zWpcH0wGJbziHKM93gPA7lXwF9TkFdXWdHxsHN8bVWGf2F+a35ubX1tb0d/hceb+J7TFEVlqyzALjfMxMgwEKJ1bXpAD97fj29sHsBbW4fb23JBidRIMMzjBAMsxtQXSjJHlwu05FUpzaa8lfuxsBWy1bqZcqeewkzOAQotTDqFcdBhQYl5XXy5XlpS48spDfgr/P5Kf6AqEKgNBORJY74ceZKWL6ci4L9dH+7c21XquCPGSB/jY6Nzd++01FR1NDY+7umZHH72cnRspf3B8J07bbfKWuG7le3h0MOOjsHZ2VW5n14+G7tqGJ+ATMin4/2AzmeKorJVFmCXHWZCHbkQwCBNwqEcjJOzXwcHNiiilo1lKBbaIXrua6CEkYsYMByT7FUkfHAnQSuJWKZENmEflLKz7BbZt+Z0n1z9eLyg8EzfCjM0RZPRwKtJVeNbG/tPn0z2dI93d413tD/v6Z7u7Zl52DXxoP35g/aRttahluaB3keTa1E0ggWVZJgGJmWEtzZ216I7O1tyEY0Op6znML6+vr+0uLO2dri5cSh3bcuHI0uYV+ml+RcLmBsw5JO6IJLBFEVlqyzALn1mFjdXaUtExluEbLmAGxEU8dUgzZxnknRBw7Szefa9CbRY8KKSsA9oTUgxoRhTVinjZevs+JhyYwwJUGNBblrAqOiAoL5coGNtECOcc69aaHcIMM7y1EsBpLngUEZd8yo5gScjDzQdHNhEUKiHdcr6ZZ3yuaBcFjGfnV07uor/9LpW7dv5TVFUtsoC7NJnZuYCBNiGbFsuP85pJgzMTNhVmFnsea3LXjI7IKUpMYVggE3LzIR3rv4kioGZfWsquEYUKcAMuL4nKJK3aEcbMT8nJkOHOTaTMxMyK9GCufHLLCiAMoW69yCIkie5oCljcGzf9ERXYSpjkUTftEH3cZgtfaWr5zZFUdkqC7BLDzMT70xSIpFa30q55gem0FvBvB6nI8eJS6LBS24N9DqtqZjXOiuJag4YnvqJsYJNhuWQkyBNwgZXyMXk4KxUNqfcTAtmcfML2qamHUaxDKmuVNElndFftgPhEh1LdDUxYQqFoIkKqVt3HlMUla2yALv8F4AcB8QkS0jVcs02YJ2wYTSBtAsNmu/Hbntf3fBjSJ/0VktStholOjhiZZW8atImhMMrcqw982OYmLZtmgxMbRh2AA7hVTI513iCTHr/nMDMJMeYTlhbwOp0jbJ20z52OLw8Pr8pispWWYBlwGFGdVK5GGERRkxUe9/qdFL9j9K6pem397iOOcWVNBfWuW7oUGJOd4kT428/BfdB2AbtW1vB8Mwab7WaNiu8PF5FEu3Ob4qislUWYJkBs1cKXRh1gdJbooU64V3qY7Xb6vTbe0oFBxWLFm81gy5LKZ3rjDo68t5CYy/MpMTVdDbtH6/xgkxRVLbKAuzSH2bU8KpOCouwlp9W31v+UVo388Rx0CxKnSgULHlI44hiiWWgZRtMtKkVbPtqnavWlnUtOldL3rspispWWYBlFMxSnVRZnX7uR2a3sUnbq4BRmxILLW/OpKzyEO6YWwmY2da0JNWYhdbM0cjjOt4FtYLXrvxCTVFUtsoCLAMuADl2UlhUJ9XJQnvJ8XrLFfPHNMKyGEN8jgokVwc+kgevyNskSqkTy1oQ6jdBqzlrTdvmuzVFUdkqC7DMgRniZoqP46/GzfcVOjPbGCXLGwM2udbD2N4BrReJaGGifurYGlbJp/BamKXa284FmaKobJUFWCbA7LXhLylKHmcYxm6us3fux+ekjfU6cXpMph1ysIjbLUgqf9WWW1ozUecYZlpi1vL+TVFUtsoCLMPPmSVZFyHMTnMCZvbcWCp7tNBhyTvXJWFJMNNyFCZKPogpispWWYBl1Dkz+mKdhCtX4uydleTUCq9d5F2aoqhslQUYYUZ/DKYoKltlAUaY0R+DKYrKVlmAEWb0x2CKorJVFmCEGf0xmKKobJUFGGFGfwymKCpbZQFGmNEfgymKylZZgBFm9MdgiqKyVRZghBn9MZiiqGyVBRhhRn8MpigqW2UBRpjRH4MpispWWYARZvTHYIqislUWYIQZ/TGYoqhslQUYYUZ/DKYoKltlAUaY0R+DKYrKVlmAEWb0x2CKorJVFmDnhRlFURRFfThZgBFmFEVRVObKAowwoyiKojJXFmCEGUVRFJW5sgAjzCiKoqjMlQUYYUZRFEVlrizACDOKoigqc2UBRphRFEVRmSsLMMKMoiiKylxZgBFmFEVRVObKAowwoyiKojJXFmCEGUVRFJW5sgAjzCiKoqjMlQXYOWG2t7e3ubG+sb5G0zRN0xdlkAV8saRJKwuwc8KMJKNpmqbfhcEXS5q0sgA7J8yS1k3TNE3TF2VLmrSyACPMaJqm6ctpS5q0sgAjzGiapunLaUuatLIAI8xomqbpy2lLmrSyACPMaJqm6ctpS5q0sgAjzGiapunLaUuatLIAI8zSeHlp8e6d289HniWV0zRN0+/BljRpZQH2QWBWW323IC+oLr5WND83i0Iwo6iwQAsxoQjxFvb39eribS33XAWv0eztWzdBIEygjivHtJbrW7SDt1gpXrVl2FvBmTCjaZr+gLakSSsLsPcMM+AB2ABsXEnng3bHLZAjiSiPursUdSCQwx7gdPNGsbcRWLGnTFJcuaZQ0ws/LA4ngSqJf+qkOjRN0/T7tCVNWlmAvTuYefEACN28UQIqnMgMNQiUxCevNZFyMKsP1bm3aizb1BhRHHor6zSsiR3m6nQSqLxrR/uarmmDhBlN0/QHsSVNWlmAvTuYedMjRQW4okjzVnNGHXfQD9Opc72wcdYStImWUUdh5ojlFnSLa030xAuzpPqu22j/xOOZNE3T9HuwJU1aWYC9O5h50yPFibdEC09EF+BRfO2qIgSVi68VoY4jGawYc1jylijMtEQX0VW7ypjWcgWYdsARy0s1fcvMjKZp+kPZkiatLMDe6TkzBYljGJyamWkdbwmscPKWoI5Djpub1D7mOpjpNAqVRg5LWESX9YIKhXBSYepbmqZp+n3akiatLMDeKcyAgfpQHXijqIAdS5xRkgqz1GpaqDUdzNA+YNPUGPG+VZgphzoftLsS1PGeA/OCylEWhd7M7ET60jRN0+/HljRpZQH2TmEGNoBAjhkwJpBgeUHlENXcGAE8tI4eZsTioJFWc4WYdjBT9riMDa8OXTBaLsgLunVhLmqivlbAq7dj6IPOQn1XB9OucZqmafo925ImrSzA3inMYC8b1JhGiZ6sgoEcLVf2wF5+nFiINh2iACHXAip4YYZZ3qVAyuJrRW5BVPPCTHulTbmV8mpGmqbpD2hLmrSyAHsPMHP8oGmapumz25ImrSzA3inMkAwh3dGDhzRN0zT9RrakSSsLsHcHMz1Y5y6moGmapuk3siVNWlmAvevDjDRN0zT9drakSSsLsHPCbHNjPWndNE3TNH1+gy+WNGllAXZOmO3t7ZFnNE3T9MUaZAFfLGnSygLsnDB7SFEURVHvRpY0aWUBdk6YURRFUdQHlAUYYUZRFEVlrizACDOKoigqc2UBRphRFEVRmSsLMMKMoiiKylxZgBFmFEVRVObKAowwoyiKojJXFmCEGUVRFJW5sgAjzCiKoqjMlQUYYUZRFEVlrizACDOKoigqc2UBRphRFEVRmSsLMMKMoiiKylxZgBFmFEVRVObKAowwoyiKojJXFmCEGUVRFJW5sgAjzCiKoqjMlQUYYUZRFEVlrizACDOKoigqc2UBRphRFEVRmSsLMMKMoiiKylxZgBFmFEVRVObKAowwoyiKojJXFmCEGUVRFJW5sgAjzCiKoqjMlQUYYUZRFEVlrizAzgmzoZe7uV3RnI6VrDI2GRtuh4CiKIr6cLIAOyfMspBkamy4HQKKoijqw8kC7JwwSwrxWWU7BBRFUdSHkwUYYfbWtkNAURRFfThZgBFmb207BBRFUdSHkwUYYfbWtkNAURRFfThZgBFmb207BBRFUdSHkwUYYfbWtkNAURRFfThZgGUQzLpndw6P4oMvd5PKX+vygbXZtf0n82+8YHrbIaAoiqI+nCzAPjjM+uZ2tvYOtbWd/aP655tJFZzfGmZ1zzbQ8sLGPqZbxre2Yodv0Uiqtc8URVHUB5QF2IeFWcf09v7h0fruYdfMNqZfrO+/C5h5fSGNqO0QUBRFUR9OFmAfFmaACtDyaHbHW+jlTeXg+mbscGX7wJVPre5pJocEq2lsC+Uza/t7h0fzG8BiHB5ejE1EUSDTk9G93IfRhtHNvYMjVNMWVChBua7x7WwboiiKoj6cLMA+LMxAo939o9jB0ZP53as9q1qYHmao3zO7A2OptZ3DW0/WQCn0ZG5jv3N6e1soFo9uH9yf3FrdOcS7lvEtB7Mbj9cGFgSfo8sxpIBujW9nHQGKoijqA8oC7IOfM2se2wKT0BQopSlaepg9X47pgrNIyEx2pZmZy9JQBzUxjRRNpx3MXCM8zEhRFPVxyALsg8MMzn0Y7TJJFUDUMb2dHmaOQ8IwB7PEMUPvNGoSZhRFUR+3LMAuA8zU9ye3ALPp1T3lDfIqFIZHNpCxeWGm5fD8xn7s4CjynDCjKIrKXlmAfViYPZnfXdw6eDS7A5Itbx0AM/1zO42jm6AUEjIUzq3vH8XjXphtxQ4fTG2DRgeH8Zeb+8jq3ghmWBbIXNjYrxnewNvz2A4BRVEU9eFkAfZhYQbSIPHSpgCwkaUY4ITy50tyuuvoKI70a2vvlcOMKDEXecSjOwfVBkhvBLMbj9eAT10dsjqUvLVNrymKoqgPKQuwy3OYMeNsh4CiKIr6cLIAI8ze2nYIKIqiqA8nCzDC7K1th4CiKIr6cLIAI8ze2nYIKIqiqA8nC7Bzwiy3S67XyEJjw+0QUBRFUR9OFmDnhNnQy90s5Bk2GRtuh4CiKIr6cLIAOyfMKIqiKOoDygKMMKMoiqIyVxZghBlFURSVubIAI8woiqKozJUFGGFGURRFZa4swAgziqIoKnNlAUaYURRFUZkrCzDCjKIoispcWYARZhRFUVTmygKMMKMoiqIyVxZghBlFURSVubIA88KMoiiKojJUhBlFURSV8SLMKIqiqAxXS8v/D1EbOeq5z6mvAAAAAElFTkSuQmCC)
+The **Overview** pane for _Contoso Marketing Company_ appears.</a:t>
+            </a:r>
+          </a:p>
+          <a:p>
+            <a:pPr lvl="0" indent="0" marL="0">
+              <a:buNone/>
+            </a:pPr>
+            <a:r>
+              <a:rPr/>
+              <a:t>For Azure AD Premium to complete all the exercises in this module, you’ll need to activate a free trial.</a:t>
+            </a:r>
+          </a:p>
+          <a:p>
+            <a:pPr lvl="0" indent="-342900" marL="342900">
+              <a:buAutoNum type="arabicPeriod"/>
+            </a:pPr>
+            <a:r>
+              <a:rPr/>
+              <a:t>In the left menu pane, under </a:t>
+            </a:r>
+            <a:r>
+              <a:rPr b="1"/>
+              <a:t>Manage</a:t>
+            </a:r>
+            <a:r>
+              <a:rPr/>
+              <a:t>, select </a:t>
+            </a:r>
+            <a:r>
+              <a:rPr b="1"/>
+              <a:t>Licenses</a:t>
+            </a:r>
+            <a:r>
+              <a:rPr/>
+              <a:t>. The </a:t>
+            </a:r>
+            <a:r>
+              <a:rPr b="1"/>
+              <a:t>Overview</a:t>
+            </a:r>
+            <a:r>
+              <a:rPr/>
+              <a:t> pane for </a:t>
+            </a:r>
+            <a:r>
+              <a:rPr i="1"/>
+              <a:t>Licenses</a:t>
+            </a:r>
+            <a:r>
+              <a:rPr/>
+              <a:t> appears.</a:t>
+            </a:r>
+          </a:p>
+          <a:p>
+            <a:pPr lvl="0" indent="-342900" marL="342900">
+              <a:buAutoNum type="arabicPeriod"/>
+            </a:pPr>
+            <a:r>
+              <a:rPr/>
+              <a:t>On the right side of the pane, under </a:t>
+            </a:r>
+            <a:r>
+              <a:rPr b="1"/>
+              <a:t>Quick tasks</a:t>
+            </a:r>
+            <a:r>
+              <a:rPr/>
+              <a:t>, select </a:t>
+            </a:r>
+            <a:r>
+              <a:rPr b="1"/>
+              <a:t>Get a free trial</a:t>
+            </a:r>
+            <a:r>
+              <a:rPr/>
+              <a:t>.</a:t>
+            </a:r>
+          </a:p>
+          <a:p>
+            <a:pPr lvl="1" indent="0" marL="342900">
+              <a:buNone/>
+            </a:pPr>
+            <a:r>
+              <a:rPr/>
+              <a:t>Screenshot that shows the link to create free trial.</a:t>
+            </a:r>
+          </a:p>
+          <a:p>
+            <a:pPr lvl="1" indent="0" marL="342900">
+              <a:buNone/>
+            </a:pPr>
+            <a:r>
+              <a:rPr/>
+              <a:t>The </a:t>
+            </a:r>
+            <a:r>
+              <a:rPr b="1"/>
+              <a:t>Activate</a:t>
+            </a:r>
+            <a:r>
+              <a:rPr/>
+              <a:t> pane appears.</a:t>
+            </a:r>
+          </a:p>
+          <a:p>
+            <a:pPr lvl="0" indent="-342900" marL="342900">
+              <a:buAutoNum type="arabicPeriod"/>
+            </a:pPr>
+            <a:r>
+              <a:rPr/>
+              <a:t>Under </a:t>
+            </a:r>
+            <a:r>
+              <a:rPr b="1"/>
+              <a:t>Azure AD Premium P2</a:t>
+            </a:r>
+            <a:r>
+              <a:rPr/>
+              <a:t>, expand </a:t>
+            </a:r>
+            <a:r>
+              <a:rPr b="1"/>
+              <a:t>Free trial</a:t>
+            </a:r>
+            <a:r>
+              <a:rPr/>
+              <a:t>, and then select </a:t>
+            </a:r>
+            <a:r>
+              <a:rPr b="1"/>
+              <a:t>Activate</a:t>
+            </a:r>
+            <a:r>
+              <a:rPr/>
+              <a:t>. If you don’t have that option, that’s ok. You can complete most of the exercises without it. After the premium license activates, the </a:t>
+            </a:r>
+            <a:r>
+              <a:rPr b="1"/>
+              <a:t>Overview</a:t>
+            </a:r>
+            <a:r>
+              <a:rPr/>
+              <a:t> pane for </a:t>
+            </a:r>
+            <a:r>
+              <a:rPr i="1"/>
+              <a:t>Licenses</a:t>
+            </a:r>
+            <a:r>
+              <a:rPr/>
+              <a:t> reappears.</a:t>
+            </a:r>
+          </a:p>
+          <a:p>
+            <a:pPr lvl="0" indent="-342900" marL="342900">
+              <a:buAutoNum type="arabicPeriod"/>
+            </a:pPr>
+            <a:r>
+              <a:rPr/>
+              <a:t>Return to the </a:t>
+            </a:r>
+            <a:r>
+              <a:rPr b="1"/>
+              <a:t>Overview</a:t>
+            </a:r>
+            <a:r>
+              <a:rPr/>
+              <a:t> pane for Azure Active Directory for Contoso Marketing Company. On the </a:t>
+            </a:r>
+            <a:r>
+              <a:rPr b="1"/>
+              <a:t>Overview</a:t>
+            </a:r>
+            <a:r>
+              <a:rPr/>
+              <a:t> tab, under the </a:t>
+            </a:r>
+            <a:r>
+              <a:rPr b="1"/>
+              <a:t>Basic information</a:t>
+            </a:r>
+            <a:r>
+              <a:rPr/>
+              <a:t> section, refresh the browser until you see </a:t>
+            </a:r>
+            <a:r>
+              <a:rPr b="1"/>
+              <a:t>Azure AD Premium P2</a:t>
+            </a:r>
+            <a:r>
+              <a:rPr/>
+              <a:t> appear aside </a:t>
+            </a:r>
+            <a:r>
+              <a:rPr b="1"/>
+              <a:t>License</a:t>
+            </a:r>
+            <a:r>
+              <a:rPr/>
+              <a:t>. It may take a couple of minutes.</a:t>
+            </a:r>
+          </a:p>
+          <a:p>
+            <a:pPr lvl="1" indent="0" marL="342900">
+              <a:buNone/>
+            </a:pPr>
+            <a:r>
+              <a:rPr/>
+              <a:t>Screenshot that shows Azure AD Premium P2 on the Overview page under Tenant information.</a:t>
+            </a:r>
+          </a:p>
+          <a:p>
+            <a:pPr lvl="1" indent="0" marL="342900">
+              <a:buNone/>
+            </a:pPr>
+            <a:r>
+              <a:rPr/>
+              <a:t>Under </a:t>
+            </a:r>
+            <a:r>
+              <a:rPr b="1"/>
+              <a:t>My feed</a:t>
+            </a:r>
+            <a:r>
+              <a:rPr/>
+              <a:t>, you should also see your role listed as the </a:t>
+            </a:r>
+            <a:r>
+              <a:rPr b="1"/>
+              <a:t>Global administrator</a:t>
+            </a:r>
+            <a:r>
+              <a:rPr/>
+              <a:t>.</a:t>
+            </a:r>
+          </a:p>
+          <a:p>
+            <a:pPr lvl="0" indent="-342900" marL="342900">
+              <a:buAutoNum type="arabicPeriod"/>
+            </a:pPr>
+            <a:r>
+              <a:rPr/>
+              <a:t>Under </a:t>
+            </a:r>
+            <a:r>
+              <a:rPr b="1"/>
+              <a:t>Basic information</a:t>
+            </a:r>
+            <a:r>
+              <a:rPr/>
+              <a:t>, copy the </a:t>
+            </a:r>
+            <a:r>
+              <a:rPr b="1"/>
+              <a:t>Primary domain</a:t>
+            </a:r>
+            <a:r>
+              <a:rPr/>
+              <a:t> name to use in the next section.</a:t>
+            </a:r>
+          </a:p>
+        </p:txBody>
+      </p:sp>
+    </p:spTree>
+  </p:cSld>
+</p:sld>
+</file>
+
+<file path=ppt/slides/slide3.xml><?xml version="1.0" encoding="utf-8"?>
+<p:sld xmlns:a="http://schemas.openxmlformats.org/drawingml/2006/main" xmlns:r="http://schemas.openxmlformats.org/officeDocument/2006/relationships" xmlns:p="http://schemas.openxmlformats.org/presentationml/2006/main">
+  <p:cSld>
+    <p:spTree>
+      <p:nvGrpSpPr>
+        <p:cNvPr id="1" name=""/>
+        <p:cNvGrpSpPr/>
+        <p:nvPr/>
+      </p:nvGrpSpPr>
+      <p:grpSpPr>
+        <a:xfrm>
+          <a:off x="0" y="0"/>
+          <a:ext cx="0" cy="0"/>
+          <a:chOff x="0" y="0"/>
+          <a:chExt cx="0" cy="0"/>
+        </a:xfrm>
+      </p:grpSpPr>
+      <p:sp>
+        <p:nvSpPr>
+          <p:cNvPr id="2" name="Title 1"/>
+          <p:cNvSpPr>
+            <a:spLocks noGrp="1"/>
+          </p:cNvSpPr>
+          <p:nvPr>
+            <p:ph type="title"/>
+          </p:nvPr>
+        </p:nvSpPr>
+        <p:spPr/>
+        <p:txBody>
+          <a:bodyPr/>
+          <a:lstStyle/>
+          <a:p>
+            <a:pPr lvl="0" indent="0" marL="0">
+              <a:buNone/>
+            </a:pPr>
+            <a:r>
+              <a:rPr/>
+              <a:t>Add a new user</a:t>
+            </a:r>
+          </a:p>
+        </p:txBody>
+      </p:sp>
+      <p:sp>
+        <p:nvSpPr>
+          <p:cNvPr id="3" name="Content Placeholder 2"/>
+          <p:cNvSpPr>
+            <a:spLocks noGrp="1"/>
+          </p:cNvSpPr>
+          <p:nvPr>
+            <p:ph idx="1"/>
+          </p:nvPr>
+        </p:nvSpPr>
+        <p:spPr/>
+        <p:txBody>
+          <a:bodyPr/>
+          <a:lstStyle/>
+          <a:p>
+            <a:pPr lvl="0" indent="0" marL="0">
+              <a:buNone/>
+            </a:pPr>
+            <a:r>
+              <a:rPr/>
+              <a:t>Now, let’s create a user account.</a:t>
+            </a:r>
+          </a:p>
+          <a:p>
+            <a:pPr lvl="0" indent="-342900" marL="342900">
+              <a:buAutoNum type="arabicPeriod"/>
+            </a:pPr>
+            <a:r>
+              <a:rPr/>
+              <a:t>In the Azure AD organization you created, in the left menu pane, under </a:t>
+            </a:r>
+            <a:r>
+              <a:rPr b="1"/>
+              <a:t>Manage</a:t>
+            </a:r>
+            <a:r>
+              <a:rPr/>
+              <a:t>, select </a:t>
+            </a:r>
+            <a:r>
+              <a:rPr b="1"/>
+              <a:t>Users</a:t>
+            </a:r>
+            <a:r>
+              <a:rPr/>
+              <a:t>. The </a:t>
+            </a:r>
+            <a:r>
+              <a:rPr b="1"/>
+              <a:t>All users</a:t>
+            </a:r>
+            <a:r>
+              <a:rPr/>
+              <a:t> pane appears.</a:t>
+            </a:r>
+          </a:p>
+          <a:p>
+            <a:pPr lvl="0" indent="-342900" marL="342900">
+              <a:buAutoNum type="arabicPeriod"/>
+            </a:pPr>
+            <a:r>
+              <a:rPr/>
+              <a:t>In the top menu bar, select </a:t>
+            </a:r>
+            <a:r>
+              <a:rPr b="1"/>
+              <a:t>New user</a:t>
+            </a:r>
+            <a:r>
+              <a:rPr/>
+              <a:t>. The </a:t>
+            </a:r>
+            <a:r>
+              <a:rPr b="1"/>
+              <a:t>New user</a:t>
+            </a:r>
+            <a:r>
+              <a:rPr/>
+              <a:t> pane appears for </a:t>
+            </a:r>
+            <a:r>
+              <a:rPr i="1"/>
+              <a:t>Contoso Marketing Company</a:t>
+            </a:r>
+            <a:r>
+              <a:rPr/>
+              <a:t>.</a:t>
+            </a:r>
+          </a:p>
+          <a:p>
+            <a:pPr lvl="0" indent="-342900" marL="342900">
+              <a:buAutoNum type="arabicPeriod"/>
+            </a:pPr>
+            <a:r>
+              <a:rPr/>
+              <a:t>Enter the following values for each setting.</a:t>
+            </a:r>
+          </a:p>
+          <a:p>
+            <a:pPr lvl="1" indent="0" marL="342900">
+              <a:buNone/>
+            </a:pPr>
+            <a:r>
+              <a:rPr b="1"/>
+              <a:t>Identity</a:t>
+            </a:r>
+          </a:p>
+          <a:p>
+            <a:pPr lvl="1"/>
+            <a:r>
+              <a:rPr b="1"/>
+              <a:t>User name</a:t>
+            </a:r>
+            <a:r>
+              <a:rPr/>
+              <a:t>: chris@contosomarketingXXXXXX.onmicrosoft.com. The domain name should match the primary domain you copied in the previous section.</a:t>
+            </a:r>
+          </a:p>
+          <a:p>
+            <a:pPr lvl="1"/>
+            <a:r>
+              <a:rPr b="1"/>
+              <a:t>Name</a:t>
+            </a:r>
+            <a:r>
+              <a:rPr/>
+              <a:t>: </a:t>
+            </a:r>
+            <a:r>
+              <a:rPr i="1"/>
+              <a:t>Chris Green</a:t>
+            </a:r>
+          </a:p>
+          <a:p>
+            <a:pPr lvl="1" indent="0" marL="342900">
+              <a:buNone/>
+            </a:pPr>
+            <a:r>
+              <a:rPr b="1"/>
+              <a:t>Password</a:t>
+            </a:r>
+          </a:p>
+          <a:p>
+            <a:pPr lvl="1"/>
+            <a:r>
+              <a:rPr b="1"/>
+              <a:t>Show Password</a:t>
+            </a:r>
+            <a:r>
+              <a:rPr/>
+              <a:t>, (</a:t>
+            </a:r>
+            <a:r>
+              <a:rPr i="1"/>
+              <a:t>check</a:t>
+            </a:r>
+            <a:r>
+              <a:rPr/>
+              <a:t>), and copy it somewhere you can refer to it later.</a:t>
+            </a:r>
+          </a:p>
+          <a:p>
+            <a:pPr lvl="0" indent="-342900" marL="342900">
+              <a:buAutoNum type="arabicPeriod"/>
+            </a:pPr>
+            <a:r>
+              <a:rPr/>
+              <a:t>Select </a:t>
+            </a:r>
+            <a:r>
+              <a:rPr b="1"/>
+              <a:t>Create</a:t>
+            </a:r>
+            <a:r>
+              <a:rPr/>
+              <a:t>. The </a:t>
+            </a:r>
+            <a:r>
+              <a:rPr b="1"/>
+              <a:t>All users</a:t>
+            </a:r>
+            <a:r>
+              <a:rPr/>
+              <a:t> pane reappears for </a:t>
+            </a:r>
+            <a:r>
+              <a:rPr i="1"/>
+              <a:t>Contoso Marketing Company - Azure Active Directory</a:t>
+            </a:r>
+            <a:r>
+              <a:rPr/>
+              <a:t>. The user is now created and registered to your organization.</a:t>
+            </a:r>
+          </a:p>
+        </p:txBody>
+      </p:sp>
+    </p:spTree>
+  </p:cSld>
+</p:sld>
+</file>
+
+<file path=ppt/slides/slide4.xml><?xml version="1.0" encoding="utf-8"?>
+<p:sld xmlns:a="http://schemas.openxmlformats.org/drawingml/2006/main" xmlns:r="http://schemas.openxmlformats.org/officeDocument/2006/relationships" xmlns:p="http://schemas.openxmlformats.org/presentationml/2006/main">
+  <p:cSld>
+    <p:spTree>
+      <p:nvGrpSpPr>
+        <p:cNvPr id="1" name=""/>
+        <p:cNvGrpSpPr/>
+        <p:nvPr/>
+      </p:nvGrpSpPr>
+      <p:grpSpPr>
+        <a:xfrm>
+          <a:off x="0" y="0"/>
+          <a:ext cx="0" cy="0"/>
+          <a:chOff x="0" y="0"/>
+          <a:chExt cx="0" cy="0"/>
+        </a:xfrm>
+      </p:grpSpPr>
+      <p:sp>
+        <p:nvSpPr>
+          <p:cNvPr id="2" name="Title 1"/>
+          <p:cNvSpPr>
+            <a:spLocks noGrp="1"/>
+          </p:cNvSpPr>
+          <p:nvPr>
+            <p:ph type="title"/>
+          </p:nvPr>
+        </p:nvSpPr>
+        <p:spPr/>
+        <p:txBody>
+          <a:bodyPr/>
+          <a:lstStyle/>
+          <a:p>
+            <a:pPr lvl="0" indent="0" marL="0">
+              <a:buNone/>
+            </a:pPr>
+            <a:r>
+              <a:rPr/>
+              <a:t>Delete a user</a:t>
+            </a:r>
+          </a:p>
+        </p:txBody>
+      </p:sp>
+      <p:sp>
+        <p:nvSpPr>
+          <p:cNvPr id="3" name="Content Placeholder 2"/>
+          <p:cNvSpPr>
+            <a:spLocks noGrp="1"/>
+          </p:cNvSpPr>
+          <p:nvPr>
+            <p:ph idx="1"/>
+          </p:nvPr>
+        </p:nvSpPr>
+        <p:spPr/>
+        <p:txBody>
+          <a:bodyPr/>
+          <a:lstStyle/>
+          <a:p>
+            <a:pPr lvl="0" indent="0" marL="0">
+              <a:buNone/>
+            </a:pPr>
+            <a:r>
+              <a:rPr/>
+              <a:t>You can delete users after they’re created.</a:t>
+            </a:r>
+          </a:p>
+          <a:p>
+            <a:pPr lvl="0" indent="-342900" marL="342900">
+              <a:buAutoNum type="arabicPeriod"/>
+            </a:pPr>
+            <a:r>
+              <a:rPr/>
+              <a:t>In your </a:t>
+            </a:r>
+            <a:r>
+              <a:rPr b="1"/>
+              <a:t>All users</a:t>
+            </a:r>
+            <a:r>
+              <a:rPr/>
+              <a:t> pane for Azure AD organization, from the list, select </a:t>
+            </a:r>
+            <a:r>
+              <a:rPr b="1"/>
+              <a:t>Chris Green</a:t>
+            </a:r>
+            <a:r>
+              <a:rPr/>
+              <a:t>.</a:t>
+            </a:r>
+          </a:p>
+          <a:p>
+            <a:pPr lvl="0" indent="-342900" marL="342900">
+              <a:buAutoNum type="arabicPeriod"/>
+            </a:pPr>
+            <a:r>
+              <a:rPr/>
+              <a:t>In the top menu bar, select </a:t>
+            </a:r>
+            <a:r>
+              <a:rPr b="1"/>
+              <a:t>Delete user</a:t>
+            </a:r>
+            <a:r>
+              <a:rPr/>
+              <a:t>. If you don’t see that option, select </a:t>
+            </a:r>
+            <a:r>
+              <a:rPr b="1"/>
+              <a:t>More</a:t>
+            </a:r>
+            <a:r>
+              <a:rPr/>
+              <a:t>.</a:t>
+            </a:r>
+          </a:p>
+          <a:p>
+            <a:pPr lvl="0" indent="-342900" marL="342900">
+              <a:buAutoNum type="arabicPeriod"/>
+            </a:pPr>
+            <a:r>
+              <a:rPr/>
+              <a:t>When you’re prompted to confirm your deletion, select </a:t>
+            </a:r>
+            <a:r>
+              <a:rPr b="1"/>
+              <a:t>OK</a:t>
+            </a:r>
+            <a:r>
+              <a:rPr/>
+              <a:t>.</a:t>
+            </a:r>
+          </a:p>
+        </p:txBody>
+      </p:sp>
+    </p:spTree>
+  </p:cSld>
+</p:sld>
+</file>
+
+<file path=ppt/slides/slide5.xml><?xml version="1.0" encoding="utf-8"?>
+<p:sld xmlns:a="http://schemas.openxmlformats.org/drawingml/2006/main" xmlns:r="http://schemas.openxmlformats.org/officeDocument/2006/relationships" xmlns:p="http://schemas.openxmlformats.org/presentationml/2006/main">
+  <p:cSld>
+    <p:spTree>
+      <p:nvGrpSpPr>
+        <p:cNvPr id="1" name=""/>
+        <p:cNvGrpSpPr/>
+        <p:nvPr/>
+      </p:nvGrpSpPr>
+      <p:grpSpPr>
+        <a:xfrm>
+          <a:off x="0" y="0"/>
+          <a:ext cx="0" cy="0"/>
+          <a:chOff x="0" y="0"/>
+          <a:chExt cx="0" cy="0"/>
+        </a:xfrm>
+      </p:grpSpPr>
+      <p:sp>
+        <p:nvSpPr>
+          <p:cNvPr id="2" name="Title 1"/>
+          <p:cNvSpPr>
+            <a:spLocks noGrp="1"/>
+          </p:cNvSpPr>
+          <p:nvPr>
+            <p:ph type="title"/>
+          </p:nvPr>
+        </p:nvSpPr>
+        <p:spPr/>
+        <p:txBody>
+          <a:bodyPr/>
+          <a:lstStyle/>
+          <a:p>
+            <a:pPr lvl="0" indent="0" marL="0">
+              <a:buNone/>
+            </a:pPr>
+            <a:r>
+              <a:rPr/>
+              <a:t>Recover a deleted user</a:t>
+            </a:r>
+          </a:p>
+        </p:txBody>
+      </p:sp>
+      <p:sp>
+        <p:nvSpPr>
+          <p:cNvPr id="3" name="Content Placeholder 2"/>
+          <p:cNvSpPr>
+            <a:spLocks noGrp="1"/>
+          </p:cNvSpPr>
+          <p:nvPr>
+            <p:ph idx="1"/>
+          </p:nvPr>
+        </p:nvSpPr>
+        <p:spPr/>
+        <p:txBody>
+          <a:bodyPr/>
+          <a:lstStyle/>
+          <a:p>
+            <a:pPr lvl="0" indent="0" marL="0">
+              <a:buNone/>
+            </a:pPr>
+            <a:r>
+              <a:rPr/>
+              <a:t>You can restore deleted users. View the list of the deleted users, and then restore one.</a:t>
+            </a:r>
+          </a:p>
+          <a:p>
+            <a:pPr lvl="0" indent="-342900" marL="342900">
+              <a:buAutoNum type="arabicPeriod"/>
+            </a:pPr>
+            <a:r>
+              <a:rPr/>
+              <a:t>In your </a:t>
+            </a:r>
+            <a:r>
+              <a:rPr b="1"/>
+              <a:t>All users</a:t>
+            </a:r>
+            <a:r>
+              <a:rPr/>
+              <a:t> pane for Azure AD organization, in the left menu pane, select </a:t>
+            </a:r>
+            <a:r>
+              <a:rPr b="1"/>
+              <a:t>Deleted users</a:t>
+            </a:r>
+            <a:r>
+              <a:rPr/>
+              <a:t>. You now see all of the users that were deleted within the last 30 days.</a:t>
+            </a:r>
+          </a:p>
+          <a:p>
+            <a:pPr lvl="0" indent="-342900" marL="342900">
+              <a:buAutoNum type="arabicPeriod"/>
+            </a:pPr>
+            <a:r>
+              <a:rPr/>
+              <a:t>Select </a:t>
+            </a:r>
+            <a:r>
+              <a:rPr b="1"/>
+              <a:t>Chris Green</a:t>
+            </a:r>
+            <a:r>
+              <a:rPr/>
+              <a:t> and in the top menu bar, select </a:t>
+            </a:r>
+            <a:r>
+              <a:rPr b="1"/>
+              <a:t>Restore user</a:t>
+            </a:r>
+            <a:r>
+              <a:rPr/>
+              <a:t>.</a:t>
+            </a:r>
+          </a:p>
+          <a:p>
+            <a:pPr lvl="0" indent="-342900" marL="342900">
+              <a:buAutoNum type="arabicPeriod"/>
+            </a:pPr>
+            <a:r>
+              <a:rPr/>
+              <a:t>To confirm, select </a:t>
+            </a:r>
+            <a:r>
+              <a:rPr b="1"/>
+              <a:t>OK</a:t>
+            </a:r>
+            <a:r>
+              <a:rPr/>
+              <a:t>. The </a:t>
+            </a:r>
+            <a:r>
+              <a:rPr b="1"/>
+              <a:t>All users</a:t>
+            </a:r>
+            <a:r>
+              <a:rPr/>
+              <a:t> pane reappears.</a:t>
+            </a:r>
+          </a:p>
+          <a:p>
+            <a:pPr lvl="0" indent="-342900" marL="342900">
+              <a:buAutoNum type="arabicPeriod"/>
+            </a:pPr>
+            <a:r>
+              <a:rPr/>
+              <a:t>Verify that Chris Green’s account is recovered by selecting </a:t>
+            </a:r>
+            <a:r>
+              <a:rPr b="1"/>
+              <a:t>All users</a:t>
+            </a:r>
+            <a:r>
+              <a:rPr/>
+              <a:t> in the left menu pane. You should see Chris Green restored as a user.</a:t>
+            </a:r>
+          </a:p>
+        </p:txBody>
+      </p:sp>
+    </p:spTree>
+  </p:cSld>
+</p:sld>
+</file>
+
+<file path=ppt/slides/slide6.xml><?xml version="1.0" encoding="utf-8"?>
+<p:sld xmlns:a="http://schemas.openxmlformats.org/drawingml/2006/main" xmlns:r="http://schemas.openxmlformats.org/officeDocument/2006/relationships" xmlns:p="http://schemas.openxmlformats.org/presentationml/2006/main">
+  <p:cSld>
+    <p:spTree>
+      <p:nvGrpSpPr>
+        <p:cNvPr id="1" name=""/>
+        <p:cNvGrpSpPr/>
+        <p:nvPr/>
+      </p:nvGrpSpPr>
+      <p:grpSpPr>
+        <a:xfrm>
+          <a:off x="0" y="0"/>
+          <a:ext cx="0" cy="0"/>
+          <a:chOff x="0" y="0"/>
+          <a:chExt cx="0" cy="0"/>
+        </a:xfrm>
+      </p:grpSpPr>
+      <p:sp>
+        <p:nvSpPr>
+          <p:cNvPr id="2" name="Title 1"/>
+          <p:cNvSpPr>
+            <a:spLocks noGrp="1"/>
+          </p:cNvSpPr>
+          <p:nvPr>
+            <p:ph type="title"/>
+          </p:nvPr>
+        </p:nvSpPr>
+        <p:spPr/>
+        <p:txBody>
+          <a:bodyPr/>
+          <a:lstStyle/>
+          <a:p>
+            <a:pPr lvl="0" indent="0" marL="0">
+              <a:buNone/>
+            </a:pPr>
+            <a:r>
+              <a:rPr/>
+              <a:t>Next unit: Manage app and resource access by using Azure Active Directory groups</a:t>
+            </a:r>
+          </a:p>
+        </p:txBody>
+      </p:sp>
+      <p:sp>
+        <p:nvSpPr>
+          <p:cNvPr id="3" name="Content Placeholder 2"/>
+          <p:cNvSpPr>
+            <a:spLocks noGrp="1"/>
+          </p:cNvSpPr>
+          <p:nvPr>
+            <p:ph idx="1"/>
+          </p:nvPr>
+        </p:nvSpPr>
+        <p:spPr/>
+        <p:txBody>
+          <a:bodyPr/>
+          <a:lstStyle/>
+          <a:p>
+            <a:pPr lvl="0" indent="0" marL="0">
+              <a:buNone/>
+            </a:pPr>
+            <a:r>
+              <a:rPr>
+                <a:hlinkClick r:id="rId2"/>
+              </a:rPr>
+              <a:t>Continue</a:t>
+            </a:r>
+          </a:p>
+          <a:p>
+            <a:pPr lvl="0" indent="0" marL="0">
+              <a:buNone/>
+            </a:pPr>
+            <a:r>
+              <a:rPr/>
+              <a:t>Need help? See our </a:t>
+            </a:r>
+            <a:r>
+              <a:rPr>
+                <a:hlinkClick r:id="rId3"/>
+              </a:rPr>
+              <a:t>troubleshooting guide</a:t>
+            </a:r>
+            <a:r>
+              <a:rPr/>
+              <a:t> or provide specific feedback by </a:t>
+            </a:r>
+            <a:r>
+              <a:rPr>
+                <a:hlinkClick r:id="rId4"/>
+              </a:rPr>
+              <a:t>reporting an issue</a:t>
+            </a:r>
+            <a:r>
+              <a:rPr/>
+              <a:t>.</a:t>
+            </a:r>
+          </a:p>
+        </p:txBody>
+      </p:sp>
+    </p:spTree>
+  </p:cSld>
 </p:sld>
 </file>
 
@@ -3467,4 +4678,265 @@
   </a:objectDefaults>
   <a:extraClrSchemeLst/>
 </a:theme>
+</file>
+
+<file path=ppt/theme/theme2.xml><?xml version="1.0" encoding="utf-8"?>
+<a:theme xmlns:a="http://schemas.openxmlformats.org/drawingml/2006/main" name="Office Theme">
+  <a:themeElements>
+    <a:clrScheme name="Office">
+      <a:dk1>
+        <a:sysClr val="windowText" lastClr="000000"/>
+      </a:dk1>
+      <a:lt1>
+        <a:sysClr val="window" lastClr="FFFFFF"/>
+      </a:lt1>
+      <a:dk2>
+        <a:srgbClr val="44546A"/>
+      </a:dk2>
+      <a:lt2>
+        <a:srgbClr val="E7E6E6"/>
+      </a:lt2>
+      <a:accent1>
+        <a:srgbClr val="5B9BD5"/>
+      </a:accent1>
+      <a:accent2>
+        <a:srgbClr val="ED7D31"/>
+      </a:accent2>
+      <a:accent3>
+        <a:srgbClr val="A5A5A5"/>
+      </a:accent3>
+      <a:accent4>
+        <a:srgbClr val="FFC000"/>
+      </a:accent4>
+      <a:accent5>
+        <a:srgbClr val="4472C4"/>
+      </a:accent5>
+      <a:accent6>
+        <a:srgbClr val="70AD47"/>
+      </a:accent6>
+      <a:hlink>
+        <a:srgbClr val="0563C1"/>
+      </a:hlink>
+      <a:folHlink>
+        <a:srgbClr val="954F72"/>
+      </a:folHlink>
+    </a:clrScheme>
+    <a:fontScheme name="Office">
+      <a:majorFont>
+        <a:latin typeface="Calibri Light" panose="020F0302020204030204"/>
+        <a:ea typeface=""/>
+        <a:cs typeface=""/>
+        <a:font script="Jpan" typeface="ＭＳ Ｐゴシック"/>
+        <a:font script="Hang" typeface="맑은 고딕"/>
+        <a:font script="Hans" typeface="宋体"/>
+        <a:font script="Hant" typeface="新細明體"/>
+        <a:font script="Arab" typeface="Times New Roman"/>
+        <a:font script="Hebr" typeface="Times New Roman"/>
+        <a:font script="Thai" typeface="Angsana New"/>
+        <a:font script="Ethi" typeface="Nyala"/>
+        <a:font script="Beng" typeface="Vrinda"/>
+        <a:font script="Gujr" typeface="Shruti"/>
+        <a:font script="Khmr" typeface="MoolBoran"/>
+        <a:font script="Knda" typeface="Tunga"/>
+        <a:font script="Guru" typeface="Raavi"/>
+        <a:font script="Cans" typeface="Euphemia"/>
+        <a:font script="Cher" typeface="Plantagenet Cherokee"/>
+        <a:font script="Yiii" typeface="Microsoft Yi Baiti"/>
+        <a:font script="Tibt" typeface="Microsoft Himalaya"/>
+        <a:font script="Thaa" typeface="MV Boli"/>
+        <a:font script="Deva" typeface="Mangal"/>
+        <a:font script="Telu" typeface="Gautami"/>
+        <a:font script="Taml" typeface="Latha"/>
+        <a:font script="Syrc" typeface="Estrangelo Edessa"/>
+        <a:font script="Orya" typeface="Kalinga"/>
+        <a:font script="Mlym" typeface="Kartika"/>
+        <a:font script="Laoo" typeface="DokChampa"/>
+        <a:font script="Sinh" typeface="Iskoola Pota"/>
+        <a:font script="Mong" typeface="Mongolian Baiti"/>
+        <a:font script="Viet" typeface="Times New Roman"/>
+        <a:font script="Uigh" typeface="Microsoft Uighur"/>
+        <a:font script="Geor" typeface="Sylfaen"/>
+      </a:majorFont>
+      <a:minorFont>
+        <a:latin typeface="Calibri" panose="020F0502020204030204"/>
+        <a:ea typeface=""/>
+        <a:cs typeface=""/>
+        <a:font script="Jpan" typeface="ＭＳ Ｐゴシック"/>
+        <a:font script="Hang" typeface="맑은 고딕"/>
+        <a:font script="Hans" typeface="宋体"/>
+        <a:font script="Hant" typeface="新細明體"/>
+        <a:font script="Arab" typeface="Arial"/>
+        <a:font script="Hebr" typeface="Arial"/>
+        <a:font script="Thai" typeface="Cordia New"/>
+        <a:font script="Ethi" typeface="Nyala"/>
+        <a:font script="Beng" typeface="Vrinda"/>
+        <a:font script="Gujr" typeface="Shruti"/>
+        <a:font script="Khmr" typeface="DaunPenh"/>
+        <a:font script="Knda" typeface="Tunga"/>
+        <a:font script="Guru" typeface="Raavi"/>
+        <a:font script="Cans" typeface="Euphemia"/>
+        <a:font script="Cher" typeface="Plantagenet Cherokee"/>
+        <a:font script="Yiii" typeface="Microsoft Yi Baiti"/>
+        <a:font script="Tibt" typeface="Microsoft Himalaya"/>
+        <a:font script="Thaa" typeface="MV Boli"/>
+        <a:font script="Deva" typeface="Mangal"/>
+        <a:font script="Telu" typeface="Gautami"/>
+        <a:font script="Taml" typeface="Latha"/>
+        <a:font script="Syrc" typeface="Estrangelo Edessa"/>
+        <a:font script="Orya" typeface="Kalinga"/>
+        <a:font script="Mlym" typeface="Kartika"/>
+        <a:font script="Laoo" typeface="DokChampa"/>
+        <a:font script="Sinh" typeface="Iskoola Pota"/>
+        <a:font script="Mong" typeface="Mongolian Baiti"/>
+        <a:font script="Viet" typeface="Arial"/>
+        <a:font script="Uigh" typeface="Microsoft Uighur"/>
+        <a:font script="Geor" typeface="Sylfaen"/>
+      </a:minorFont>
+    </a:fontScheme>
+    <a:fmtScheme name="Office">
+      <a:fillStyleLst>
+        <a:solidFill>
+          <a:schemeClr val="phClr"/>
+        </a:solidFill>
+        <a:gradFill rotWithShape="1">
+          <a:gsLst>
+            <a:gs pos="0">
+              <a:schemeClr val="phClr">
+                <a:lumMod val="110000"/>
+                <a:satMod val="105000"/>
+                <a:tint val="67000"/>
+              </a:schemeClr>
+            </a:gs>
+            <a:gs pos="50000">
+              <a:schemeClr val="phClr">
+                <a:lumMod val="105000"/>
+                <a:satMod val="103000"/>
+                <a:tint val="73000"/>
+              </a:schemeClr>
+            </a:gs>
+            <a:gs pos="100000">
+              <a:schemeClr val="phClr">
+                <a:lumMod val="105000"/>
+                <a:satMod val="109000"/>
+                <a:tint val="81000"/>
+              </a:schemeClr>
+            </a:gs>
+          </a:gsLst>
+          <a:lin ang="5400000" scaled="0"/>
+        </a:gradFill>
+        <a:gradFill rotWithShape="1">
+          <a:gsLst>
+            <a:gs pos="0">
+              <a:schemeClr val="phClr">
+                <a:satMod val="103000"/>
+                <a:lumMod val="102000"/>
+                <a:tint val="94000"/>
+              </a:schemeClr>
+            </a:gs>
+            <a:gs pos="50000">
+              <a:schemeClr val="phClr">
+                <a:satMod val="110000"/>
+                <a:lumMod val="100000"/>
+                <a:shade val="100000"/>
+              </a:schemeClr>
+            </a:gs>
+            <a:gs pos="100000">
+              <a:schemeClr val="phClr">
+                <a:lumMod val="99000"/>
+                <a:satMod val="120000"/>
+                <a:shade val="78000"/>
+              </a:schemeClr>
+            </a:gs>
+          </a:gsLst>
+          <a:lin ang="5400000" scaled="0"/>
+        </a:gradFill>
+      </a:fillStyleLst>
+      <a:lnStyleLst>
+        <a:ln w="6350" cap="flat" cmpd="sng" algn="ctr">
+          <a:solidFill>
+            <a:schemeClr val="phClr"/>
+          </a:solidFill>
+          <a:prstDash val="solid"/>
+          <a:miter lim="800000"/>
+        </a:ln>
+        <a:ln w="12700" cap="flat" cmpd="sng" algn="ctr">
+          <a:solidFill>
+            <a:schemeClr val="phClr"/>
+          </a:solidFill>
+          <a:prstDash val="solid"/>
+          <a:miter lim="800000"/>
+        </a:ln>
+        <a:ln w="19050" cap="flat" cmpd="sng" algn="ctr">
+          <a:solidFill>
+            <a:schemeClr val="phClr"/>
+          </a:solidFill>
+          <a:prstDash val="solid"/>
+          <a:miter lim="800000"/>
+        </a:ln>
+      </a:lnStyleLst>
+      <a:effectStyleLst>
+        <a:effectStyle>
+          <a:effectLst/>
+        </a:effectStyle>
+        <a:effectStyle>
+          <a:effectLst/>
+        </a:effectStyle>
+        <a:effectStyle>
+          <a:effectLst>
+            <a:outerShdw blurRad="57150" dist="19050" dir="5400000" algn="ctr" rotWithShape="0">
+              <a:srgbClr val="000000">
+                <a:alpha val="63000"/>
+              </a:srgbClr>
+            </a:outerShdw>
+          </a:effectLst>
+        </a:effectStyle>
+      </a:effectStyleLst>
+      <a:bgFillStyleLst>
+        <a:solidFill>
+          <a:schemeClr val="phClr"/>
+        </a:solidFill>
+        <a:solidFill>
+          <a:schemeClr val="phClr">
+            <a:tint val="95000"/>
+            <a:satMod val="170000"/>
+          </a:schemeClr>
+        </a:solidFill>
+        <a:gradFill rotWithShape="1">
+          <a:gsLst>
+            <a:gs pos="0">
+              <a:schemeClr val="phClr">
+                <a:tint val="93000"/>
+                <a:satMod val="150000"/>
+                <a:shade val="98000"/>
+                <a:lumMod val="102000"/>
+              </a:schemeClr>
+            </a:gs>
+            <a:gs pos="50000">
+              <a:schemeClr val="phClr">
+                <a:tint val="98000"/>
+                <a:satMod val="130000"/>
+                <a:shade val="90000"/>
+                <a:lumMod val="103000"/>
+              </a:schemeClr>
+            </a:gs>
+            <a:gs pos="100000">
+              <a:schemeClr val="phClr">
+                <a:shade val="63000"/>
+                <a:satMod val="120000"/>
+              </a:schemeClr>
+            </a:gs>
+          </a:gsLst>
+          <a:lin ang="5400000" scaled="0"/>
+        </a:gradFill>
+      </a:bgFillStyleLst>
+    </a:fmtScheme>
+  </a:themeElements>
+  <a:objectDefaults/>
+  <a:extraClrSchemeLst/>
+  <a:extLst>
+    <a:ext uri="{05A4C25C-085E-4340-85A3-A5531E510DB2}">
+      <thm15:themeFamily xmlns:thm15="http://schemas.microsoft.com/office/thememl/2012/main" name="Office Theme" id="{62F939B6-93AF-4DB8-9C6B-D6C7DFDC589F}" vid="{4A3C46E8-61CC-4603-A589-7422A47A8E4A}"/>
+    </a:ext>
+  </a:extLst>
+</a:theme>
 </file>